--- a/lci_esom1.pptx
+++ b/lci_esom1.pptx
@@ -3729,13 +3729,6 @@
             </a:r>
           </a:p>
           <a:p>
-            <a:pPr lvl="0" indent="0" marL="0">
-              <a:buNone/>
-            </a:pPr>
-            <a:br/>
-            <a:br/>
-          </a:p>
-          <a:p>
             <a:pPr lvl="0"/>
             <a:r>
               <a:rPr b="1"/>
@@ -3745,8 +3738,6 @@
               <a:rPr/>
               <a:t> = Tumor - Depth of growth into the wall of the esophagus</a:t>
             </a:r>
-            <a:br/>
-            <a:br/>
           </a:p>
           <a:p>
             <a:pPr lvl="0"/>
@@ -3758,8 +3749,6 @@
               <a:rPr/>
               <a:t> = Nodes - Spread to the lymph nodes</a:t>
             </a:r>
-            <a:br/>
-            <a:br/>
           </a:p>
           <a:p>
             <a:pPr lvl="0"/>
@@ -3945,22 +3934,42 @@
                 </a:r>
               </a:p>
               <a:p>
-                <a:pPr lvl="0" indent="0" marL="0">
-                  <a:buNone/>
-                </a:pPr>
-                <a:br/>
-                <a:br/>
+                <a:pPr lvl="0"/>
                 <a:r>
                   <a:rPr/>
-                  <a:t>- Superficial (T1) </a:t>
+                  <a:t>Superficial (T1) </a:t>
                 </a:r>
                 <a14:m>
                   <m:oMath xmlns:m="http://schemas.openxmlformats.org/officeDocument/2006/math">
                     <m:r>
-                      <m:rPr>
-                        <m:sty m:val="p"/>
-                      </m:rPr>
-                      <m:t>⇒</m:t>
+                      <m:t>R</m:t>
+                    </m:r>
+                    <m:r>
+                      <m:t>i</m:t>
+                    </m:r>
+                    <m:r>
+                      <m:t>g</m:t>
+                    </m:r>
+                    <m:r>
+                      <m:t>h</m:t>
+                    </m:r>
+                    <m:r>
+                      <m:t>t</m:t>
+                    </m:r>
+                    <m:r>
+                      <m:t>a</m:t>
+                    </m:r>
+                    <m:r>
+                      <m:t>r</m:t>
+                    </m:r>
+                    <m:r>
+                      <m:t>r</m:t>
+                    </m:r>
+                    <m:r>
+                      <m:t>o</m:t>
+                    </m:r>
+                    <m:r>
+                      <m:t>w</m:t>
                     </m:r>
                   </m:oMath>
                 </a14:m>
@@ -3968,19 +3977,44 @@
                   <a:rPr/>
                   <a:t> Endoscopic Therapy</a:t>
                 </a:r>
-                <a:br/>
-                <a:br/>
+              </a:p>
+              <a:p>
+                <a:pPr lvl="0"/>
                 <a:r>
                   <a:rPr/>
-                  <a:t>- Localized (T1b/T2) </a:t>
+                  <a:t>Localized (T1b/T2) </a:t>
                 </a:r>
                 <a14:m>
                   <m:oMath xmlns:m="http://schemas.openxmlformats.org/officeDocument/2006/math">
                     <m:r>
-                      <m:rPr>
-                        <m:sty m:val="p"/>
-                      </m:rPr>
-                      <m:t>⇒</m:t>
+                      <m:t>R</m:t>
+                    </m:r>
+                    <m:r>
+                      <m:t>i</m:t>
+                    </m:r>
+                    <m:r>
+                      <m:t>g</m:t>
+                    </m:r>
+                    <m:r>
+                      <m:t>h</m:t>
+                    </m:r>
+                    <m:r>
+                      <m:t>t</m:t>
+                    </m:r>
+                    <m:r>
+                      <m:t>a</m:t>
+                    </m:r>
+                    <m:r>
+                      <m:t>r</m:t>
+                    </m:r>
+                    <m:r>
+                      <m:t>r</m:t>
+                    </m:r>
+                    <m:r>
+                      <m:t>o</m:t>
+                    </m:r>
+                    <m:r>
+                      <m:t>w</m:t>
                     </m:r>
                   </m:oMath>
                 </a14:m>
@@ -3988,11 +4022,12 @@
                   <a:rPr/>
                   <a:t> Surgery</a:t>
                 </a:r>
-                <a:br/>
-                <a:br/>
+              </a:p>
+              <a:p>
+                <a:pPr lvl="0"/>
                 <a:r>
                   <a:rPr/>
-                  <a:t>- Locally-advanced (T3/N1) </a:t>
+                  <a:t>Locally-advanced (T3/N1) </a:t>
                 </a:r>
                 <a14:m>
                   <m:oMath xmlns:m="http://schemas.openxmlformats.org/officeDocument/2006/math">
@@ -4036,11 +4071,12 @@
                   <a:rPr/>
                   <a:t>Surgery</a:t>
                 </a:r>
-                <a:br/>
-                <a:br/>
+              </a:p>
+              <a:p>
+                <a:pPr lvl="0"/>
                 <a:r>
                   <a:rPr/>
-                  <a:t>- Metastatic (M1) </a:t>
+                  <a:t>Metastatic (M1) </a:t>
                 </a:r>
                 <a14:m>
                   <m:oMath xmlns:m="http://schemas.openxmlformats.org/officeDocument/2006/math">
@@ -4126,26 +4162,24 @@
                 </a:r>
               </a:p>
               <a:p>
-                <a:pPr lvl="0" indent="0" marL="0">
-                  <a:buNone/>
-                </a:pPr>
-                <a:br/>
-                <a:br/>
+                <a:pPr lvl="0"/>
                 <a:r>
                   <a:rPr/>
-                  <a:t>- Symptom control</a:t>
+                  <a:t>Symptom control</a:t>
                 </a:r>
-                <a:br/>
-                <a:br/>
+              </a:p>
+              <a:p>
+                <a:pPr lvl="0"/>
                 <a:r>
                   <a:rPr/>
-                  <a:t>- Prolong life</a:t>
+                  <a:t>Prolong life</a:t>
                 </a:r>
-                <a:br/>
-                <a:br/>
+              </a:p>
+              <a:p>
+                <a:pPr lvl="0"/>
                 <a:r>
                   <a:rPr/>
-                  <a:t>- Minimize symptoms due to treatment</a:t>
+                  <a:t>Minimize symptoms due to treatment</a:t>
                 </a:r>
               </a:p>
               <a:p>
@@ -4583,8 +4617,12 @@
               <a:buNone/>
             </a:pPr>
             <a:r>
+              <a:rPr b="1"/>
+              <a:t>Short Course</a:t>
+            </a:r>
+            <a:r>
               <a:rPr/>
-              <a:t>** Short Course ** - 10 treatments over 2 weeks</a:t>
+              <a:t> - 10 treatments over 2 weeks</a:t>
             </a:r>
           </a:p>
           <a:p>
@@ -4592,8 +4630,12 @@
               <a:buNone/>
             </a:pPr>
             <a:r>
+              <a:rPr b="1"/>
+              <a:t>Conventional Dosing</a:t>
+            </a:r>
+            <a:r>
               <a:rPr/>
-              <a:t>** Conventional Dosing* - 25-30 treatment over 5-6 weeks</a:t>
+              <a:t> - 25-30 treatment over 5-6 weeks</a:t>
             </a:r>
           </a:p>
           <a:p>
@@ -4607,13 +4649,6 @@
               <a:rPr b="1"/>
               <a:t>Radiation Therapy - Bone</a:t>
             </a:r>
-          </a:p>
-          <a:p>
-            <a:pPr lvl="0" indent="0" marL="0">
-              <a:buNone/>
-            </a:pPr>
-            <a:br/>
-            <a:br/>
           </a:p>
           <a:p>
             <a:pPr lvl="0" indent="0" marL="0">

--- a/lci_esom1.pptx
+++ b/lci_esom1.pptx
@@ -14,6 +14,14 @@
     <p:sldId id="262" r:id="rId8"/>
     <p:sldId id="263" r:id="rId9"/>
     <p:sldId id="264" r:id="rId10"/>
+    <p:sldId id="265" r:id="rId11"/>
+    <p:sldId id="266" r:id="rId12"/>
+    <p:sldId id="267" r:id="rId13"/>
+    <p:sldId id="268" r:id="rId14"/>
+    <p:sldId id="269" r:id="rId15"/>
+    <p:sldId id="270" r:id="rId16"/>
+    <p:sldId id="271" r:id="rId17"/>
+    <p:sldId id="272" r:id="rId18"/>
   </p:sldIdLst>
   <p:sldSz cx="9144000" cy="5143500" type="screen16x9"/>
   <p:notesSz cx="6858000" cy="9144000"/>
@@ -3497,6 +3505,796 @@
 </p:sld>
 </file>
 
+<file path=ppt/slides/slide10.xml><?xml version="1.0" encoding="utf-8"?>
+<p:sld xmlns:a="http://schemas.openxmlformats.org/drawingml/2006/main" xmlns:r="http://schemas.openxmlformats.org/officeDocument/2006/relationships" xmlns:p="http://schemas.openxmlformats.org/presentationml/2006/main">
+  <p:cSld>
+    <p:spTree>
+      <p:nvGrpSpPr>
+        <p:cNvPr id="1" name=""/>
+        <p:cNvGrpSpPr/>
+        <p:nvPr/>
+      </p:nvGrpSpPr>
+      <p:grpSpPr>
+        <a:xfrm>
+          <a:off x="0" y="0"/>
+          <a:ext cx="0" cy="0"/>
+          <a:chOff x="0" y="0"/>
+          <a:chExt cx="0" cy="0"/>
+        </a:xfrm>
+      </p:grpSpPr>
+      <p:sp>
+        <p:nvSpPr>
+          <p:cNvPr id="2" name="Title 1"/>
+          <p:cNvSpPr>
+            <a:spLocks noGrp="1"/>
+          </p:cNvSpPr>
+          <p:nvPr>
+            <p:ph type="title"/>
+          </p:nvPr>
+        </p:nvSpPr>
+        <p:spPr/>
+        <p:txBody>
+          <a:bodyPr/>
+          <a:lstStyle/>
+          <a:p>
+            <a:pPr lvl="0" indent="0" marL="0">
+              <a:buNone/>
+            </a:pPr>
+            <a:r>
+              <a:rPr/>
+              <a:t>Endoluminal Stent</a:t>
+            </a:r>
+          </a:p>
+        </p:txBody>
+      </p:sp>
+      <p:sp>
+        <p:nvSpPr>
+          <p:cNvPr id="3" name="Content Placeholder 2"/>
+          <p:cNvSpPr>
+            <a:spLocks noGrp="1"/>
+          </p:cNvSpPr>
+          <p:nvPr>
+            <p:ph idx="1" sz="half"/>
+          </p:nvPr>
+        </p:nvSpPr>
+        <p:spPr/>
+        <p:txBody>
+          <a:bodyPr/>
+          <a:lstStyle/>
+          <a:p>
+            <a:pPr lvl="0" indent="0" marL="0">
+              <a:buNone/>
+            </a:pPr>
+            <a:r>
+              <a:rPr/>
+              <a:t>An endoluminal stent can be placed inside an esophageal cancer to improve eating</a:t>
+            </a:r>
+          </a:p>
+        </p:txBody>
+      </p:sp>
+      <p:pic>
+        <p:nvPicPr>
+          <p:cNvPr descr="https://deidt7p41jzcy.cloudfront.net/wallflex_eso.png" id="0" name="Picture 1"/>
+          <p:cNvPicPr>
+            <a:picLocks noGrp="1" noChangeAspect="1"/>
+          </p:cNvPicPr>
+          <p:nvPr/>
+        </p:nvPicPr>
+        <p:blipFill>
+          <a:blip r:embed="rId2"/>
+          <a:stretch>
+            <a:fillRect/>
+          </a:stretch>
+        </p:blipFill>
+        <p:spPr bwMode="auto">
+          <a:xfrm>
+            <a:off x="4978400" y="1193800"/>
+            <a:ext cx="3390900" cy="3390900"/>
+          </a:xfrm>
+          <a:prstGeom prst="rect">
+            <a:avLst/>
+          </a:prstGeom>
+          <a:noFill/>
+          <a:ln w="9525">
+            <a:noFill/>
+            <a:headEnd/>
+            <a:tailEnd/>
+          </a:ln>
+        </p:spPr>
+      </p:pic>
+    </p:spTree>
+  </p:cSld>
+</p:sld>
+</file>
+
+<file path=ppt/slides/slide11.xml><?xml version="1.0" encoding="utf-8"?>
+<p:sld xmlns:a="http://schemas.openxmlformats.org/drawingml/2006/main" xmlns:r="http://schemas.openxmlformats.org/officeDocument/2006/relationships" xmlns:p="http://schemas.openxmlformats.org/presentationml/2006/main">
+  <p:cSld>
+    <p:spTree>
+      <p:nvGrpSpPr>
+        <p:cNvPr id="1" name=""/>
+        <p:cNvGrpSpPr/>
+        <p:nvPr/>
+      </p:nvGrpSpPr>
+      <p:grpSpPr>
+        <a:xfrm>
+          <a:off x="0" y="0"/>
+          <a:ext cx="0" cy="0"/>
+          <a:chOff x="0" y="0"/>
+          <a:chExt cx="0" cy="0"/>
+        </a:xfrm>
+      </p:grpSpPr>
+      <p:sp>
+        <p:nvSpPr>
+          <p:cNvPr id="2" name="Title 1"/>
+          <p:cNvSpPr>
+            <a:spLocks noGrp="1"/>
+          </p:cNvSpPr>
+          <p:nvPr>
+            <p:ph type="title"/>
+          </p:nvPr>
+        </p:nvSpPr>
+        <p:spPr/>
+        <p:txBody>
+          <a:bodyPr/>
+          <a:lstStyle/>
+          <a:p>
+            <a:pPr lvl="0" indent="0" marL="0">
+              <a:buNone/>
+            </a:pPr>
+            <a:r>
+              <a:rPr/>
+              <a:t>Endoluminal Stent</a:t>
+            </a:r>
+          </a:p>
+        </p:txBody>
+      </p:sp>
+      <p:sp>
+        <p:nvSpPr>
+          <p:cNvPr id="3" name="Content Placeholder 2"/>
+          <p:cNvSpPr>
+            <a:spLocks noGrp="1"/>
+          </p:cNvSpPr>
+          <p:nvPr>
+            <p:ph idx="1" sz="half"/>
+          </p:nvPr>
+        </p:nvSpPr>
+        <p:spPr/>
+        <p:txBody>
+          <a:bodyPr/>
+          <a:lstStyle/>
+          <a:p>
+            <a:pPr lvl="0" indent="0" marL="0">
+              <a:buNone/>
+            </a:pPr>
+            <a:r>
+              <a:rPr/>
+              <a:t>An endoluminal stent can be placed inside an esophageal cancer to improve eating</a:t>
+            </a:r>
+          </a:p>
+        </p:txBody>
+      </p:sp>
+      <p:pic>
+        <p:nvPicPr>
+          <p:cNvPr descr="https://deidt7p41jzcy.cloudfront.net/nci_stent_433292.jpg" id="0" name="Picture 1"/>
+          <p:cNvPicPr>
+            <a:picLocks noGrp="1" noChangeAspect="1"/>
+          </p:cNvPicPr>
+          <p:nvPr/>
+        </p:nvPicPr>
+        <p:blipFill>
+          <a:blip r:embed="rId2"/>
+          <a:stretch>
+            <a:fillRect/>
+          </a:stretch>
+        </p:blipFill>
+        <p:spPr bwMode="auto">
+          <a:xfrm>
+            <a:off x="4724400" y="1193800"/>
+            <a:ext cx="3886200" cy="3390900"/>
+          </a:xfrm>
+          <a:prstGeom prst="rect">
+            <a:avLst/>
+          </a:prstGeom>
+          <a:noFill/>
+          <a:ln w="9525">
+            <a:noFill/>
+            <a:headEnd/>
+            <a:tailEnd/>
+          </a:ln>
+        </p:spPr>
+      </p:pic>
+    </p:spTree>
+  </p:cSld>
+</p:sld>
+</file>
+
+<file path=ppt/slides/slide12.xml><?xml version="1.0" encoding="utf-8"?>
+<p:sld xmlns:a="http://schemas.openxmlformats.org/drawingml/2006/main" xmlns:r="http://schemas.openxmlformats.org/officeDocument/2006/relationships" xmlns:p="http://schemas.openxmlformats.org/presentationml/2006/main">
+  <p:cSld>
+    <p:spTree>
+      <p:nvGrpSpPr>
+        <p:cNvPr id="1" name=""/>
+        <p:cNvGrpSpPr/>
+        <p:nvPr/>
+      </p:nvGrpSpPr>
+      <p:grpSpPr>
+        <a:xfrm>
+          <a:off x="0" y="0"/>
+          <a:ext cx="0" cy="0"/>
+          <a:chOff x="0" y="0"/>
+          <a:chExt cx="0" cy="0"/>
+        </a:xfrm>
+      </p:grpSpPr>
+      <p:sp>
+        <p:nvSpPr>
+          <p:cNvPr id="2" name="Title 1"/>
+          <p:cNvSpPr>
+            <a:spLocks noGrp="1"/>
+          </p:cNvSpPr>
+          <p:nvPr>
+            <p:ph type="title"/>
+          </p:nvPr>
+        </p:nvSpPr>
+        <p:spPr/>
+        <p:txBody>
+          <a:bodyPr/>
+          <a:lstStyle/>
+          <a:p>
+            <a:pPr lvl="0" indent="0" marL="0">
+              <a:buNone/>
+            </a:pPr>
+            <a:r>
+              <a:rPr/>
+              <a:t>Endoluminal Stents</a:t>
+            </a:r>
+          </a:p>
+        </p:txBody>
+      </p:sp>
+      <p:sp>
+        <p:nvSpPr>
+          <p:cNvPr id="3" name="Content Placeholder 2"/>
+          <p:cNvSpPr>
+            <a:spLocks noGrp="1"/>
+          </p:cNvSpPr>
+          <p:nvPr>
+            <p:ph idx="1"/>
+          </p:nvPr>
+        </p:nvSpPr>
+        <p:spPr/>
+        <p:txBody>
+          <a:bodyPr/>
+          <a:lstStyle/>
+          <a:p>
+            <a:pPr lvl="0" indent="0" marL="0">
+              <a:buNone/>
+            </a:pPr>
+            <a:r>
+              <a:rPr/>
+              <a:t>Advantages:</a:t>
+            </a:r>
+          </a:p>
+          <a:p>
+            <a:pPr lvl="0"/>
+            <a:r>
+              <a:rPr/>
+              <a:t>Outpatient endoscopic procedure (no surgery)</a:t>
+            </a:r>
+          </a:p>
+          <a:p>
+            <a:pPr lvl="0"/>
+            <a:r>
+              <a:rPr/>
+              <a:t>Can improve swallowing</a:t>
+            </a:r>
+          </a:p>
+          <a:p>
+            <a:pPr lvl="0" indent="0" marL="0">
+              <a:buNone/>
+            </a:pPr>
+            <a:r>
+              <a:rPr/>
+              <a:t>Disadvantages:</a:t>
+            </a:r>
+          </a:p>
+          <a:p>
+            <a:pPr lvl="0"/>
+            <a:r>
+              <a:rPr/>
+              <a:t>Discomfort and reflux</a:t>
+            </a:r>
+          </a:p>
+          <a:p>
+            <a:pPr lvl="0"/>
+            <a:r>
+              <a:rPr/>
+              <a:t>Can make surgery to remove esophagus more complicated</a:t>
+            </a:r>
+          </a:p>
+        </p:txBody>
+      </p:sp>
+    </p:spTree>
+  </p:cSld>
+</p:sld>
+</file>
+
+<file path=ppt/slides/slide13.xml><?xml version="1.0" encoding="utf-8"?>
+<p:sld xmlns:a="http://schemas.openxmlformats.org/drawingml/2006/main" xmlns:r="http://schemas.openxmlformats.org/officeDocument/2006/relationships" xmlns:p="http://schemas.openxmlformats.org/presentationml/2006/main">
+  <p:cSld>
+    <p:spTree>
+      <p:nvGrpSpPr>
+        <p:cNvPr id="1" name=""/>
+        <p:cNvGrpSpPr/>
+        <p:nvPr/>
+      </p:nvGrpSpPr>
+      <p:grpSpPr>
+        <a:xfrm>
+          <a:off x="0" y="0"/>
+          <a:ext cx="0" cy="0"/>
+          <a:chOff x="0" y="0"/>
+          <a:chExt cx="0" cy="0"/>
+        </a:xfrm>
+      </p:grpSpPr>
+      <p:sp>
+        <p:nvSpPr>
+          <p:cNvPr id="2" name="Title 1"/>
+          <p:cNvSpPr>
+            <a:spLocks noGrp="1"/>
+          </p:cNvSpPr>
+          <p:nvPr>
+            <p:ph type="title"/>
+          </p:nvPr>
+        </p:nvSpPr>
+        <p:spPr/>
+        <p:txBody>
+          <a:bodyPr/>
+          <a:lstStyle/>
+          <a:p>
+            <a:pPr lvl="0" indent="0" marL="0">
+              <a:buNone/>
+            </a:pPr>
+            <a:r>
+              <a:rPr/>
+              <a:t>Radiation Therapy - Esophagus</a:t>
+            </a:r>
+          </a:p>
+        </p:txBody>
+      </p:sp>
+      <p:sp>
+        <p:nvSpPr>
+          <p:cNvPr id="3" name="Content Placeholder 2"/>
+          <p:cNvSpPr>
+            <a:spLocks noGrp="1"/>
+          </p:cNvSpPr>
+          <p:nvPr>
+            <p:ph idx="1"/>
+          </p:nvPr>
+        </p:nvSpPr>
+        <p:spPr/>
+        <p:txBody>
+          <a:bodyPr/>
+          <a:lstStyle/>
+          <a:p>
+            <a:pPr lvl="0" indent="0" marL="0">
+              <a:buNone/>
+            </a:pPr>
+            <a:r>
+              <a:rPr/>
+              <a:t>Radiation therapy to the esophagus can improve swallowing. There are two approaches:</a:t>
+            </a:r>
+          </a:p>
+          <a:p>
+            <a:pPr lvl="0" indent="0" marL="0">
+              <a:buNone/>
+            </a:pPr>
+            <a:r>
+              <a:rPr b="1"/>
+              <a:t>Short Course</a:t>
+            </a:r>
+          </a:p>
+          <a:p>
+            <a:pPr lvl="0"/>
+            <a:r>
+              <a:rPr/>
+              <a:t>10 treatments over 2 weeks</a:t>
+            </a:r>
+          </a:p>
+          <a:p>
+            <a:pPr lvl="0" indent="0" marL="0">
+              <a:buNone/>
+            </a:pPr>
+            <a:r>
+              <a:rPr b="1"/>
+              <a:t>Conventional Dosing</a:t>
+            </a:r>
+          </a:p>
+          <a:p>
+            <a:pPr lvl="0"/>
+            <a:r>
+              <a:rPr/>
+              <a:t>25-30 treatment over 5-6 weeks</a:t>
+            </a:r>
+          </a:p>
+          <a:p>
+            <a:pPr lvl="0"/>
+            <a:r>
+              <a:rPr/>
+              <a:t>Usually combined with low-dose chemo</a:t>
+            </a:r>
+          </a:p>
+        </p:txBody>
+      </p:sp>
+    </p:spTree>
+  </p:cSld>
+</p:sld>
+</file>
+
+<file path=ppt/slides/slide14.xml><?xml version="1.0" encoding="utf-8"?>
+<p:sld xmlns:a="http://schemas.openxmlformats.org/drawingml/2006/main" xmlns:r="http://schemas.openxmlformats.org/officeDocument/2006/relationships" xmlns:p="http://schemas.openxmlformats.org/presentationml/2006/main">
+  <p:cSld>
+    <p:spTree>
+      <p:nvGrpSpPr>
+        <p:cNvPr id="1" name=""/>
+        <p:cNvGrpSpPr/>
+        <p:nvPr/>
+      </p:nvGrpSpPr>
+      <p:grpSpPr>
+        <a:xfrm>
+          <a:off x="0" y="0"/>
+          <a:ext cx="0" cy="0"/>
+          <a:chOff x="0" y="0"/>
+          <a:chExt cx="0" cy="0"/>
+        </a:xfrm>
+      </p:grpSpPr>
+      <p:sp>
+        <p:nvSpPr>
+          <p:cNvPr id="2" name="Title 1"/>
+          <p:cNvSpPr>
+            <a:spLocks noGrp="1"/>
+          </p:cNvSpPr>
+          <p:nvPr>
+            <p:ph type="title"/>
+          </p:nvPr>
+        </p:nvSpPr>
+        <p:spPr/>
+        <p:txBody>
+          <a:bodyPr/>
+          <a:lstStyle/>
+          <a:p>
+            <a:pPr lvl="0" indent="0" marL="0">
+              <a:buNone/>
+            </a:pPr>
+            <a:r>
+              <a:rPr/>
+              <a:t>Radiation Therapy - Bone</a:t>
+            </a:r>
+          </a:p>
+        </p:txBody>
+      </p:sp>
+      <p:sp>
+        <p:nvSpPr>
+          <p:cNvPr id="3" name="Content Placeholder 2"/>
+          <p:cNvSpPr>
+            <a:spLocks noGrp="1"/>
+          </p:cNvSpPr>
+          <p:nvPr>
+            <p:ph idx="1"/>
+          </p:nvPr>
+        </p:nvSpPr>
+        <p:spPr/>
+        <p:txBody>
+          <a:bodyPr/>
+          <a:lstStyle/>
+          <a:p>
+            <a:pPr lvl="0" indent="0" marL="0">
+              <a:buNone/>
+            </a:pPr>
+            <a:r>
+              <a:rPr/>
+              <a:t>For patients with metastasis to bone causing pain</a:t>
+            </a:r>
+          </a:p>
+          <a:p>
+            <a:pPr lvl="0"/>
+            <a:r>
+              <a:rPr/>
+              <a:t>Radiation can provide pain relief</a:t>
+            </a:r>
+          </a:p>
+          <a:p>
+            <a:pPr lvl="0"/>
+            <a:r>
+              <a:rPr/>
+              <a:t>Typically 10 daily treatments over two weeks</a:t>
+            </a:r>
+          </a:p>
+        </p:txBody>
+      </p:sp>
+    </p:spTree>
+  </p:cSld>
+</p:sld>
+</file>
+
+<file path=ppt/slides/slide15.xml><?xml version="1.0" encoding="utf-8"?>
+<p:sld xmlns:a="http://schemas.openxmlformats.org/drawingml/2006/main" xmlns:r="http://schemas.openxmlformats.org/officeDocument/2006/relationships" xmlns:p="http://schemas.openxmlformats.org/presentationml/2006/main">
+  <p:cSld>
+    <p:spTree>
+      <p:nvGrpSpPr>
+        <p:cNvPr id="1" name=""/>
+        <p:cNvGrpSpPr/>
+        <p:nvPr/>
+      </p:nvGrpSpPr>
+      <p:grpSpPr>
+        <a:xfrm>
+          <a:off x="0" y="0"/>
+          <a:ext cx="0" cy="0"/>
+          <a:chOff x="0" y="0"/>
+          <a:chExt cx="0" cy="0"/>
+        </a:xfrm>
+      </p:grpSpPr>
+      <p:sp>
+        <p:nvSpPr>
+          <p:cNvPr id="2" name="Title 1"/>
+          <p:cNvSpPr>
+            <a:spLocks noGrp="1"/>
+          </p:cNvSpPr>
+          <p:nvPr>
+            <p:ph type="title"/>
+          </p:nvPr>
+        </p:nvSpPr>
+        <p:spPr/>
+        <p:txBody>
+          <a:bodyPr/>
+          <a:lstStyle/>
+          <a:p>
+            <a:pPr lvl="0" indent="0" marL="0">
+              <a:buNone/>
+            </a:pPr>
+            <a:r>
+              <a:rPr/>
+              <a:t>Intravenous Drug Administration</a:t>
+            </a:r>
+          </a:p>
+        </p:txBody>
+      </p:sp>
+      <p:sp>
+        <p:nvSpPr>
+          <p:cNvPr id="3" name="Content Placeholder 2"/>
+          <p:cNvSpPr>
+            <a:spLocks noGrp="1"/>
+          </p:cNvSpPr>
+          <p:nvPr>
+            <p:ph idx="1"/>
+          </p:nvPr>
+        </p:nvSpPr>
+        <p:spPr/>
+        <p:txBody>
+          <a:bodyPr/>
+          <a:lstStyle/>
+          <a:p>
+            <a:pPr lvl="0" indent="0" marL="0">
+              <a:buNone/>
+            </a:pPr>
+            <a:r>
+              <a:rPr/>
+              <a:t>Systemic Therapy drugs are administered intravenously.</a:t>
+            </a:r>
+          </a:p>
+          <a:p>
+            <a:pPr lvl="0" indent="0" marL="0">
+              <a:buNone/>
+            </a:pPr>
+            <a:r>
+              <a:rPr/>
+              <a:t>There are several options for intravenous access:</a:t>
+            </a:r>
+          </a:p>
+          <a:p>
+            <a:pPr lvl="0"/>
+            <a:r>
+              <a:rPr/>
+              <a:t>Peripheral IVs in the hand</a:t>
+            </a:r>
+          </a:p>
+          <a:p>
+            <a:pPr lvl="0"/>
+            <a:r>
+              <a:rPr/>
+              <a:t>PICC line (Peripheral Inserted Central Catheter)</a:t>
+            </a:r>
+          </a:p>
+          <a:p>
+            <a:pPr lvl="0"/>
+            <a:r>
+              <a:rPr/>
+              <a:t>Central Venous Port</a:t>
+            </a:r>
+          </a:p>
+          <a:p>
+            <a:pPr lvl="0" indent="0" marL="0">
+              <a:buNone/>
+            </a:pPr>
+            <a:r>
+              <a:rPr>
+                <a:hlinkClick r:id="rId2"/>
+              </a:rPr>
+              <a:t>Central Venous Port</a:t>
+            </a:r>
+          </a:p>
+        </p:txBody>
+      </p:sp>
+    </p:spTree>
+  </p:cSld>
+</p:sld>
+</file>
+
+<file path=ppt/slides/slide16.xml><?xml version="1.0" encoding="utf-8"?>
+<p:sld xmlns:a="http://schemas.openxmlformats.org/drawingml/2006/main" xmlns:r="http://schemas.openxmlformats.org/officeDocument/2006/relationships" xmlns:p="http://schemas.openxmlformats.org/presentationml/2006/main">
+  <p:cSld>
+    <p:spTree>
+      <p:nvGrpSpPr>
+        <p:cNvPr id="1" name=""/>
+        <p:cNvGrpSpPr/>
+        <p:nvPr/>
+      </p:nvGrpSpPr>
+      <p:grpSpPr>
+        <a:xfrm>
+          <a:off x="0" y="0"/>
+          <a:ext cx="0" cy="0"/>
+          <a:chOff x="0" y="0"/>
+          <a:chExt cx="0" cy="0"/>
+        </a:xfrm>
+      </p:grpSpPr>
+      <p:sp>
+        <p:nvSpPr>
+          <p:cNvPr id="2" name="Title 1"/>
+          <p:cNvSpPr>
+            <a:spLocks noGrp="1"/>
+          </p:cNvSpPr>
+          <p:nvPr>
+            <p:ph type="title"/>
+          </p:nvPr>
+        </p:nvSpPr>
+        <p:spPr/>
+        <p:txBody>
+          <a:bodyPr/>
+          <a:lstStyle/>
+          <a:p>
+            <a:pPr lvl="0" indent="0" marL="0">
+              <a:buNone/>
+            </a:pPr>
+            <a:r>
+              <a:rPr/>
+              <a:t>Hospice</a:t>
+            </a:r>
+          </a:p>
+        </p:txBody>
+      </p:sp>
+      <p:sp>
+        <p:nvSpPr>
+          <p:cNvPr id="3" name="Content Placeholder 2"/>
+          <p:cNvSpPr>
+            <a:spLocks noGrp="1"/>
+          </p:cNvSpPr>
+          <p:nvPr>
+            <p:ph idx="1"/>
+          </p:nvPr>
+        </p:nvSpPr>
+        <p:spPr/>
+        <p:txBody>
+          <a:bodyPr/>
+          <a:lstStyle/>
+          <a:p>
+            <a:pPr lvl="0" indent="0" marL="0">
+              <a:buNone/>
+            </a:pPr>
+            <a:r>
+              <a:rPr/>
+              <a:t>Hospice provides end-of-life care for patients whose priority is treatment of symptoms rather than systemic therapy of the cancer.</a:t>
+            </a:r>
+          </a:p>
+          <a:p>
+            <a:pPr lvl="0"/>
+            <a:r>
+              <a:rPr/>
+              <a:t>Usually provided in the home</a:t>
+            </a:r>
+          </a:p>
+          <a:p>
+            <a:pPr lvl="0"/>
+            <a:r>
+              <a:rPr/>
+              <a:t>Residential hospice is available as an alternative</a:t>
+            </a:r>
+          </a:p>
+          <a:p>
+            <a:pPr lvl="0"/>
+            <a:r>
+              <a:rPr/>
+              <a:t>Hospice team manages symptoms including pain managemnt</a:t>
+            </a:r>
+          </a:p>
+        </p:txBody>
+      </p:sp>
+    </p:spTree>
+  </p:cSld>
+</p:sld>
+</file>
+
+<file path=ppt/slides/slide17.xml><?xml version="1.0" encoding="utf-8"?>
+<p:sld xmlns:a="http://schemas.openxmlformats.org/drawingml/2006/main" xmlns:r="http://schemas.openxmlformats.org/officeDocument/2006/relationships" xmlns:p="http://schemas.openxmlformats.org/presentationml/2006/main">
+  <p:cSld>
+    <p:spTree>
+      <p:nvGrpSpPr>
+        <p:cNvPr id="1" name=""/>
+        <p:cNvGrpSpPr/>
+        <p:nvPr/>
+      </p:nvGrpSpPr>
+      <p:grpSpPr>
+        <a:xfrm>
+          <a:off x="0" y="0"/>
+          <a:ext cx="0" cy="0"/>
+          <a:chOff x="0" y="0"/>
+          <a:chExt cx="0" cy="0"/>
+        </a:xfrm>
+      </p:grpSpPr>
+      <p:sp>
+        <p:nvSpPr>
+          <p:cNvPr id="2" name="Title 1"/>
+          <p:cNvSpPr>
+            <a:spLocks noGrp="1"/>
+          </p:cNvSpPr>
+          <p:nvPr>
+            <p:ph type="title"/>
+          </p:nvPr>
+        </p:nvSpPr>
+        <p:spPr/>
+        <p:txBody>
+          <a:bodyPr/>
+          <a:lstStyle/>
+          <a:p>
+            <a:pPr lvl="0" indent="0" marL="0">
+              <a:buNone/>
+            </a:pPr>
+            <a:r>
+              <a:rPr/>
+              <a:t>Nutrition</a:t>
+            </a:r>
+          </a:p>
+        </p:txBody>
+      </p:sp>
+      <p:sp>
+        <p:nvSpPr>
+          <p:cNvPr id="3" name="Content Placeholder 2"/>
+          <p:cNvSpPr>
+            <a:spLocks noGrp="1"/>
+          </p:cNvSpPr>
+          <p:nvPr>
+            <p:ph idx="1"/>
+          </p:nvPr>
+        </p:nvSpPr>
+        <p:spPr/>
+        <p:txBody>
+          <a:bodyPr/>
+          <a:lstStyle/>
+          <a:p>
+            <a:pPr lvl="0" indent="0" marL="0">
+              <a:buNone/>
+            </a:pPr>
+            <a:r>
+              <a:rPr>
+                <a:hlinkClick r:id="rId2"/>
+              </a:rPr>
+              <a:t>Nutrition Slideshow</a:t>
+            </a:r>
+          </a:p>
+        </p:txBody>
+      </p:sp>
+    </p:spTree>
+  </p:cSld>
+</p:sld>
+</file>
+
 <file path=ppt/slides/slide2.xml><?xml version="1.0" encoding="utf-8"?>
 <p:sld xmlns:a="http://schemas.openxmlformats.org/drawingml/2006/main" xmlns:r="http://schemas.openxmlformats.org/officeDocument/2006/relationships" xmlns:p="http://schemas.openxmlformats.org/presentationml/2006/main">
   <p:cSld>
@@ -3516,12 +4314,12 @@
       </p:grpSpPr>
       <p:sp>
         <p:nvSpPr>
-          <p:cNvPr id="3" name="Content Placeholder 2"/>
-          <p:cNvSpPr>
-            <a:spLocks noGrp="1"/>
-          </p:cNvSpPr>
-          <p:nvPr>
-            <p:ph idx="1"/>
+          <p:cNvPr id="2" name="Title 1"/>
+          <p:cNvSpPr>
+            <a:spLocks noGrp="1"/>
+          </p:cNvSpPr>
+          <p:nvPr>
+            <p:ph type="title"/>
           </p:nvPr>
         </p:nvSpPr>
         <p:spPr/>
@@ -3530,40 +4328,15 @@
           <a:lstStyle/>
           <a:p>
             <a:pPr lvl="0" indent="0" marL="0">
-              <a:spcBef>
-                <a:spcPts val="3000"/>
-              </a:spcBef>
               <a:buNone/>
             </a:pPr>
             <a:r>
-              <a:rPr b="1"/>
+              <a:rPr/>
               <a:t>Anatomy</a:t>
             </a:r>
           </a:p>
         </p:txBody>
       </p:sp>
-    </p:spTree>
-  </p:cSld>
-</p:sld>
-</file>
-
-<file path=ppt/slides/slide3.xml><?xml version="1.0" encoding="utf-8"?>
-<p:sld xmlns:a="http://schemas.openxmlformats.org/drawingml/2006/main" xmlns:r="http://schemas.openxmlformats.org/officeDocument/2006/relationships" xmlns:p="http://schemas.openxmlformats.org/presentationml/2006/main">
-  <p:cSld>
-    <p:spTree>
-      <p:nvGrpSpPr>
-        <p:cNvPr id="1" name=""/>
-        <p:cNvGrpSpPr/>
-        <p:nvPr/>
-      </p:nvGrpSpPr>
-      <p:grpSpPr>
-        <a:xfrm>
-          <a:off x="0" y="0"/>
-          <a:ext cx="0" cy="0"/>
-          <a:chOff x="0" y="0"/>
-          <a:chExt cx="0" cy="0"/>
-        </a:xfrm>
-      </p:grpSpPr>
       <mc:AlternateContent xmlns:mc="http://schemas.openxmlformats.org/markup-compatibility/2006">
         <mc:Choice xmlns:a14="http://schemas.microsoft.com/office/drawing/2010/main" Requires="a14">
           <p:sp>
@@ -3685,6 +4458,102 @@
 </p:sld>
 </file>
 
+<file path=ppt/slides/slide3.xml><?xml version="1.0" encoding="utf-8"?>
+<p:sld xmlns:a="http://schemas.openxmlformats.org/drawingml/2006/main" xmlns:r="http://schemas.openxmlformats.org/officeDocument/2006/relationships" xmlns:p="http://schemas.openxmlformats.org/presentationml/2006/main">
+  <p:cSld>
+    <p:spTree>
+      <p:nvGrpSpPr>
+        <p:cNvPr id="1" name=""/>
+        <p:cNvGrpSpPr/>
+        <p:nvPr/>
+      </p:nvGrpSpPr>
+      <p:grpSpPr>
+        <a:xfrm>
+          <a:off x="0" y="0"/>
+          <a:ext cx="0" cy="0"/>
+          <a:chOff x="0" y="0"/>
+          <a:chExt cx="0" cy="0"/>
+        </a:xfrm>
+      </p:grpSpPr>
+      <p:sp>
+        <p:nvSpPr>
+          <p:cNvPr id="2" name="Title 1"/>
+          <p:cNvSpPr>
+            <a:spLocks noGrp="1"/>
+          </p:cNvSpPr>
+          <p:nvPr>
+            <p:ph type="title"/>
+          </p:nvPr>
+        </p:nvSpPr>
+        <p:spPr/>
+        <p:txBody>
+          <a:bodyPr/>
+          <a:lstStyle/>
+          <a:p>
+            <a:pPr lvl="0" indent="0" marL="0">
+              <a:buNone/>
+            </a:pPr>
+            <a:r>
+              <a:rPr/>
+              <a:t>Esophageal Cancer Staging</a:t>
+            </a:r>
+          </a:p>
+        </p:txBody>
+      </p:sp>
+      <p:sp>
+        <p:nvSpPr>
+          <p:cNvPr id="3" name="Content Placeholder 2"/>
+          <p:cNvSpPr>
+            <a:spLocks noGrp="1"/>
+          </p:cNvSpPr>
+          <p:nvPr>
+            <p:ph idx="1"/>
+          </p:nvPr>
+        </p:nvSpPr>
+        <p:spPr/>
+        <p:txBody>
+          <a:bodyPr/>
+          <a:lstStyle/>
+          <a:p>
+            <a:pPr lvl="0"/>
+            <a:r>
+              <a:rPr b="1"/>
+              <a:t>T</a:t>
+            </a:r>
+            <a:r>
+              <a:rPr/>
+              <a:t> = Tumor - Depth of growth into the wall of the esophagus</a:t>
+            </a:r>
+          </a:p>
+          <a:p>
+            <a:pPr lvl="0"/>
+            <a:r>
+              <a:rPr b="1"/>
+              <a:t>N</a:t>
+            </a:r>
+            <a:r>
+              <a:rPr/>
+              <a:t> = Nodes - Spread to the lymph nodes</a:t>
+            </a:r>
+          </a:p>
+          <a:p>
+            <a:pPr lvl="0"/>
+            <a:r>
+              <a:rPr b="1"/>
+              <a:t>M</a:t>
+            </a:r>
+            <a:r>
+              <a:rPr/>
+              <a:t> = Metastasis - Spread to liver, lungs, or bone</a:t>
+            </a:r>
+          </a:p>
+        </p:txBody>
+      </p:sp>
+    </p:spTree>
+  </p:cSld>
+</p:sld>
+</file>
+
 <file path=ppt/slides/slide4.xml><?xml version="1.0" encoding="utf-8"?>
 <p:sld xmlns:a="http://schemas.openxmlformats.org/drawingml/2006/main" xmlns:r="http://schemas.openxmlformats.org/officeDocument/2006/relationships" xmlns:p="http://schemas.openxmlformats.org/presentationml/2006/main">
   <p:cSld>
@@ -3704,12 +4573,12 @@
       </p:grpSpPr>
       <p:sp>
         <p:nvSpPr>
-          <p:cNvPr id="3" name="Content Placeholder 2"/>
-          <p:cNvSpPr>
-            <a:spLocks noGrp="1"/>
-          </p:cNvSpPr>
-          <p:nvPr>
-            <p:ph idx="1"/>
+          <p:cNvPr id="2" name="Title 1"/>
+          <p:cNvSpPr>
+            <a:spLocks noGrp="1"/>
+          </p:cNvSpPr>
+          <p:nvPr>
+            <p:ph type="title"/>
           </p:nvPr>
         </p:nvSpPr>
         <p:spPr/>
@@ -3718,85 +4587,15 @@
           <a:lstStyle/>
           <a:p>
             <a:pPr lvl="0" indent="0" marL="0">
-              <a:spcBef>
-                <a:spcPts val="3000"/>
-              </a:spcBef>
               <a:buNone/>
             </a:pPr>
             <a:r>
-              <a:rPr b="1"/>
-              <a:t>Esophageal Cancer Staging</a:t>
-            </a:r>
-          </a:p>
-          <a:p>
-            <a:pPr lvl="0"/>
-            <a:r>
-              <a:rPr b="1"/>
-              <a:t>T</a:t>
-            </a:r>
-            <a:r>
-              <a:rPr/>
-              <a:t> = Tumor - Depth of growth into the wall of the esophagus</a:t>
-            </a:r>
-          </a:p>
-          <a:p>
-            <a:pPr lvl="0"/>
-            <a:r>
-              <a:rPr b="1"/>
-              <a:t>N</a:t>
-            </a:r>
-            <a:r>
-              <a:rPr/>
-              <a:t> = Nodes - Spread to the lymph nodes</a:t>
-            </a:r>
-          </a:p>
-          <a:p>
-            <a:pPr lvl="0"/>
-            <a:r>
-              <a:rPr b="1"/>
-              <a:t>M</a:t>
-            </a:r>
-            <a:r>
-              <a:rPr/>
-              <a:t> = Metastasis - Spread to liver, lungs, or bone</a:t>
-            </a:r>
-          </a:p>
-          <a:p>
-            <a:pPr lvl="0" indent="0" marL="0">
-              <a:spcBef>
-                <a:spcPts val="3000"/>
-              </a:spcBef>
-              <a:buNone/>
-            </a:pPr>
-            <a:r>
-              <a:rPr b="1"/>
+              <a:rPr/>
               <a:t>Metastatic Cancers</a:t>
             </a:r>
           </a:p>
         </p:txBody>
       </p:sp>
-    </p:spTree>
-  </p:cSld>
-</p:sld>
-</file>
-
-<file path=ppt/slides/slide5.xml><?xml version="1.0" encoding="utf-8"?>
-<p:sld xmlns:a="http://schemas.openxmlformats.org/drawingml/2006/main" xmlns:r="http://schemas.openxmlformats.org/officeDocument/2006/relationships" xmlns:p="http://schemas.openxmlformats.org/presentationml/2006/main">
-  <p:cSld>
-    <p:spTree>
-      <p:nvGrpSpPr>
-        <p:cNvPr id="1" name=""/>
-        <p:cNvGrpSpPr/>
-        <p:nvPr/>
-      </p:nvGrpSpPr>
-      <p:grpSpPr>
-        <a:xfrm>
-          <a:off x="0" y="0"/>
-          <a:ext cx="0" cy="0"/>
-          <a:chOff x="0" y="0"/>
-          <a:chExt cx="0" cy="0"/>
-        </a:xfrm>
-      </p:grpSpPr>
       <p:sp>
         <p:nvSpPr>
           <p:cNvPr id="3" name="Content Placeholder 2"/>
@@ -3888,7 +4687,7 @@
 </p:sld>
 </file>
 
-<file path=ppt/slides/slide6.xml><?xml version="1.0" encoding="utf-8"?>
+<file path=ppt/slides/slide5.xml><?xml version="1.0" encoding="utf-8"?>
 <p:sld xmlns:a="http://schemas.openxmlformats.org/drawingml/2006/main" xmlns:r="http://schemas.openxmlformats.org/officeDocument/2006/relationships" xmlns:p="http://schemas.openxmlformats.org/presentationml/2006/main">
   <p:cSld>
     <p:spTree>
@@ -3905,6 +4704,31 @@
           <a:chExt cx="0" cy="0"/>
         </a:xfrm>
       </p:grpSpPr>
+      <p:sp>
+        <p:nvSpPr>
+          <p:cNvPr id="2" name="Title 1"/>
+          <p:cNvSpPr>
+            <a:spLocks noGrp="1"/>
+          </p:cNvSpPr>
+          <p:nvPr>
+            <p:ph type="title"/>
+          </p:nvPr>
+        </p:nvSpPr>
+        <p:spPr/>
+        <p:txBody>
+          <a:bodyPr/>
+          <a:lstStyle/>
+          <a:p>
+            <a:pPr lvl="0" indent="0" marL="0">
+              <a:buNone/>
+            </a:pPr>
+            <a:r>
+              <a:rPr/>
+              <a:t>Treatment Plan</a:t>
+            </a:r>
+          </a:p>
+        </p:txBody>
+      </p:sp>
       <mc:AlternateContent xmlns:mc="http://schemas.openxmlformats.org/markup-compatibility/2006">
         <mc:Choice xmlns:a14="http://schemas.microsoft.com/office/drawing/2010/main" Requires="a14">
           <p:sp>
@@ -3921,18 +4745,6 @@
             <p:txBody>
               <a:bodyPr/>
               <a:lstStyle/>
-              <a:p>
-                <a:pPr lvl="0" indent="0" marL="0">
-                  <a:spcBef>
-                    <a:spcPts val="3000"/>
-                  </a:spcBef>
-                  <a:buNone/>
-                </a:pPr>
-                <a:r>
-                  <a:rPr b="1"/>
-                  <a:t>Treatment Plan</a:t>
-                </a:r>
-              </a:p>
               <a:p>
                 <a:pPr lvl="0"/>
                 <a:r>
@@ -4107,178 +4919,103 @@
                   <a:t> Radiation</a:t>
                 </a:r>
               </a:p>
-              <a:p>
-                <a:pPr lvl="0" indent="0" marL="0">
-                  <a:spcBef>
-                    <a:spcPts val="3000"/>
-                  </a:spcBef>
-                  <a:buNone/>
-                </a:pPr>
-                <a:r>
-                  <a:rPr b="1"/>
-                  <a:t>Systemic Therapy</a:t>
-                </a:r>
-              </a:p>
-              <a:p>
-                <a:pPr lvl="0" indent="0" marL="0">
-                  <a:buNone/>
-                </a:pPr>
-                <a:r>
-                  <a:rPr/>
-                  <a:t>Systemic therapy is administered intravenously (or by mouth) and circulates to kill cancer cells anywhere in the body.</a:t>
-                </a:r>
-              </a:p>
-              <a:p>
-                <a:pPr lvl="0"/>
-                <a:r>
-                  <a:rPr/>
-                  <a:t>Chemotherapy (FOLFOX)</a:t>
-                </a:r>
-              </a:p>
-              <a:p>
-                <a:pPr lvl="0"/>
-                <a:r>
-                  <a:rPr/>
-                  <a:t>Immunotherapy (nivolumab, pembrolizumab)</a:t>
-                </a:r>
-              </a:p>
-              <a:p>
-                <a:pPr lvl="0"/>
-                <a:r>
-                  <a:rPr/>
-                  <a:t>Hormone therapy (herceptin)</a:t>
-                </a:r>
-              </a:p>
-              <a:p>
-                <a:pPr lvl="0" indent="0" marL="0">
-                  <a:spcBef>
-                    <a:spcPts val="3000"/>
-                  </a:spcBef>
-                  <a:buNone/>
-                </a:pPr>
-                <a:r>
-                  <a:rPr b="1"/>
-                  <a:t>Goals of Therapy</a:t>
-                </a:r>
-              </a:p>
-              <a:p>
-                <a:pPr lvl="0"/>
-                <a:r>
-                  <a:rPr/>
-                  <a:t>Symptom control</a:t>
-                </a:r>
-              </a:p>
-              <a:p>
-                <a:pPr lvl="0"/>
-                <a:r>
-                  <a:rPr/>
-                  <a:t>Prolong life</a:t>
-                </a:r>
-              </a:p>
-              <a:p>
-                <a:pPr lvl="0"/>
-                <a:r>
-                  <a:rPr/>
-                  <a:t>Minimize symptoms due to treatment</a:t>
-                </a:r>
-              </a:p>
-              <a:p>
-                <a:pPr lvl="0" indent="0" marL="0">
-                  <a:spcBef>
-                    <a:spcPts val="3000"/>
-                  </a:spcBef>
-                  <a:buNone/>
-                </a:pPr>
-                <a:r>
-                  <a:rPr b="1"/>
-                  <a:t>Systemic Therapy</a:t>
-                </a:r>
-              </a:p>
-              <a:p>
-                <a:pPr lvl="0" indent="0" marL="0">
-                  <a:buNone/>
-                </a:pPr>
-                <a:r>
-                  <a:rPr/>
-                  <a:t>By shrinking tumor and decreasing cancer burden</a:t>
-                </a:r>
-              </a:p>
-              <a:p>
-                <a:pPr lvl="0"/>
-                <a:r>
-                  <a:rPr/>
-                  <a:t>Can improve symptoms</a:t>
-                </a:r>
-              </a:p>
-              <a:p>
-                <a:pPr lvl="0"/>
-                <a:r>
-                  <a:rPr/>
-                  <a:t>Can prolong life</a:t>
-                </a:r>
-              </a:p>
-              <a:p>
-                <a:pPr lvl="0" indent="0" marL="0">
-                  <a:buNone/>
-                </a:pPr>
-                <a:r>
-                  <a:rPr/>
-                  <a:t>Goals:</a:t>
-                </a:r>
-              </a:p>
-              <a:p>
-                <a:pPr lvl="0"/>
-                <a:r>
-                  <a:rPr/>
-                  <a:t>Maximize cancer shrinkage</a:t>
-                </a:r>
-              </a:p>
-              <a:p>
-                <a:pPr lvl="0"/>
-                <a:r>
-                  <a:rPr/>
-                  <a:t>Minimize side-effects due to therapy</a:t>
-                </a:r>
-              </a:p>
-              <a:p>
-                <a:pPr lvl="0" indent="0" marL="0">
-                  <a:spcBef>
-                    <a:spcPts val="3000"/>
-                  </a:spcBef>
-                  <a:buNone/>
-                </a:pPr>
-                <a:r>
-                  <a:rPr b="1"/>
-                  <a:t>Radiation Therapy</a:t>
-                </a:r>
-              </a:p>
-              <a:p>
-                <a:pPr lvl="0" indent="0" marL="0">
-                  <a:buNone/>
-                </a:pPr>
-                <a:r>
-                  <a:rPr/>
-                  <a:t>Radiation uses high-energy x-rays to kill cancer cells</a:t>
-                </a:r>
-              </a:p>
-              <a:p>
-                <a:pPr lvl="0"/>
-                <a:r>
-                  <a:rPr/>
-                  <a:t>Bone metastasis: Can relieve pain</a:t>
-                </a:r>
-              </a:p>
-              <a:p>
-                <a:pPr lvl="0"/>
-                <a:r>
-                  <a:rPr/>
-                  <a:t>Esophagus: Can shrink tumor and improve eating</a:t>
-                </a:r>
-              </a:p>
             </p:txBody>
           </p:sp>
         </mc:Choice>
       </mc:AlternateContent>
+    </p:spTree>
+  </p:cSld>
+</p:sld>
+</file>
+
+<file path=ppt/slides/slide6.xml><?xml version="1.0" encoding="utf-8"?>
+<p:sld xmlns:a="http://schemas.openxmlformats.org/drawingml/2006/main" xmlns:r="http://schemas.openxmlformats.org/officeDocument/2006/relationships" xmlns:p="http://schemas.openxmlformats.org/presentationml/2006/main">
+  <p:cSld>
+    <p:spTree>
+      <p:nvGrpSpPr>
+        <p:cNvPr id="1" name=""/>
+        <p:cNvGrpSpPr/>
+        <p:nvPr/>
+      </p:nvGrpSpPr>
+      <p:grpSpPr>
+        <a:xfrm>
+          <a:off x="0" y="0"/>
+          <a:ext cx="0" cy="0"/>
+          <a:chOff x="0" y="0"/>
+          <a:chExt cx="0" cy="0"/>
+        </a:xfrm>
+      </p:grpSpPr>
+      <p:sp>
+        <p:nvSpPr>
+          <p:cNvPr id="2" name="Title 1"/>
+          <p:cNvSpPr>
+            <a:spLocks noGrp="1"/>
+          </p:cNvSpPr>
+          <p:nvPr>
+            <p:ph type="title"/>
+          </p:nvPr>
+        </p:nvSpPr>
+        <p:spPr/>
+        <p:txBody>
+          <a:bodyPr/>
+          <a:lstStyle/>
+          <a:p>
+            <a:pPr lvl="0" indent="0" marL="0">
+              <a:buNone/>
+            </a:pPr>
+            <a:r>
+              <a:rPr/>
+              <a:t>Systemic Therapy</a:t>
+            </a:r>
+          </a:p>
+        </p:txBody>
+      </p:sp>
+      <p:sp>
+        <p:nvSpPr>
+          <p:cNvPr id="3" name="Content Placeholder 2"/>
+          <p:cNvSpPr>
+            <a:spLocks noGrp="1"/>
+          </p:cNvSpPr>
+          <p:nvPr>
+            <p:ph idx="1"/>
+          </p:nvPr>
+        </p:nvSpPr>
+        <p:spPr/>
+        <p:txBody>
+          <a:bodyPr/>
+          <a:lstStyle/>
+          <a:p>
+            <a:pPr lvl="0" indent="0" marL="0">
+              <a:buNone/>
+            </a:pPr>
+            <a:r>
+              <a:rPr/>
+              <a:t>Systemic therapy is administered intravenously (or by mouth) and circulates to kill cancer cells anywhere in the body.</a:t>
+            </a:r>
+          </a:p>
+          <a:p>
+            <a:pPr lvl="0"/>
+            <a:r>
+              <a:rPr/>
+              <a:t>Chemotherapy (FOLFOX)</a:t>
+            </a:r>
+          </a:p>
+          <a:p>
+            <a:pPr lvl="0"/>
+            <a:r>
+              <a:rPr/>
+              <a:t>Immunotherapy (nivolumab, pembrolizumab)</a:t>
+            </a:r>
+          </a:p>
+          <a:p>
+            <a:pPr lvl="0"/>
+            <a:r>
+              <a:rPr/>
+              <a:t>Hormone therapy (herceptin)</a:t>
+            </a:r>
+          </a:p>
+        </p:txBody>
+      </p:sp>
     </p:spTree>
   </p:cSld>
 </p:sld>
@@ -4321,7 +5058,7 @@
             </a:pPr>
             <a:r>
               <a:rPr/>
-              <a:t>Endoluminal Stent</a:t>
+              <a:t>Goals of Therapy</a:t>
             </a:r>
           </a:p>
         </p:txBody>
@@ -4333,54 +5070,36 @@
             <a:spLocks noGrp="1"/>
           </p:cNvSpPr>
           <p:nvPr>
-            <p:ph idx="1" sz="half"/>
-          </p:nvPr>
-        </p:nvSpPr>
-        <p:spPr/>
-        <p:txBody>
-          <a:bodyPr/>
-          <a:lstStyle/>
-          <a:p>
-            <a:pPr lvl="0" indent="0" marL="0">
-              <a:buNone/>
-            </a:pPr>
-            <a:r>
-              <a:rPr/>
-              <a:t>An endoluminal stent can be placed inside an esophageal cancer to improve eating</a:t>
-            </a:r>
-          </a:p>
-        </p:txBody>
-      </p:sp>
-      <p:pic>
-        <p:nvPicPr>
-          <p:cNvPr descr="https://deidt7p41jzcy.cloudfront.net/wallflex_eso.png" id="0" name="Picture 1"/>
-          <p:cNvPicPr>
-            <a:picLocks noGrp="1" noChangeAspect="1"/>
-          </p:cNvPicPr>
-          <p:nvPr/>
-        </p:nvPicPr>
-        <p:blipFill>
-          <a:blip r:embed="rId2"/>
-          <a:stretch>
-            <a:fillRect/>
-          </a:stretch>
-        </p:blipFill>
-        <p:spPr bwMode="auto">
-          <a:xfrm>
-            <a:off x="4978400" y="1193800"/>
-            <a:ext cx="3390900" cy="3390900"/>
-          </a:xfrm>
-          <a:prstGeom prst="rect">
-            <a:avLst/>
-          </a:prstGeom>
-          <a:noFill/>
-          <a:ln w="9525">
-            <a:noFill/>
-            <a:headEnd/>
-            <a:tailEnd/>
-          </a:ln>
-        </p:spPr>
-      </p:pic>
+            <p:ph idx="1"/>
+          </p:nvPr>
+        </p:nvSpPr>
+        <p:spPr/>
+        <p:txBody>
+          <a:bodyPr/>
+          <a:lstStyle/>
+          <a:p>
+            <a:pPr lvl="0"/>
+            <a:r>
+              <a:rPr/>
+              <a:t>Symptom control</a:t>
+            </a:r>
+          </a:p>
+          <a:p>
+            <a:pPr lvl="0"/>
+            <a:r>
+              <a:rPr/>
+              <a:t>Prolong life</a:t>
+            </a:r>
+          </a:p>
+          <a:p>
+            <a:pPr lvl="0"/>
+            <a:r>
+              <a:rPr/>
+              <a:t>Minimize symptoms due to treatment</a:t>
+            </a:r>
+          </a:p>
+        </p:txBody>
+      </p:sp>
     </p:spTree>
   </p:cSld>
 </p:sld>
@@ -4423,7 +5142,7 @@
             </a:pPr>
             <a:r>
               <a:rPr/>
-              <a:t>Endoluminal Stent</a:t>
+              <a:t>Systemic Therapy</a:t>
             </a:r>
           </a:p>
         </p:txBody>
@@ -4435,7 +5154,7 @@
             <a:spLocks noGrp="1"/>
           </p:cNvSpPr>
           <p:nvPr>
-            <p:ph idx="1" sz="half"/>
+            <p:ph idx="1"/>
           </p:nvPr>
         </p:nvSpPr>
         <p:spPr/>
@@ -4448,41 +5167,48 @@
             </a:pPr>
             <a:r>
               <a:rPr/>
-              <a:t>An endoluminal stent can be placed inside an esophageal cancer to improve eating</a:t>
-            </a:r>
-          </a:p>
-        </p:txBody>
-      </p:sp>
-      <p:pic>
-        <p:nvPicPr>
-          <p:cNvPr descr="https://deidt7p41jzcy.cloudfront.net/nci_stent_433292.jpg" id="0" name="Picture 1"/>
-          <p:cNvPicPr>
-            <a:picLocks noGrp="1" noChangeAspect="1"/>
-          </p:cNvPicPr>
-          <p:nvPr/>
-        </p:nvPicPr>
-        <p:blipFill>
-          <a:blip r:embed="rId2"/>
-          <a:stretch>
-            <a:fillRect/>
-          </a:stretch>
-        </p:blipFill>
-        <p:spPr bwMode="auto">
-          <a:xfrm>
-            <a:off x="4724400" y="1193800"/>
-            <a:ext cx="3886200" cy="3390900"/>
-          </a:xfrm>
-          <a:prstGeom prst="rect">
-            <a:avLst/>
-          </a:prstGeom>
-          <a:noFill/>
-          <a:ln w="9525">
-            <a:noFill/>
-            <a:headEnd/>
-            <a:tailEnd/>
-          </a:ln>
-        </p:spPr>
-      </p:pic>
+              <a:t>By shrinking tumor and decreasing cancer burden</a:t>
+            </a:r>
+          </a:p>
+          <a:p>
+            <a:pPr lvl="0"/>
+            <a:r>
+              <a:rPr/>
+              <a:t>Can improve symptoms</a:t>
+            </a:r>
+          </a:p>
+          <a:p>
+            <a:pPr lvl="0"/>
+            <a:r>
+              <a:rPr/>
+              <a:t>Can prolong life</a:t>
+            </a:r>
+          </a:p>
+          <a:p>
+            <a:pPr lvl="0" indent="0" marL="0">
+              <a:buNone/>
+            </a:pPr>
+            <a:r>
+              <a:rPr/>
+              <a:t>Goals:</a:t>
+            </a:r>
+          </a:p>
+          <a:p>
+            <a:pPr lvl="0"/>
+            <a:r>
+              <a:rPr/>
+              <a:t>Maximize cancer shrinkage</a:t>
+            </a:r>
+          </a:p>
+          <a:p>
+            <a:pPr lvl="0"/>
+            <a:r>
+              <a:rPr/>
+              <a:t>Minimize side-effects due to therapy</a:t>
+            </a:r>
+          </a:p>
+        </p:txBody>
+      </p:sp>
     </p:spTree>
   </p:cSld>
 </p:sld>
@@ -4507,6 +5233,31 @@
       </p:grpSpPr>
       <p:sp>
         <p:nvSpPr>
+          <p:cNvPr id="2" name="Title 1"/>
+          <p:cNvSpPr>
+            <a:spLocks noGrp="1"/>
+          </p:cNvSpPr>
+          <p:nvPr>
+            <p:ph type="title"/>
+          </p:nvPr>
+        </p:nvSpPr>
+        <p:spPr/>
+        <p:txBody>
+          <a:bodyPr/>
+          <a:lstStyle/>
+          <a:p>
+            <a:pPr lvl="0" indent="0" marL="0">
+              <a:buNone/>
+            </a:pPr>
+            <a:r>
+              <a:rPr/>
+              <a:t>Radiation Therapy</a:t>
+            </a:r>
+          </a:p>
+        </p:txBody>
+      </p:sp>
+      <p:sp>
+        <p:nvSpPr>
           <p:cNvPr id="3" name="Content Placeholder 2"/>
           <p:cNvSpPr>
             <a:spLocks noGrp="1"/>
@@ -4521,269 +5272,25 @@
           <a:lstStyle/>
           <a:p>
             <a:pPr lvl="0" indent="0" marL="0">
-              <a:spcBef>
-                <a:spcPts val="3000"/>
-              </a:spcBef>
               <a:buNone/>
             </a:pPr>
             <a:r>
-              <a:rPr b="1"/>
-              <a:t>Endoluminal Stents</a:t>
-            </a:r>
-          </a:p>
-          <a:p>
-            <a:pPr lvl="0" indent="0" marL="0">
-              <a:buNone/>
-            </a:pPr>
-            <a:r>
-              <a:rPr/>
-              <a:t>Advantages:</a:t>
+              <a:rPr/>
+              <a:t>Radiation uses high-energy x-rays to kill cancer cells</a:t>
             </a:r>
           </a:p>
           <a:p>
             <a:pPr lvl="0"/>
             <a:r>
               <a:rPr/>
-              <a:t>Outpatient procedure</a:t>
+              <a:t>Bone metastasis: Can relieve pain</a:t>
             </a:r>
           </a:p>
           <a:p>
             <a:pPr lvl="0"/>
             <a:r>
               <a:rPr/>
-              <a:t>Does not require surgery</a:t>
-            </a:r>
-          </a:p>
-          <a:p>
-            <a:pPr lvl="0"/>
-            <a:r>
-              <a:rPr/>
-              <a:t>Can improve swallowing</a:t>
-            </a:r>
-          </a:p>
-          <a:p>
-            <a:pPr lvl="0" indent="0" marL="0">
-              <a:buNone/>
-            </a:pPr>
-            <a:r>
-              <a:rPr/>
-              <a:t>Disadvantages:</a:t>
-            </a:r>
-          </a:p>
-          <a:p>
-            <a:pPr lvl="0"/>
-            <a:r>
-              <a:rPr/>
-              <a:t>Discomfort</a:t>
-            </a:r>
-          </a:p>
-          <a:p>
-            <a:pPr lvl="0"/>
-            <a:r>
-              <a:rPr/>
-              <a:t>Reflux</a:t>
-            </a:r>
-          </a:p>
-          <a:p>
-            <a:pPr lvl="0"/>
-            <a:r>
-              <a:rPr/>
-              <a:t>Can make surgery to remove esophagus more complicated</a:t>
-            </a:r>
-          </a:p>
-          <a:p>
-            <a:pPr lvl="0" indent="0" marL="0">
-              <a:spcBef>
-                <a:spcPts val="3000"/>
-              </a:spcBef>
-              <a:buNone/>
-            </a:pPr>
-            <a:r>
-              <a:rPr b="1"/>
-              <a:t>Radiation Therapy - Esophagus</a:t>
-            </a:r>
-          </a:p>
-          <a:p>
-            <a:pPr lvl="0" indent="0" marL="0">
-              <a:buNone/>
-            </a:pPr>
-            <a:r>
-              <a:rPr/>
-              <a:t>Radiation therapy to the esophagus can improve swallowing. There are two approaches:</a:t>
-            </a:r>
-          </a:p>
-          <a:p>
-            <a:pPr lvl="0" indent="0" marL="0">
-              <a:buNone/>
-            </a:pPr>
-            <a:r>
-              <a:rPr b="1"/>
-              <a:t>Short Course</a:t>
-            </a:r>
-            <a:r>
-              <a:rPr/>
-              <a:t> - 10 treatments over 2 weeks</a:t>
-            </a:r>
-          </a:p>
-          <a:p>
-            <a:pPr lvl="0" indent="0" marL="0">
-              <a:buNone/>
-            </a:pPr>
-            <a:r>
-              <a:rPr b="1"/>
-              <a:t>Conventional Dosing</a:t>
-            </a:r>
-            <a:r>
-              <a:rPr/>
-              <a:t> - 25-30 treatment over 5-6 weeks</a:t>
-            </a:r>
-          </a:p>
-          <a:p>
-            <a:pPr lvl="0" indent="0" marL="0">
-              <a:spcBef>
-                <a:spcPts val="3000"/>
-              </a:spcBef>
-              <a:buNone/>
-            </a:pPr>
-            <a:r>
-              <a:rPr b="1"/>
-              <a:t>Radiation Therapy - Bone</a:t>
-            </a:r>
-          </a:p>
-          <a:p>
-            <a:pPr lvl="0" indent="0" marL="0">
-              <a:buNone/>
-            </a:pPr>
-            <a:r>
-              <a:rPr/>
-              <a:t>For patients with metastasis to bone causing pain, radiation can provide pain relief wiht a relatively short (two week) treatment course</a:t>
-            </a:r>
-          </a:p>
-          <a:p>
-            <a:pPr lvl="0" indent="0" marL="0">
-              <a:spcBef>
-                <a:spcPts val="3000"/>
-              </a:spcBef>
-              <a:buNone/>
-            </a:pPr>
-            <a:r>
-              <a:rPr b="1"/>
-              <a:t>Intravenous Drug Administration</a:t>
-            </a:r>
-          </a:p>
-          <a:p>
-            <a:pPr lvl="0" indent="0" marL="0">
-              <a:buNone/>
-            </a:pPr>
-            <a:r>
-              <a:rPr/>
-              <a:t>Systemic Therapy drugs are administered intravenously.</a:t>
-            </a:r>
-          </a:p>
-          <a:p>
-            <a:pPr lvl="0" indent="0" marL="0">
-              <a:buNone/>
-            </a:pPr>
-            <a:r>
-              <a:rPr/>
-              <a:t>There are several options for intravenous access:</a:t>
-            </a:r>
-          </a:p>
-          <a:p>
-            <a:pPr lvl="0"/>
-            <a:r>
-              <a:rPr/>
-              <a:t>Peripheral IVs in the hand</a:t>
-            </a:r>
-          </a:p>
-          <a:p>
-            <a:pPr lvl="0"/>
-            <a:r>
-              <a:rPr/>
-              <a:t>PICC line (Peripheral Inserted Central Catheter)</a:t>
-            </a:r>
-          </a:p>
-          <a:p>
-            <a:pPr lvl="0"/>
-            <a:r>
-              <a:rPr/>
-              <a:t>Central Venous Port</a:t>
-            </a:r>
-          </a:p>
-          <a:p>
-            <a:pPr lvl="0" indent="0" marL="0">
-              <a:buNone/>
-            </a:pPr>
-            <a:r>
-              <a:rPr>
-                <a:hlinkClick r:id="rId2"/>
-              </a:rPr>
-              <a:t>Central Venous Port</a:t>
-            </a:r>
-          </a:p>
-          <a:p>
-            <a:pPr lvl="0" indent="0" marL="0">
-              <a:spcBef>
-                <a:spcPts val="3000"/>
-              </a:spcBef>
-              <a:buNone/>
-            </a:pPr>
-            <a:r>
-              <a:rPr b="1"/>
-              <a:t>Hospice</a:t>
-            </a:r>
-          </a:p>
-          <a:p>
-            <a:pPr lvl="0" indent="0" marL="0">
-              <a:buNone/>
-            </a:pPr>
-            <a:r>
-              <a:rPr/>
-              <a:t>Hospice provides end-of-life care for patients whose priority is treatment of symptoms rather than systemic therapy of the cancer.</a:t>
-            </a:r>
-          </a:p>
-          <a:p>
-            <a:pPr lvl="0"/>
-            <a:r>
-              <a:rPr/>
-              <a:t>Usually provided in the home</a:t>
-            </a:r>
-          </a:p>
-          <a:p>
-            <a:pPr lvl="0"/>
-            <a:r>
-              <a:rPr/>
-              <a:t>Residential hospice is available as an alternative</a:t>
-            </a:r>
-          </a:p>
-          <a:p>
-            <a:pPr lvl="0"/>
-            <a:r>
-              <a:rPr/>
-              <a:t>Hospice team manages symptoms including pain managemnt</a:t>
-            </a:r>
-          </a:p>
-          <a:p>
-            <a:pPr lvl="0" indent="0" marL="0">
-              <a:spcBef>
-                <a:spcPts val="3000"/>
-              </a:spcBef>
-              <a:buNone/>
-            </a:pPr>
-            <a:r>
-              <a:rPr b="1"/>
-              <a:t>Nutrition</a:t>
-            </a:r>
-          </a:p>
-          <a:p>
-            <a:pPr lvl="0" indent="0" marL="0">
-              <a:buNone/>
-            </a:pPr>
-            <a:r>
-              <a:rPr>
-                <a:hlinkClick r:id="rId3"/>
-              </a:rPr>
-              <a:t>Nutrition Slideshow</a:t>
+              <a:t>Esophagus: Can shrink tumor and improve eating</a:t>
             </a:r>
           </a:p>
         </p:txBody>

--- a/lci_esom1.pptx
+++ b/lci_esom1.pptx
@@ -22,6 +22,18 @@
     <p:sldId id="270" r:id="rId16"/>
     <p:sldId id="271" r:id="rId17"/>
     <p:sldId id="272" r:id="rId18"/>
+    <p:sldId id="273" r:id="rId19"/>
+    <p:sldId id="274" r:id="rId20"/>
+    <p:sldId id="275" r:id="rId21"/>
+    <p:sldId id="276" r:id="rId22"/>
+    <p:sldId id="277" r:id="rId23"/>
+    <p:sldId id="278" r:id="rId24"/>
+    <p:sldId id="279" r:id="rId25"/>
+    <p:sldId id="280" r:id="rId26"/>
+    <p:sldId id="281" r:id="rId27"/>
+    <p:sldId id="282" r:id="rId28"/>
+    <p:sldId id="283" r:id="rId29"/>
+    <p:sldId id="284" r:id="rId30"/>
   </p:sldIdLst>
   <p:sldSz cx="9144000" cy="5143500" type="screen16x9"/>
   <p:notesSz cx="6858000" cy="9144000"/>
@@ -4052,7 +4064,7 @@
             </a:pPr>
             <a:r>
               <a:rPr/>
-              <a:t>Intravenous Drug Administration</a:t>
+              <a:t>Preparing for Cancer Treatment</a:t>
             </a:r>
           </a:p>
         </p:txBody>
@@ -4072,53 +4084,38 @@
           <a:bodyPr/>
           <a:lstStyle/>
           <a:p>
-            <a:pPr lvl="0" indent="0" marL="0">
-              <a:buNone/>
-            </a:pPr>
-            <a:r>
-              <a:rPr/>
-              <a:t>Systemic Therapy drugs are administered intravenously.</a:t>
-            </a:r>
-          </a:p>
-          <a:p>
-            <a:pPr lvl="0" indent="0" marL="0">
-              <a:buNone/>
-            </a:pPr>
-            <a:r>
-              <a:rPr/>
-              <a:t>There are several options for intravenous access:</a:t>
-            </a:r>
-          </a:p>
-          <a:p>
             <a:pPr lvl="0"/>
             <a:r>
               <a:rPr/>
-              <a:t>Peripheral IVs in the hand</a:t>
+              <a:t>Primary Care Physician</a:t>
             </a:r>
           </a:p>
           <a:p>
             <a:pPr lvl="0"/>
             <a:r>
               <a:rPr/>
-              <a:t>PICC line (Peripheral Inserted Central Catheter)</a:t>
+              <a:t>MyAtrium Portal</a:t>
             </a:r>
           </a:p>
           <a:p>
             <a:pPr lvl="0"/>
             <a:r>
               <a:rPr/>
-              <a:t>Central Venous Port</a:t>
-            </a:r>
-          </a:p>
-          <a:p>
-            <a:pPr lvl="0" indent="0" marL="0">
-              <a:buNone/>
-            </a:pPr>
-            <a:r>
-              <a:rPr>
-                <a:hlinkClick r:id="rId2"/>
-              </a:rPr>
-              <a:t>Central Venous Port</a:t>
+              <a:t>Exercise</a:t>
+            </a:r>
+          </a:p>
+          <a:p>
+            <a:pPr lvl="0"/>
+            <a:r>
+              <a:rPr/>
+              <a:t>Smoking Cessation</a:t>
+            </a:r>
+          </a:p>
+          <a:p>
+            <a:pPr lvl="0"/>
+            <a:r>
+              <a:rPr/>
+              <a:t>Nutrition</a:t>
             </a:r>
           </a:p>
         </p:txBody>
@@ -4165,53 +4162,7 @@
             </a:pPr>
             <a:r>
               <a:rPr/>
-              <a:t>Hospice</a:t>
-            </a:r>
-          </a:p>
-        </p:txBody>
-      </p:sp>
-      <p:sp>
-        <p:nvSpPr>
-          <p:cNvPr id="3" name="Content Placeholder 2"/>
-          <p:cNvSpPr>
-            <a:spLocks noGrp="1"/>
-          </p:cNvSpPr>
-          <p:nvPr>
-            <p:ph idx="1"/>
-          </p:nvPr>
-        </p:nvSpPr>
-        <p:spPr/>
-        <p:txBody>
-          <a:bodyPr/>
-          <a:lstStyle/>
-          <a:p>
-            <a:pPr lvl="0" indent="0" marL="0">
-              <a:buNone/>
-            </a:pPr>
-            <a:r>
-              <a:rPr/>
-              <a:t>Hospice provides end-of-life care for patients whose priority is treatment of symptoms rather than systemic therapy of the cancer.</a:t>
-            </a:r>
-          </a:p>
-          <a:p>
-            <a:pPr lvl="0"/>
-            <a:r>
-              <a:rPr/>
-              <a:t>Usually provided in the home</a:t>
-            </a:r>
-          </a:p>
-          <a:p>
-            <a:pPr lvl="0"/>
-            <a:r>
-              <a:rPr/>
-              <a:t>Residential hospice is available as an alternative</a:t>
-            </a:r>
-          </a:p>
-          <a:p>
-            <a:pPr lvl="0"/>
-            <a:r>
-              <a:rPr/>
-              <a:t>Hospice team manages symptoms including pain managemnt</a:t>
+              <a:t>Primary Care Physician</a:t>
             </a:r>
           </a:p>
         </p:txBody>
@@ -4258,19 +4209,41 @@
             </a:pPr>
             <a:r>
               <a:rPr/>
-              <a:t>Nutrition</a:t>
-            </a:r>
-          </a:p>
-        </p:txBody>
-      </p:sp>
-      <p:sp>
-        <p:nvSpPr>
-          <p:cNvPr id="3" name="Content Placeholder 2"/>
-          <p:cNvSpPr>
-            <a:spLocks noGrp="1"/>
-          </p:cNvSpPr>
-          <p:nvPr>
-            <p:ph idx="1"/>
+              <a:t>My Atrium Patient Portal</a:t>
+            </a:r>
+          </a:p>
+        </p:txBody>
+      </p:sp>
+    </p:spTree>
+  </p:cSld>
+</p:sld>
+</file>
+
+<file path=ppt/slides/slide18.xml><?xml version="1.0" encoding="utf-8"?>
+<p:sld xmlns:a="http://schemas.openxmlformats.org/drawingml/2006/main" xmlns:r="http://schemas.openxmlformats.org/officeDocument/2006/relationships" xmlns:p="http://schemas.openxmlformats.org/presentationml/2006/main">
+  <p:cSld>
+    <p:spTree>
+      <p:nvGrpSpPr>
+        <p:cNvPr id="1" name=""/>
+        <p:cNvGrpSpPr/>
+        <p:nvPr/>
+      </p:nvGrpSpPr>
+      <p:grpSpPr>
+        <a:xfrm>
+          <a:off x="0" y="0"/>
+          <a:ext cx="0" cy="0"/>
+          <a:chOff x="0" y="0"/>
+          <a:chExt cx="0" cy="0"/>
+        </a:xfrm>
+      </p:grpSpPr>
+      <p:sp>
+        <p:nvSpPr>
+          <p:cNvPr id="2" name="Title 1"/>
+          <p:cNvSpPr>
+            <a:spLocks noGrp="1"/>
+          </p:cNvSpPr>
+          <p:nvPr>
+            <p:ph type="title"/>
           </p:nvPr>
         </p:nvSpPr>
         <p:spPr/>
@@ -4282,10 +4255,55 @@
               <a:buNone/>
             </a:pPr>
             <a:r>
-              <a:rPr>
-                <a:hlinkClick r:id="rId2"/>
-              </a:rPr>
-              <a:t>Nutrition Slideshow</a:t>
+              <a:rPr/>
+              <a:t>Exercise</a:t>
+            </a:r>
+          </a:p>
+        </p:txBody>
+      </p:sp>
+    </p:spTree>
+  </p:cSld>
+</p:sld>
+</file>
+
+<file path=ppt/slides/slide19.xml><?xml version="1.0" encoding="utf-8"?>
+<p:sld xmlns:a="http://schemas.openxmlformats.org/drawingml/2006/main" xmlns:r="http://schemas.openxmlformats.org/officeDocument/2006/relationships" xmlns:p="http://schemas.openxmlformats.org/presentationml/2006/main">
+  <p:cSld>
+    <p:spTree>
+      <p:nvGrpSpPr>
+        <p:cNvPr id="1" name=""/>
+        <p:cNvGrpSpPr/>
+        <p:nvPr/>
+      </p:nvGrpSpPr>
+      <p:grpSpPr>
+        <a:xfrm>
+          <a:off x="0" y="0"/>
+          <a:ext cx="0" cy="0"/>
+          <a:chOff x="0" y="0"/>
+          <a:chExt cx="0" cy="0"/>
+        </a:xfrm>
+      </p:grpSpPr>
+      <p:sp>
+        <p:nvSpPr>
+          <p:cNvPr id="2" name="Title 1"/>
+          <p:cNvSpPr>
+            <a:spLocks noGrp="1"/>
+          </p:cNvSpPr>
+          <p:nvPr>
+            <p:ph type="title"/>
+          </p:nvPr>
+        </p:nvSpPr>
+        <p:spPr/>
+        <p:txBody>
+          <a:bodyPr/>
+          <a:lstStyle/>
+          <a:p>
+            <a:pPr lvl="0" indent="0" marL="0">
+              <a:buNone/>
+            </a:pPr>
+            <a:r>
+              <a:rPr/>
+              <a:t>Smoking Cessation</a:t>
             </a:r>
           </a:p>
         </p:txBody>
@@ -4453,6 +4471,930 @@
           </a:ln>
         </p:spPr>
       </p:pic>
+    </p:spTree>
+  </p:cSld>
+</p:sld>
+</file>
+
+<file path=ppt/slides/slide20.xml><?xml version="1.0" encoding="utf-8"?>
+<p:sld xmlns:a="http://schemas.openxmlformats.org/drawingml/2006/main" xmlns:r="http://schemas.openxmlformats.org/officeDocument/2006/relationships" xmlns:p="http://schemas.openxmlformats.org/presentationml/2006/main">
+  <p:cSld>
+    <p:spTree>
+      <p:nvGrpSpPr>
+        <p:cNvPr id="1" name=""/>
+        <p:cNvGrpSpPr/>
+        <p:nvPr/>
+      </p:nvGrpSpPr>
+      <p:grpSpPr>
+        <a:xfrm>
+          <a:off x="0" y="0"/>
+          <a:ext cx="0" cy="0"/>
+          <a:chOff x="0" y="0"/>
+          <a:chExt cx="0" cy="0"/>
+        </a:xfrm>
+      </p:grpSpPr>
+      <p:sp>
+        <p:nvSpPr>
+          <p:cNvPr id="2" name="Title 1"/>
+          <p:cNvSpPr>
+            <a:spLocks noGrp="1"/>
+          </p:cNvSpPr>
+          <p:nvPr>
+            <p:ph type="title"/>
+          </p:nvPr>
+        </p:nvSpPr>
+        <p:spPr/>
+        <p:txBody>
+          <a:bodyPr/>
+          <a:lstStyle/>
+          <a:p>
+            <a:pPr lvl="0" indent="0" marL="0">
+              <a:buNone/>
+            </a:pPr>
+            <a:r>
+              <a:rPr/>
+              <a:t>GI Tract Anatomy</a:t>
+            </a:r>
+          </a:p>
+        </p:txBody>
+      </p:sp>
+      <p:sp>
+        <p:nvSpPr>
+          <p:cNvPr id="3" name="Content Placeholder 2"/>
+          <p:cNvSpPr>
+            <a:spLocks noGrp="1"/>
+          </p:cNvSpPr>
+          <p:nvPr>
+            <p:ph idx="1" sz="half"/>
+          </p:nvPr>
+        </p:nvSpPr>
+        <p:spPr/>
+        <p:txBody>
+          <a:bodyPr/>
+          <a:lstStyle/>
+          <a:p>
+            <a:pPr lvl="0"/>
+            <a:r>
+              <a:rPr/>
+              <a:t>Esophagus delivers food to the stomach</a:t>
+            </a:r>
+          </a:p>
+          <a:p>
+            <a:pPr lvl="0"/>
+            <a:r>
+              <a:rPr/>
+              <a:t>Stomach stores food and delivers it in small quantities to the jejunum</a:t>
+            </a:r>
+          </a:p>
+          <a:p>
+            <a:pPr lvl="0"/>
+            <a:r>
+              <a:rPr/>
+              <a:t>Jejunum begins digestion in the small intestines</a:t>
+            </a:r>
+          </a:p>
+        </p:txBody>
+      </p:sp>
+      <p:pic>
+        <p:nvPicPr>
+          <p:cNvPr descr="https://deidt7p41jzcy.cloudfront.net/Eso_Anatomy_Labels.png" id="0" name="Picture 1"/>
+          <p:cNvPicPr>
+            <a:picLocks noGrp="1" noChangeAspect="1"/>
+          </p:cNvPicPr>
+          <p:nvPr/>
+        </p:nvPicPr>
+        <p:blipFill>
+          <a:blip r:embed="rId2"/>
+          <a:stretch>
+            <a:fillRect/>
+          </a:stretch>
+        </p:blipFill>
+        <p:spPr bwMode="auto">
+          <a:xfrm>
+            <a:off x="5016500" y="1193800"/>
+            <a:ext cx="3302000" cy="3390900"/>
+          </a:xfrm>
+          <a:prstGeom prst="rect">
+            <a:avLst/>
+          </a:prstGeom>
+          <a:noFill/>
+          <a:ln w="9525">
+            <a:noFill/>
+            <a:headEnd/>
+            <a:tailEnd/>
+          </a:ln>
+        </p:spPr>
+      </p:pic>
+    </p:spTree>
+  </p:cSld>
+</p:sld>
+</file>
+
+<file path=ppt/slides/slide21.xml><?xml version="1.0" encoding="utf-8"?>
+<p:sld xmlns:a="http://schemas.openxmlformats.org/drawingml/2006/main" xmlns:r="http://schemas.openxmlformats.org/officeDocument/2006/relationships" xmlns:p="http://schemas.openxmlformats.org/presentationml/2006/main">
+  <p:cSld>
+    <p:spTree>
+      <p:nvGrpSpPr>
+        <p:cNvPr id="1" name=""/>
+        <p:cNvGrpSpPr/>
+        <p:nvPr/>
+      </p:nvGrpSpPr>
+      <p:grpSpPr>
+        <a:xfrm>
+          <a:off x="0" y="0"/>
+          <a:ext cx="0" cy="0"/>
+          <a:chOff x="0" y="0"/>
+          <a:chExt cx="0" cy="0"/>
+        </a:xfrm>
+      </p:grpSpPr>
+      <p:sp>
+        <p:nvSpPr>
+          <p:cNvPr id="2" name="Title 1"/>
+          <p:cNvSpPr>
+            <a:spLocks noGrp="1"/>
+          </p:cNvSpPr>
+          <p:nvPr>
+            <p:ph type="title"/>
+          </p:nvPr>
+        </p:nvSpPr>
+        <p:spPr/>
+        <p:txBody>
+          <a:bodyPr/>
+          <a:lstStyle/>
+          <a:p>
+            <a:pPr lvl="0" indent="0" marL="0">
+              <a:buNone/>
+            </a:pPr>
+            <a:r>
+              <a:rPr/>
+              <a:t>Protein Needs</a:t>
+            </a:r>
+          </a:p>
+        </p:txBody>
+      </p:sp>
+      <p:sp>
+        <p:nvSpPr>
+          <p:cNvPr id="3" name="Content Placeholder 2"/>
+          <p:cNvSpPr>
+            <a:spLocks noGrp="1"/>
+          </p:cNvSpPr>
+          <p:nvPr>
+            <p:ph idx="1"/>
+          </p:nvPr>
+        </p:nvSpPr>
+        <p:spPr/>
+        <p:txBody>
+          <a:bodyPr/>
+          <a:lstStyle/>
+          <a:p>
+            <a:pPr lvl="0"/>
+            <a:r>
+              <a:rPr/>
+              <a:t>Men: Average 75 grams/day</a:t>
+            </a:r>
+          </a:p>
+          <a:p>
+            <a:pPr lvl="0"/>
+            <a:r>
+              <a:rPr/>
+              <a:t>Women: Average 60 grams/day</a:t>
+            </a:r>
+          </a:p>
+        </p:txBody>
+      </p:sp>
+    </p:spTree>
+  </p:cSld>
+</p:sld>
+</file>
+
+<file path=ppt/slides/slide22.xml><?xml version="1.0" encoding="utf-8"?>
+<p:sld xmlns:a="http://schemas.openxmlformats.org/drawingml/2006/main" xmlns:r="http://schemas.openxmlformats.org/officeDocument/2006/relationships" xmlns:p="http://schemas.openxmlformats.org/presentationml/2006/main">
+  <p:cSld>
+    <p:spTree>
+      <p:nvGrpSpPr>
+        <p:cNvPr id="1" name=""/>
+        <p:cNvGrpSpPr/>
+        <p:nvPr/>
+      </p:nvGrpSpPr>
+      <p:grpSpPr>
+        <a:xfrm>
+          <a:off x="0" y="0"/>
+          <a:ext cx="0" cy="0"/>
+          <a:chOff x="0" y="0"/>
+          <a:chExt cx="0" cy="0"/>
+        </a:xfrm>
+      </p:grpSpPr>
+      <p:sp>
+        <p:nvSpPr>
+          <p:cNvPr id="2" name="Title 1"/>
+          <p:cNvSpPr>
+            <a:spLocks noGrp="1"/>
+          </p:cNvSpPr>
+          <p:nvPr>
+            <p:ph type="title"/>
+          </p:nvPr>
+        </p:nvSpPr>
+        <p:spPr/>
+        <p:txBody>
+          <a:bodyPr/>
+          <a:lstStyle/>
+          <a:p>
+            <a:pPr lvl="0" indent="0" marL="0">
+              <a:buNone/>
+            </a:pPr>
+            <a:r>
+              <a:rPr/>
+              <a:t>Protein Shakes</a:t>
+            </a:r>
+          </a:p>
+        </p:txBody>
+      </p:sp>
+      <p:sp>
+        <p:nvSpPr>
+          <p:cNvPr id="3" name="Content Placeholder 2"/>
+          <p:cNvSpPr>
+            <a:spLocks noGrp="1"/>
+          </p:cNvSpPr>
+          <p:nvPr>
+            <p:ph idx="1" sz="half"/>
+          </p:nvPr>
+        </p:nvSpPr>
+        <p:spPr/>
+        <p:txBody>
+          <a:bodyPr/>
+          <a:lstStyle/>
+          <a:p>
+            <a:pPr lvl="0" indent="0" marL="0">
+              <a:buNone/>
+            </a:pPr>
+            <a:r>
+              <a:rPr/>
+              <a:t>Protein Shakes can provide protein with minimal sugar</a:t>
+            </a:r>
+          </a:p>
+        </p:txBody>
+      </p:sp>
+      <p:sp>
+        <p:nvSpPr>
+          <p:cNvPr id="4" name="Content Placeholder 3"/>
+          <p:cNvSpPr>
+            <a:spLocks noGrp="1"/>
+          </p:cNvSpPr>
+          <p:nvPr>
+            <p:ph idx="2" sz="half"/>
+          </p:nvPr>
+        </p:nvSpPr>
+        <p:spPr/>
+        <p:txBody>
+          <a:bodyPr/>
+          <a:lstStyle/>
+          <a:p>
+            <a:pPr lvl="0" indent="0" marL="0">
+              <a:buNone/>
+            </a:pPr>
+            <a:r>
+              <a:rPr/>
+              <a:t>Protein Shakes </a:t>
+            </a:r>
+          </a:p>
+        </p:txBody>
+      </p:sp>
+    </p:spTree>
+  </p:cSld>
+</p:sld>
+</file>
+
+<file path=ppt/slides/slide23.xml><?xml version="1.0" encoding="utf-8"?>
+<p:sld xmlns:a="http://schemas.openxmlformats.org/drawingml/2006/main" xmlns:r="http://schemas.openxmlformats.org/officeDocument/2006/relationships" xmlns:p="http://schemas.openxmlformats.org/presentationml/2006/main">
+  <p:cSld>
+    <p:spTree>
+      <p:nvGrpSpPr>
+        <p:cNvPr id="1" name=""/>
+        <p:cNvGrpSpPr/>
+        <p:nvPr/>
+      </p:nvGrpSpPr>
+      <p:grpSpPr>
+        <a:xfrm>
+          <a:off x="0" y="0"/>
+          <a:ext cx="0" cy="0"/>
+          <a:chOff x="0" y="0"/>
+          <a:chExt cx="0" cy="0"/>
+        </a:xfrm>
+      </p:grpSpPr>
+      <p:sp>
+        <p:nvSpPr>
+          <p:cNvPr id="2" name="Title 1"/>
+          <p:cNvSpPr>
+            <a:spLocks noGrp="1"/>
+          </p:cNvSpPr>
+          <p:nvPr>
+            <p:ph type="title"/>
+          </p:nvPr>
+        </p:nvSpPr>
+        <p:spPr/>
+        <p:txBody>
+          <a:bodyPr/>
+          <a:lstStyle/>
+          <a:p>
+            <a:pPr lvl="0" indent="0" marL="0">
+              <a:buNone/>
+            </a:pPr>
+            <a:r>
+              <a:rPr/>
+              <a:t>Feeding Tubes</a:t>
+            </a:r>
+          </a:p>
+        </p:txBody>
+      </p:sp>
+      <p:sp>
+        <p:nvSpPr>
+          <p:cNvPr id="3" name="Content Placeholder 2"/>
+          <p:cNvSpPr>
+            <a:spLocks noGrp="1"/>
+          </p:cNvSpPr>
+          <p:nvPr>
+            <p:ph idx="1" sz="half"/>
+          </p:nvPr>
+        </p:nvSpPr>
+        <p:spPr/>
+        <p:txBody>
+          <a:bodyPr/>
+          <a:lstStyle/>
+          <a:p>
+            <a:pPr lvl="0" indent="0" marL="0">
+              <a:buNone/>
+            </a:pPr>
+            <a:r>
+              <a:rPr/>
+              <a:t>Jejunostomy = Small Intestine </a:t>
+            </a:r>
+          </a:p>
+        </p:txBody>
+      </p:sp>
+      <p:sp>
+        <p:nvSpPr>
+          <p:cNvPr id="4" name="Content Placeholder 3"/>
+          <p:cNvSpPr>
+            <a:spLocks noGrp="1"/>
+          </p:cNvSpPr>
+          <p:nvPr>
+            <p:ph idx="2" sz="half"/>
+          </p:nvPr>
+        </p:nvSpPr>
+        <p:spPr/>
+        <p:txBody>
+          <a:bodyPr/>
+          <a:lstStyle/>
+          <a:p>
+            <a:pPr lvl="0" indent="0" marL="0">
+              <a:buNone/>
+            </a:pPr>
+            <a:r>
+              <a:rPr/>
+              <a:t>Gastrostomy = Stomach </a:t>
+            </a:r>
+          </a:p>
+        </p:txBody>
+      </p:sp>
+    </p:spTree>
+  </p:cSld>
+</p:sld>
+</file>
+
+<file path=ppt/slides/slide24.xml><?xml version="1.0" encoding="utf-8"?>
+<p:sld xmlns:a="http://schemas.openxmlformats.org/drawingml/2006/main" xmlns:r="http://schemas.openxmlformats.org/officeDocument/2006/relationships" xmlns:p="http://schemas.openxmlformats.org/presentationml/2006/main">
+  <p:cSld>
+    <p:spTree>
+      <p:nvGrpSpPr>
+        <p:cNvPr id="1" name=""/>
+        <p:cNvGrpSpPr/>
+        <p:nvPr/>
+      </p:nvGrpSpPr>
+      <p:grpSpPr>
+        <a:xfrm>
+          <a:off x="0" y="0"/>
+          <a:ext cx="0" cy="0"/>
+          <a:chOff x="0" y="0"/>
+          <a:chExt cx="0" cy="0"/>
+        </a:xfrm>
+      </p:grpSpPr>
+      <p:sp>
+        <p:nvSpPr>
+          <p:cNvPr id="2" name="Title 1"/>
+          <p:cNvSpPr>
+            <a:spLocks noGrp="1"/>
+          </p:cNvSpPr>
+          <p:nvPr>
+            <p:ph type="title"/>
+          </p:nvPr>
+        </p:nvSpPr>
+        <p:spPr/>
+        <p:txBody>
+          <a:bodyPr/>
+          <a:lstStyle/>
+          <a:p>
+            <a:pPr lvl="0" indent="0" marL="0">
+              <a:buNone/>
+            </a:pPr>
+            <a:r>
+              <a:rPr/>
+              <a:t>Gastrostomy Tube</a:t>
+            </a:r>
+          </a:p>
+        </p:txBody>
+      </p:sp>
+      <p:sp>
+        <p:nvSpPr>
+          <p:cNvPr id="3" name="Content Placeholder 2"/>
+          <p:cNvSpPr>
+            <a:spLocks noGrp="1"/>
+          </p:cNvSpPr>
+          <p:nvPr>
+            <p:ph idx="1"/>
+          </p:nvPr>
+        </p:nvSpPr>
+        <p:spPr/>
+        <p:txBody>
+          <a:bodyPr/>
+          <a:lstStyle/>
+          <a:p>
+            <a:pPr lvl="0" indent="0" marL="0">
+              <a:buNone/>
+            </a:pPr>
+            <a:r>
+              <a:rPr/>
+              <a:t>Feeding Gastrostomy</a:t>
+            </a:r>
+          </a:p>
+          <a:p>
+            <a:pPr lvl="0" indent="0" marL="0">
+              <a:buNone/>
+            </a:pPr>
+            <a:r>
+              <a:rPr/>
+              <a:t>A gastrostomy tube allows feeding with a syringe, which can be done several times per day.</a:t>
+            </a:r>
+          </a:p>
+          <a:p>
+            <a:pPr lvl="0" indent="0" marL="0">
+              <a:buNone/>
+            </a:pPr>
+            <a:r>
+              <a:rPr/>
+              <a:t>When it’s not being used, the gastrostomy tube can be hidden underneath clothing.</a:t>
+            </a:r>
+          </a:p>
+          <a:p>
+            <a:pPr lvl="0" indent="0" marL="0">
+              <a:buNone/>
+            </a:pPr>
+            <a:r>
+              <a:rPr/>
+              <a:t>For patient who later need surgery on the esophagus, it will be necessary to remove the</a:t>
+            </a:r>
+          </a:p>
+          <a:p>
+            <a:pPr lvl="0" indent="0" marL="0">
+              <a:buNone/>
+            </a:pPr>
+            <a:r>
+              <a:rPr/>
+              <a:t>gastrostomy tube and place a jejunostomy tube, as the stomach frequently used to create a new</a:t>
+            </a:r>
+          </a:p>
+          <a:p>
+            <a:pPr lvl="0" indent="0" marL="0">
+              <a:buNone/>
+            </a:pPr>
+            <a:r>
+              <a:rPr/>
+              <a:t>esophagus</a:t>
+            </a:r>
+          </a:p>
+        </p:txBody>
+      </p:sp>
+    </p:spTree>
+  </p:cSld>
+</p:sld>
+</file>
+
+<file path=ppt/slides/slide25.xml><?xml version="1.0" encoding="utf-8"?>
+<p:sld xmlns:a="http://schemas.openxmlformats.org/drawingml/2006/main" xmlns:r="http://schemas.openxmlformats.org/officeDocument/2006/relationships" xmlns:p="http://schemas.openxmlformats.org/presentationml/2006/main">
+  <p:cSld>
+    <p:spTree>
+      <p:nvGrpSpPr>
+        <p:cNvPr id="1" name=""/>
+        <p:cNvGrpSpPr/>
+        <p:nvPr/>
+      </p:nvGrpSpPr>
+      <p:grpSpPr>
+        <a:xfrm>
+          <a:off x="0" y="0"/>
+          <a:ext cx="0" cy="0"/>
+          <a:chOff x="0" y="0"/>
+          <a:chExt cx="0" cy="0"/>
+        </a:xfrm>
+      </p:grpSpPr>
+      <p:sp>
+        <p:nvSpPr>
+          <p:cNvPr id="2" name="Title 1"/>
+          <p:cNvSpPr>
+            <a:spLocks noGrp="1"/>
+          </p:cNvSpPr>
+          <p:nvPr>
+            <p:ph type="title"/>
+          </p:nvPr>
+        </p:nvSpPr>
+        <p:spPr/>
+        <p:txBody>
+          <a:bodyPr/>
+          <a:lstStyle/>
+          <a:p>
+            <a:pPr lvl="0" indent="0" marL="0">
+              <a:buNone/>
+            </a:pPr>
+            <a:r>
+              <a:rPr/>
+              <a:t>Gastrostomy Tube Methods</a:t>
+            </a:r>
+          </a:p>
+        </p:txBody>
+      </p:sp>
+      <p:sp>
+        <p:nvSpPr>
+          <p:cNvPr id="3" name="Content Placeholder 2"/>
+          <p:cNvSpPr>
+            <a:spLocks noGrp="1"/>
+          </p:cNvSpPr>
+          <p:nvPr>
+            <p:ph idx="1"/>
+          </p:nvPr>
+        </p:nvSpPr>
+        <p:spPr/>
+        <p:txBody>
+          <a:bodyPr/>
+          <a:lstStyle/>
+          <a:p>
+            <a:pPr lvl="0" indent="0" marL="0">
+              <a:buNone/>
+            </a:pPr>
+            <a:r>
+              <a:rPr/>
+              <a:t>A gastrostomy tube can be placed either by endoscopy, which is called a PEG tube</a:t>
+            </a:r>
+          </a:p>
+          <a:p>
+            <a:pPr lvl="0" indent="0" marL="0">
+              <a:buNone/>
+            </a:pPr>
+            <a:r>
+              <a:rPr/>
+              <a:t>A gastrostomy tube can also be placed by laparoscopy, which is usually preferred if surgery on the esophagus is planned in the future.</a:t>
+            </a:r>
+          </a:p>
+          <a:p>
+            <a:pPr lvl="0" indent="0" marL="0">
+              <a:buNone/>
+            </a:pPr>
+            <a:r>
+              <a:rPr/>
+              <a:t>Your surgeon will help you decide which kind of tube is best for you. This is especially important if you will need esophageal surgery in the future, as the stomach is frequently used to make a new esophagus</a:t>
+            </a:r>
+          </a:p>
+        </p:txBody>
+      </p:sp>
+    </p:spTree>
+  </p:cSld>
+</p:sld>
+</file>
+
+<file path=ppt/slides/slide26.xml><?xml version="1.0" encoding="utf-8"?>
+<p:sld xmlns:a="http://schemas.openxmlformats.org/drawingml/2006/main" xmlns:r="http://schemas.openxmlformats.org/officeDocument/2006/relationships" xmlns:p="http://schemas.openxmlformats.org/presentationml/2006/main">
+  <p:cSld>
+    <p:spTree>
+      <p:nvGrpSpPr>
+        <p:cNvPr id="1" name=""/>
+        <p:cNvGrpSpPr/>
+        <p:nvPr/>
+      </p:nvGrpSpPr>
+      <p:grpSpPr>
+        <a:xfrm>
+          <a:off x="0" y="0"/>
+          <a:ext cx="0" cy="0"/>
+          <a:chOff x="0" y="0"/>
+          <a:chExt cx="0" cy="0"/>
+        </a:xfrm>
+      </p:grpSpPr>
+      <p:sp>
+        <p:nvSpPr>
+          <p:cNvPr id="2" name="Title 1"/>
+          <p:cNvSpPr>
+            <a:spLocks noGrp="1"/>
+          </p:cNvSpPr>
+          <p:nvPr>
+            <p:ph type="title"/>
+          </p:nvPr>
+        </p:nvSpPr>
+        <p:spPr/>
+        <p:txBody>
+          <a:bodyPr/>
+          <a:lstStyle/>
+          <a:p>
+            <a:pPr lvl="0" indent="0" marL="0">
+              <a:buNone/>
+            </a:pPr>
+            <a:r>
+              <a:rPr/>
+              <a:t>Gastrostomy Tube</a:t>
+            </a:r>
+          </a:p>
+        </p:txBody>
+      </p:sp>
+      <p:sp>
+        <p:nvSpPr>
+          <p:cNvPr id="3" name="Content Placeholder 2"/>
+          <p:cNvSpPr>
+            <a:spLocks noGrp="1"/>
+          </p:cNvSpPr>
+          <p:nvPr>
+            <p:ph idx="1"/>
+          </p:nvPr>
+        </p:nvSpPr>
+        <p:spPr/>
+        <p:txBody>
+          <a:bodyPr/>
+          <a:lstStyle/>
+          <a:p>
+            <a:pPr lvl="0"/>
+            <a:r>
+              <a:rPr/>
+              <a:t>Outpatient Placement (go home the same day)</a:t>
+            </a:r>
+          </a:p>
+          <a:p>
+            <a:pPr lvl="0"/>
+            <a:r>
+              <a:rPr/>
+              <a:t>Central venous port can be placed at the same time (if needed)</a:t>
+            </a:r>
+          </a:p>
+        </p:txBody>
+      </p:sp>
+    </p:spTree>
+  </p:cSld>
+</p:sld>
+</file>
+
+<file path=ppt/slides/slide27.xml><?xml version="1.0" encoding="utf-8"?>
+<p:sld xmlns:a="http://schemas.openxmlformats.org/drawingml/2006/main" xmlns:r="http://schemas.openxmlformats.org/officeDocument/2006/relationships" xmlns:p="http://schemas.openxmlformats.org/presentationml/2006/main">
+  <p:cSld>
+    <p:spTree>
+      <p:nvGrpSpPr>
+        <p:cNvPr id="1" name=""/>
+        <p:cNvGrpSpPr/>
+        <p:nvPr/>
+      </p:nvGrpSpPr>
+      <p:grpSpPr>
+        <a:xfrm>
+          <a:off x="0" y="0"/>
+          <a:ext cx="0" cy="0"/>
+          <a:chOff x="0" y="0"/>
+          <a:chExt cx="0" cy="0"/>
+        </a:xfrm>
+      </p:grpSpPr>
+      <p:sp>
+        <p:nvSpPr>
+          <p:cNvPr id="2" name="Title 1"/>
+          <p:cNvSpPr>
+            <a:spLocks noGrp="1"/>
+          </p:cNvSpPr>
+          <p:nvPr>
+            <p:ph type="title"/>
+          </p:nvPr>
+        </p:nvSpPr>
+        <p:spPr/>
+        <p:txBody>
+          <a:bodyPr/>
+          <a:lstStyle/>
+          <a:p>
+            <a:pPr lvl="0" indent="0" marL="0">
+              <a:buNone/>
+            </a:pPr>
+            <a:r>
+              <a:rPr/>
+              <a:t>Jejunostomy tube</a:t>
+            </a:r>
+          </a:p>
+        </p:txBody>
+      </p:sp>
+      <p:sp>
+        <p:nvSpPr>
+          <p:cNvPr id="3" name="Content Placeholder 2"/>
+          <p:cNvSpPr>
+            <a:spLocks noGrp="1"/>
+          </p:cNvSpPr>
+          <p:nvPr>
+            <p:ph idx="1"/>
+          </p:nvPr>
+        </p:nvSpPr>
+        <p:spPr/>
+        <p:txBody>
+          <a:bodyPr/>
+          <a:lstStyle/>
+          <a:p>
+            <a:pPr lvl="0" indent="0" marL="0">
+              <a:buNone/>
+            </a:pPr>
+            <a:r>
+              <a:rPr/>
+              <a:t>The other type of feeding tube is a jejunostomy.</a:t>
+            </a:r>
+          </a:p>
+          <a:p>
+            <a:pPr lvl="0" indent="0" marL="0">
+              <a:buNone/>
+            </a:pPr>
+            <a:r>
+              <a:rPr/>
+              <a:t>A jejunostomy tube tube is placed into the small intestines. Because the small intestine is used to receiving food in small quantities, a jejunostomy tube requires the use of a pump to deliver feedings gradually over a matter of hours.</a:t>
+            </a:r>
+          </a:p>
+          <a:p>
+            <a:pPr lvl="0" indent="0" marL="0">
+              <a:buNone/>
+            </a:pPr>
+            <a:r>
+              <a:rPr/>
+              <a:t>In general, feedings are done at night in order to allow you to be active during the day</a:t>
+            </a:r>
+          </a:p>
+        </p:txBody>
+      </p:sp>
+    </p:spTree>
+  </p:cSld>
+</p:sld>
+</file>
+
+<file path=ppt/slides/slide28.xml><?xml version="1.0" encoding="utf-8"?>
+<p:sld xmlns:a="http://schemas.openxmlformats.org/drawingml/2006/main" xmlns:r="http://schemas.openxmlformats.org/officeDocument/2006/relationships" xmlns:p="http://schemas.openxmlformats.org/presentationml/2006/main">
+  <p:cSld>
+    <p:spTree>
+      <p:nvGrpSpPr>
+        <p:cNvPr id="1" name=""/>
+        <p:cNvGrpSpPr/>
+        <p:nvPr/>
+      </p:nvGrpSpPr>
+      <p:grpSpPr>
+        <a:xfrm>
+          <a:off x="0" y="0"/>
+          <a:ext cx="0" cy="0"/>
+          <a:chOff x="0" y="0"/>
+          <a:chExt cx="0" cy="0"/>
+        </a:xfrm>
+      </p:grpSpPr>
+      <p:sp>
+        <p:nvSpPr>
+          <p:cNvPr id="2" name="Title 1"/>
+          <p:cNvSpPr>
+            <a:spLocks noGrp="1"/>
+          </p:cNvSpPr>
+          <p:nvPr>
+            <p:ph type="title"/>
+          </p:nvPr>
+        </p:nvSpPr>
+        <p:spPr/>
+        <p:txBody>
+          <a:bodyPr/>
+          <a:lstStyle/>
+          <a:p>
+            <a:pPr lvl="0" indent="0" marL="0">
+              <a:buNone/>
+            </a:pPr>
+            <a:r>
+              <a:rPr/>
+              <a:t>Jejunostomy</a:t>
+            </a:r>
+          </a:p>
+        </p:txBody>
+      </p:sp>
+      <p:sp>
+        <p:nvSpPr>
+          <p:cNvPr id="3" name="Content Placeholder 2"/>
+          <p:cNvSpPr>
+            <a:spLocks noGrp="1"/>
+          </p:cNvSpPr>
+          <p:nvPr>
+            <p:ph idx="1"/>
+          </p:nvPr>
+        </p:nvSpPr>
+        <p:spPr/>
+        <p:txBody>
+          <a:bodyPr/>
+          <a:lstStyle/>
+          <a:p>
+            <a:pPr lvl="0" indent="0" marL="0">
+              <a:buNone/>
+            </a:pPr>
+            <a:r>
+              <a:rPr/>
+              <a:t>A jejunostomy tube is used in cases where it’s not possible to place a gastrostomy tube, such as when there is a tumor in the stomach. A jejunostomy tube is routinely used after esophageal surgery, so in patients who need help with nutrition prior to surgery, it makes sense to put in a jejunostomy tube before surgery. The same tube can then be used for nutrition both before and after surgery.</a:t>
+            </a:r>
+          </a:p>
+        </p:txBody>
+      </p:sp>
+    </p:spTree>
+  </p:cSld>
+</p:sld>
+</file>
+
+<file path=ppt/slides/slide29.xml><?xml version="1.0" encoding="utf-8"?>
+<p:sld xmlns:a="http://schemas.openxmlformats.org/drawingml/2006/main" xmlns:r="http://schemas.openxmlformats.org/officeDocument/2006/relationships" xmlns:p="http://schemas.openxmlformats.org/presentationml/2006/main">
+  <p:cSld>
+    <p:spTree>
+      <p:nvGrpSpPr>
+        <p:cNvPr id="1" name=""/>
+        <p:cNvGrpSpPr/>
+        <p:nvPr/>
+      </p:nvGrpSpPr>
+      <p:grpSpPr>
+        <a:xfrm>
+          <a:off x="0" y="0"/>
+          <a:ext cx="0" cy="0"/>
+          <a:chOff x="0" y="0"/>
+          <a:chExt cx="0" cy="0"/>
+        </a:xfrm>
+      </p:grpSpPr>
+      <p:sp>
+        <p:nvSpPr>
+          <p:cNvPr id="2" name="Title 1"/>
+          <p:cNvSpPr>
+            <a:spLocks noGrp="1"/>
+          </p:cNvSpPr>
+          <p:nvPr>
+            <p:ph type="title"/>
+          </p:nvPr>
+        </p:nvSpPr>
+        <p:spPr/>
+        <p:txBody>
+          <a:bodyPr/>
+          <a:lstStyle/>
+          <a:p>
+            <a:pPr lvl="0" indent="0" marL="0">
+              <a:buNone/>
+            </a:pPr>
+            <a:r>
+              <a:rPr/>
+              <a:t>Hospice</a:t>
+            </a:r>
+          </a:p>
+        </p:txBody>
+      </p:sp>
+      <p:sp>
+        <p:nvSpPr>
+          <p:cNvPr id="3" name="Content Placeholder 2"/>
+          <p:cNvSpPr>
+            <a:spLocks noGrp="1"/>
+          </p:cNvSpPr>
+          <p:nvPr>
+            <p:ph idx="1"/>
+          </p:nvPr>
+        </p:nvSpPr>
+        <p:spPr/>
+        <p:txBody>
+          <a:bodyPr/>
+          <a:lstStyle/>
+          <a:p>
+            <a:pPr lvl="0" indent="0" marL="0">
+              <a:buNone/>
+            </a:pPr>
+            <a:r>
+              <a:rPr/>
+              <a:t>Hospice provides end-of-life care for patients whose priority is treatment of symptoms rather than systemic therapy of the cancer.</a:t>
+            </a:r>
+          </a:p>
+          <a:p>
+            <a:pPr lvl="0"/>
+            <a:r>
+              <a:rPr/>
+              <a:t>Usually provided in the home</a:t>
+            </a:r>
+          </a:p>
+          <a:p>
+            <a:pPr lvl="0"/>
+            <a:r>
+              <a:rPr/>
+              <a:t>Residential hospice is available as an alternative</a:t>
+            </a:r>
+          </a:p>
+          <a:p>
+            <a:pPr lvl="0"/>
+            <a:r>
+              <a:rPr/>
+              <a:t>Hospice team manages symptoms including pain managemnt</a:t>
+            </a:r>
+          </a:p>
+        </p:txBody>
+      </p:sp>
     </p:spTree>
   </p:cSld>
 </p:sld>

--- a/lci_esom1.pptx
+++ b/lci_esom1.pptx
@@ -330,7 +330,7 @@
           <a:p>
             <a:fld id="{241EB5C9-1307-BA42-ABA2-0BC069CD8E7F}" type="datetimeFigureOut">
               <a:rPr lang="en-US" smtClean="0"/>
-              <a:t>11/14/24</a:t>
+              <a:t>1/8/25</a:t>
             </a:fld>
             <a:endParaRPr lang="en-US"/>
           </a:p>
@@ -498,7 +498,7 @@
           <a:p>
             <a:fld id="{241EB5C9-1307-BA42-ABA2-0BC069CD8E7F}" type="datetimeFigureOut">
               <a:rPr lang="en-US" smtClean="0"/>
-              <a:t>11/14/24</a:t>
+              <a:t>1/8/25</a:t>
             </a:fld>
             <a:endParaRPr lang="en-US"/>
           </a:p>
@@ -676,7 +676,7 @@
           <a:p>
             <a:fld id="{241EB5C9-1307-BA42-ABA2-0BC069CD8E7F}" type="datetimeFigureOut">
               <a:rPr lang="en-US" smtClean="0"/>
-              <a:t>11/14/24</a:t>
+              <a:t>1/8/25</a:t>
             </a:fld>
             <a:endParaRPr lang="en-US"/>
           </a:p>
@@ -854,7 +854,7 @@
           <a:p>
             <a:fld id="{241EB5C9-1307-BA42-ABA2-0BC069CD8E7F}" type="datetimeFigureOut">
               <a:rPr lang="en-US" smtClean="0"/>
-              <a:t>11/14/24</a:t>
+              <a:t>1/8/25</a:t>
             </a:fld>
             <a:endParaRPr lang="en-US"/>
           </a:p>
@@ -1099,7 +1099,8 @@
         <p:txBody>
           <a:bodyPr/>
           <a:lstStyle>
-            <a:lvl1pPr>
+            <a:lvl1pPr marL="228600" indent="-228600">
+              <a:tabLst/>
               <a:defRPr sz="2800"/>
             </a:lvl1pPr>
             <a:lvl2pPr>
@@ -1163,7 +1164,7 @@
           <a:p>
             <a:fld id="{241EB5C9-1307-BA42-ABA2-0BC069CD8E7F}" type="datetimeFigureOut">
               <a:rPr lang="en-US" smtClean="0"/>
-              <a:t>11/14/24</a:t>
+              <a:t>1/8/25</a:t>
             </a:fld>
             <a:endParaRPr lang="en-US"/>
           </a:p>
@@ -1424,7 +1425,7 @@
           <a:p>
             <a:fld id="{241EB5C9-1307-BA42-ABA2-0BC069CD8E7F}" type="datetimeFigureOut">
               <a:rPr lang="en-US" smtClean="0"/>
-              <a:t>11/14/24</a:t>
+              <a:t>1/8/25</a:t>
             </a:fld>
             <a:endParaRPr lang="en-US"/>
           </a:p>
@@ -1543,8 +1544,9 @@
         <p:txBody>
           <a:bodyPr/>
           <a:lstStyle>
-            <a:lvl1pPr>
-              <a:defRPr sz="2400"/>
+            <a:lvl1pPr marL="174625" indent="-174625">
+              <a:tabLst/>
+              <a:defRPr sz="2800"/>
             </a:lvl1pPr>
             <a:lvl2pPr>
               <a:defRPr sz="1800"/>
@@ -1627,8 +1629,9 @@
         <p:txBody>
           <a:bodyPr/>
           <a:lstStyle>
-            <a:lvl1pPr>
-              <a:defRPr sz="2400"/>
+            <a:lvl1pPr marL="174625" indent="-174625">
+              <a:tabLst/>
+              <a:defRPr sz="2800"/>
             </a:lvl1pPr>
             <a:lvl2pPr>
               <a:defRPr sz="1800"/>
@@ -1709,7 +1712,7 @@
           <a:p>
             <a:fld id="{241EB5C9-1307-BA42-ABA2-0BC069CD8E7F}" type="datetimeFigureOut">
               <a:rPr lang="en-US" smtClean="0"/>
-              <a:t>11/14/24</a:t>
+              <a:t>1/8/25</a:t>
             </a:fld>
             <a:endParaRPr lang="en-US"/>
           </a:p>
@@ -2128,7 +2131,7 @@
           <a:p>
             <a:fld id="{241EB5C9-1307-BA42-ABA2-0BC069CD8E7F}" type="datetimeFigureOut">
               <a:rPr lang="en-US" smtClean="0"/>
-              <a:t>11/14/24</a:t>
+              <a:t>1/8/25</a:t>
             </a:fld>
             <a:endParaRPr lang="en-US"/>
           </a:p>
@@ -2245,7 +2248,7 @@
           <a:p>
             <a:fld id="{241EB5C9-1307-BA42-ABA2-0BC069CD8E7F}" type="datetimeFigureOut">
               <a:rPr lang="en-US" smtClean="0"/>
-              <a:t>11/14/24</a:t>
+              <a:t>1/8/25</a:t>
             </a:fld>
             <a:endParaRPr lang="en-US"/>
           </a:p>
@@ -2340,7 +2343,7 @@
           <a:p>
             <a:fld id="{241EB5C9-1307-BA42-ABA2-0BC069CD8E7F}" type="datetimeFigureOut">
               <a:rPr lang="en-US" smtClean="0"/>
-              <a:t>11/14/24</a:t>
+              <a:t>1/8/25</a:t>
             </a:fld>
             <a:endParaRPr lang="en-US"/>
           </a:p>
@@ -2615,7 +2618,7 @@
           <a:p>
             <a:fld id="{241EB5C9-1307-BA42-ABA2-0BC069CD8E7F}" type="datetimeFigureOut">
               <a:rPr lang="en-US" smtClean="0"/>
-              <a:t>11/14/24</a:t>
+              <a:t>1/8/25</a:t>
             </a:fld>
             <a:endParaRPr lang="en-US"/>
           </a:p>
@@ -2867,7 +2870,7 @@
           <a:p>
             <a:fld id="{241EB5C9-1307-BA42-ABA2-0BC069CD8E7F}" type="datetimeFigureOut">
               <a:rPr lang="en-US" smtClean="0"/>
-              <a:t>11/14/24</a:t>
+              <a:t>1/8/25</a:t>
             </a:fld>
             <a:endParaRPr lang="en-US"/>
           </a:p>
@@ -3078,7 +3081,7 @@
           <a:p>
             <a:fld id="{241EB5C9-1307-BA42-ABA2-0BC069CD8E7F}" type="datetimeFigureOut">
               <a:rPr lang="en-US" smtClean="0"/>
-              <a:t>11/14/24</a:t>
+              <a:t>1/8/25</a:t>
             </a:fld>
             <a:endParaRPr lang="en-US"/>
           </a:p>
@@ -3434,6 +3437,22 @@
       </a:lvl9pPr>
     </p:otherStyle>
   </p:txStyles>
+  <p:extLst>
+    <p:ext uri="{27BBF7A9-308A-43DC-89C8-2F10F3537804}">
+      <p15:sldGuideLst xmlns:p15="http://schemas.microsoft.com/office/powerpoint/2012/main">
+        <p15:guide id="1" orient="horz" pos="1620" userDrawn="1">
+          <p15:clr>
+            <a:srgbClr val="F26B43"/>
+          </p15:clr>
+        </p15:guide>
+        <p15:guide id="2" pos="2880" userDrawn="1">
+          <p15:clr>
+            <a:srgbClr val="F26B43"/>
+          </p15:clr>
+        </p15:guide>
+      </p15:sldGuideLst>
+    </p:ext>
+  </p:extLst>
 </p:sldMaster>
 </file>
 

--- a/lci_esom1.pptx
+++ b/lci_esom1.pptx
@@ -4130,13 +4130,6 @@
               <a:t>Smoking Cessation</a:t>
             </a:r>
           </a:p>
-          <a:p>
-            <a:pPr lvl="0"/>
-            <a:r>
-              <a:rPr/>
-              <a:t>Nutrition</a:t>
-            </a:r>
-          </a:p>
         </p:txBody>
       </p:sp>
     </p:spTree>
@@ -4181,7 +4174,50 @@
             </a:pPr>
             <a:r>
               <a:rPr/>
-              <a:t>Primary Care Physician</a:t>
+              <a:t>Primary Care Practitioner (PCP)</a:t>
+            </a:r>
+          </a:p>
+        </p:txBody>
+      </p:sp>
+      <p:sp>
+        <p:nvSpPr>
+          <p:cNvPr id="3" name="Content Placeholder 2"/>
+          <p:cNvSpPr>
+            <a:spLocks noGrp="1"/>
+          </p:cNvSpPr>
+          <p:nvPr>
+            <p:ph idx="1"/>
+          </p:nvPr>
+        </p:nvSpPr>
+        <p:spPr/>
+        <p:txBody>
+          <a:bodyPr/>
+          <a:lstStyle/>
+          <a:p>
+            <a:pPr lvl="0" indent="0" marL="0">
+              <a:buNone/>
+            </a:pPr>
+            <a:r>
+              <a:rPr/>
+              <a:t>A PCP is critical to coordinate care between specialists.</a:t>
+            </a:r>
+          </a:p>
+          <a:p>
+            <a:pPr lvl="0" indent="0" marL="0">
+              <a:buNone/>
+            </a:pPr>
+            <a:r>
+              <a:rPr/>
+              <a:t>We will update your PCP after each visit</a:t>
+            </a:r>
+          </a:p>
+          <a:p>
+            <a:pPr lvl="0" indent="0" marL="0">
+              <a:buNone/>
+            </a:pPr>
+            <a:r>
+              <a:rPr/>
+              <a:t>If you do not have a PCP, call our referral line at (844) 235-6998</a:t>
             </a:r>
           </a:p>
         </p:txBody>
@@ -4230,6 +4266,50 @@
               <a:rPr/>
               <a:t>My Atrium Patient Portal</a:t>
             </a:r>
+            <a:br/>
+          </a:p>
+        </p:txBody>
+      </p:sp>
+      <p:sp>
+        <p:nvSpPr>
+          <p:cNvPr id="3" name="Content Placeholder 2"/>
+          <p:cNvSpPr>
+            <a:spLocks noGrp="1"/>
+          </p:cNvSpPr>
+          <p:nvPr>
+            <p:ph idx="1"/>
+          </p:nvPr>
+        </p:nvSpPr>
+        <p:spPr/>
+        <p:txBody>
+          <a:bodyPr/>
+          <a:lstStyle/>
+          <a:p>
+            <a:pPr lvl="0" indent="0" marL="0">
+              <a:buNone/>
+            </a:pPr>
+            <a:br/>
+          </a:p>
+          <a:p>
+            <a:pPr lvl="0"/>
+            <a:r>
+              <a:rPr/>
+              <a:t>Critical to good communication with your cancer care team</a:t>
+            </a:r>
+          </a:p>
+          <a:p>
+            <a:pPr lvl="0"/>
+            <a:r>
+              <a:rPr/>
+              <a:t>Available for desktop or laptop or phone</a:t>
+            </a:r>
+          </a:p>
+          <a:p>
+            <a:pPr lvl="0"/>
+            <a:r>
+              <a:rPr/>
+              <a:t>Sign up at my.atriumhealth.org</a:t>
+            </a:r>
           </a:p>
         </p:txBody>
       </p:sp>
@@ -4280,6 +4360,57 @@
           </a:p>
         </p:txBody>
       </p:sp>
+      <p:sp>
+        <p:nvSpPr>
+          <p:cNvPr id="3" name="Content Placeholder 2"/>
+          <p:cNvSpPr>
+            <a:spLocks noGrp="1"/>
+          </p:cNvSpPr>
+          <p:nvPr>
+            <p:ph idx="1"/>
+          </p:nvPr>
+        </p:nvSpPr>
+        <p:spPr/>
+        <p:txBody>
+          <a:bodyPr/>
+          <a:lstStyle/>
+          <a:p>
+            <a:pPr lvl="0"/>
+            <a:r>
+              <a:rPr/>
+              <a:t>Important to reduce the risk of complications from cancer treatment</a:t>
+            </a:r>
+          </a:p>
+          <a:p>
+            <a:pPr lvl="0"/>
+            <a:r>
+              <a:rPr/>
+              <a:t>Goal is 30min/day of vigorous exercise 6 days/week</a:t>
+            </a:r>
+          </a:p>
+          <a:p>
+            <a:pPr lvl="1"/>
+            <a:r>
+              <a:rPr/>
+              <a:t>Working hard enough that you can’t carry a conversation</a:t>
+            </a:r>
+          </a:p>
+          <a:p>
+            <a:pPr lvl="1"/>
+            <a:r>
+              <a:rPr/>
+              <a:t>Start slow an build up</a:t>
+            </a:r>
+          </a:p>
+          <a:p>
+            <a:pPr lvl="1"/>
+            <a:r>
+              <a:rPr/>
+              <a:t>Every day counts! (Aim for some activity every day)</a:t>
+            </a:r>
+          </a:p>
+        </p:txBody>
+      </p:sp>
     </p:spTree>
   </p:cSld>
 </p:sld>
@@ -4323,6 +4454,64 @@
             <a:r>
               <a:rPr/>
               <a:t>Smoking Cessation</a:t>
+            </a:r>
+          </a:p>
+        </p:txBody>
+      </p:sp>
+      <p:sp>
+        <p:nvSpPr>
+          <p:cNvPr id="3" name="Content Placeholder 2"/>
+          <p:cNvSpPr>
+            <a:spLocks noGrp="1"/>
+          </p:cNvSpPr>
+          <p:nvPr>
+            <p:ph idx="1"/>
+          </p:nvPr>
+        </p:nvSpPr>
+        <p:spPr/>
+        <p:txBody>
+          <a:bodyPr/>
+          <a:lstStyle/>
+          <a:p>
+            <a:pPr lvl="0"/>
+            <a:r>
+              <a:rPr/>
+              <a:t>Smoking makes it more difficult to get through cancer treatment</a:t>
+            </a:r>
+          </a:p>
+          <a:p>
+            <a:pPr lvl="1"/>
+            <a:r>
+              <a:rPr/>
+              <a:t>Increases risk of complications after surgery</a:t>
+            </a:r>
+          </a:p>
+          <a:p>
+            <a:pPr lvl="0"/>
+            <a:r>
+              <a:rPr/>
+              <a:t>Options for help with smoking cessation:</a:t>
+            </a:r>
+          </a:p>
+          <a:p>
+            <a:pPr lvl="1"/>
+            <a:r>
+              <a:rPr/>
+              <a:t>NC Quit Line 1-800-QUIT-NOW (1-800-784-8669)</a:t>
+            </a:r>
+          </a:p>
+          <a:p>
+            <a:pPr lvl="1"/>
+            <a:r>
+              <a:rPr/>
+              <a:t>American Lung Asssociation fredomfromsmoking.org</a:t>
+            </a:r>
+          </a:p>
+          <a:p>
+            <a:pPr lvl="1"/>
+            <a:r>
+              <a:rPr/>
+              <a:t>1:1 Smoking Cessation Counseling Clinics (Metro Charlotte)</a:t>
             </a:r>
           </a:p>
         </p:txBody>
@@ -4946,48 +5135,31 @@
             </a:r>
           </a:p>
           <a:p>
-            <a:pPr lvl="0" indent="0" marL="0">
-              <a:buNone/>
-            </a:pPr>
-            <a:r>
-              <a:rPr/>
-              <a:t>A gastrostomy tube allows feeding with a syringe, which can be done several times per day.</a:t>
-            </a:r>
-          </a:p>
-          <a:p>
-            <a:pPr lvl="0" indent="0" marL="0">
-              <a:buNone/>
-            </a:pPr>
-            <a:r>
-              <a:rPr/>
-              <a:t>When it’s not being used, the gastrostomy tube can be hidden underneath clothing.</a:t>
-            </a:r>
-          </a:p>
-          <a:p>
-            <a:pPr lvl="0" indent="0" marL="0">
-              <a:buNone/>
-            </a:pPr>
-            <a:r>
-              <a:rPr/>
-              <a:t>For patient who later need surgery on the esophagus, it will be necessary to remove the</a:t>
-            </a:r>
-          </a:p>
-          <a:p>
-            <a:pPr lvl="0" indent="0" marL="0">
-              <a:buNone/>
-            </a:pPr>
-            <a:r>
-              <a:rPr/>
-              <a:t>gastrostomy tube and place a jejunostomy tube, as the stomach frequently used to create a new</a:t>
-            </a:r>
-          </a:p>
-          <a:p>
-            <a:pPr lvl="0" indent="0" marL="0">
-              <a:buNone/>
-            </a:pPr>
-            <a:r>
-              <a:rPr/>
-              <a:t>esophagus</a:t>
+            <a:pPr lvl="0"/>
+            <a:r>
+              <a:rPr/>
+              <a:t>Feeding with a syringe several times per day.</a:t>
+            </a:r>
+          </a:p>
+          <a:p>
+            <a:pPr lvl="0"/>
+            <a:r>
+              <a:rPr/>
+              <a:t>Tube can be hidden underneath clothing</a:t>
+            </a:r>
+          </a:p>
+          <a:p>
+            <a:pPr lvl="0"/>
+            <a:r>
+              <a:rPr/>
+              <a:t>Tube does not interfere with eating by mouth</a:t>
+            </a:r>
+          </a:p>
+          <a:p>
+            <a:pPr lvl="0"/>
+            <a:r>
+              <a:rPr/>
+              <a:t>Removed easily in the office when no longer needed</a:t>
             </a:r>
           </a:p>
         </p:txBody>
@@ -5291,7 +5463,7 @@
             </a:pPr>
             <a:r>
               <a:rPr/>
-              <a:t>Jejunostomy</a:t>
+              <a:t>Jejunostomy Video</a:t>
             </a:r>
           </a:p>
         </p:txBody>
@@ -5303,7 +5475,7 @@
             <a:spLocks noGrp="1"/>
           </p:cNvSpPr>
           <p:nvPr>
-            <p:ph idx="1"/>
+            <p:ph idx="1" sz="half"/>
           </p:nvPr>
         </p:nvSpPr>
         <p:spPr/>
@@ -5316,7 +5488,32 @@
             </a:pPr>
             <a:r>
               <a:rPr/>
-              <a:t>A jejunostomy tube is used in cases where it’s not possible to place a gastrostomy tube, such as when there is a tumor in the stomach. A jejunostomy tube is routinely used after esophageal surgery, so in patients who need help with nutrition prior to surgery, it makes sense to put in a jejunostomy tube before surgery. The same tube can then be used for nutrition both before and after surgery.</a:t>
+              <a:t>A video is available to help become familiar with the feeding jejunostomy</a:t>
+            </a:r>
+          </a:p>
+        </p:txBody>
+      </p:sp>
+      <p:sp>
+        <p:nvSpPr>
+          <p:cNvPr id="4" name="Content Placeholder 3"/>
+          <p:cNvSpPr>
+            <a:spLocks noGrp="1"/>
+          </p:cNvSpPr>
+          <p:nvPr>
+            <p:ph idx="2" sz="half"/>
+          </p:nvPr>
+        </p:nvSpPr>
+        <p:spPr/>
+        <p:txBody>
+          <a:bodyPr/>
+          <a:lstStyle/>
+          <a:p>
+            <a:pPr lvl="0" indent="0" marL="0">
+              <a:buNone/>
+            </a:pPr>
+            <a:r>
+              <a:rPr/>
+              <a:t>Gastrostomy = Stomach </a:t>
             </a:r>
           </a:p>
         </p:txBody>

--- a/lci_esom1.pptx
+++ b/lci_esom1.pptx
@@ -31,9 +31,6 @@
     <p:sldId id="279" r:id="rId25"/>
     <p:sldId id="280" r:id="rId26"/>
     <p:sldId id="281" r:id="rId27"/>
-    <p:sldId id="282" r:id="rId28"/>
-    <p:sldId id="283" r:id="rId29"/>
-    <p:sldId id="284" r:id="rId30"/>
   </p:sldIdLst>
   <p:sldSz cx="9144000" cy="5143500" type="screen16x9"/>
   <p:notesSz cx="6858000" cy="9144000"/>
@@ -3573,6 +3570,699 @@
             </a:pPr>
             <a:r>
               <a:rPr/>
+              <a:t>Intravenous Catheter in Peripheral Vein (“IV”)</a:t>
+            </a:r>
+          </a:p>
+        </p:txBody>
+      </p:sp>
+      <p:sp>
+        <p:nvSpPr>
+          <p:cNvPr id="3" name="Content Placeholder 2"/>
+          <p:cNvSpPr>
+            <a:spLocks noGrp="1"/>
+          </p:cNvSpPr>
+          <p:nvPr>
+            <p:ph idx="1" sz="half"/>
+          </p:nvPr>
+        </p:nvSpPr>
+        <p:spPr/>
+        <p:txBody>
+          <a:bodyPr/>
+          <a:lstStyle/>
+          <a:p>
+            <a:pPr lvl="0"/>
+            <a:r>
+              <a:rPr/>
+              <a:t>IV catheter placed into a vein in the hand or arm</a:t>
+            </a:r>
+          </a:p>
+          <a:p>
+            <a:pPr lvl="0"/>
+            <a:r>
+              <a:rPr/>
+              <a:t>Allows administration of chemotherapy and fluids</a:t>
+            </a:r>
+          </a:p>
+          <a:p>
+            <a:pPr lvl="0"/>
+            <a:r>
+              <a:rPr/>
+              <a:t>Placed at the beginning of each dose</a:t>
+            </a:r>
+          </a:p>
+          <a:p>
+            <a:pPr lvl="0"/>
+            <a:r>
+              <a:rPr/>
+              <a:t>Removed that day at the end of treatment</a:t>
+            </a:r>
+          </a:p>
+          <a:p>
+            <a:pPr lvl="0"/>
+            <a:r>
+              <a:rPr/>
+              <a:t>Not suitable for FLOT chemotherapy</a:t>
+            </a:r>
+          </a:p>
+        </p:txBody>
+      </p:sp>
+      <p:pic>
+        <p:nvPicPr>
+          <p:cNvPr descr="https://deidt7p41jzcy.cloudfront.net/peripheral-venous-catheter-427167-7_960_720-pixabay.jpg" id="0" name="Picture 1"/>
+          <p:cNvPicPr>
+            <a:picLocks noGrp="1" noChangeAspect="1"/>
+          </p:cNvPicPr>
+          <p:nvPr/>
+        </p:nvPicPr>
+        <p:blipFill>
+          <a:blip r:embed="rId2"/>
+          <a:stretch>
+            <a:fillRect/>
+          </a:stretch>
+        </p:blipFill>
+        <p:spPr bwMode="auto">
+          <a:xfrm>
+            <a:off x="5397500" y="1193800"/>
+            <a:ext cx="2540000" cy="3390900"/>
+          </a:xfrm>
+          <a:prstGeom prst="rect">
+            <a:avLst/>
+          </a:prstGeom>
+          <a:noFill/>
+          <a:ln w="9525">
+            <a:noFill/>
+            <a:headEnd/>
+            <a:tailEnd/>
+          </a:ln>
+        </p:spPr>
+      </p:pic>
+    </p:spTree>
+  </p:cSld>
+</p:sld>
+</file>
+
+<file path=ppt/slides/slide11.xml><?xml version="1.0" encoding="utf-8"?>
+<p:sld xmlns:a="http://schemas.openxmlformats.org/drawingml/2006/main" xmlns:r="http://schemas.openxmlformats.org/officeDocument/2006/relationships" xmlns:p="http://schemas.openxmlformats.org/presentationml/2006/main">
+  <p:cSld>
+    <p:spTree>
+      <p:nvGrpSpPr>
+        <p:cNvPr id="1" name=""/>
+        <p:cNvGrpSpPr/>
+        <p:nvPr/>
+      </p:nvGrpSpPr>
+      <p:grpSpPr>
+        <a:xfrm>
+          <a:off x="0" y="0"/>
+          <a:ext cx="0" cy="0"/>
+          <a:chOff x="0" y="0"/>
+          <a:chExt cx="0" cy="0"/>
+        </a:xfrm>
+      </p:grpSpPr>
+      <p:sp>
+        <p:nvSpPr>
+          <p:cNvPr id="2" name="Title 1"/>
+          <p:cNvSpPr>
+            <a:spLocks noGrp="1"/>
+          </p:cNvSpPr>
+          <p:nvPr>
+            <p:ph type="title"/>
+          </p:nvPr>
+        </p:nvSpPr>
+        <p:spPr/>
+        <p:txBody>
+          <a:bodyPr/>
+          <a:lstStyle/>
+          <a:p>
+            <a:pPr lvl="0" indent="0" marL="0">
+              <a:buNone/>
+            </a:pPr>
+            <a:r>
+              <a:rPr/>
+              <a:t>PICC Lines</a:t>
+            </a:r>
+          </a:p>
+        </p:txBody>
+      </p:sp>
+      <p:sp>
+        <p:nvSpPr>
+          <p:cNvPr id="3" name="Content Placeholder 2"/>
+          <p:cNvSpPr>
+            <a:spLocks noGrp="1"/>
+          </p:cNvSpPr>
+          <p:nvPr>
+            <p:ph idx="1" sz="half"/>
+          </p:nvPr>
+        </p:nvSpPr>
+        <p:spPr/>
+        <p:txBody>
+          <a:bodyPr/>
+          <a:lstStyle/>
+          <a:p>
+            <a:pPr lvl="0"/>
+            <a:r>
+              <a:rPr/>
+              <a:t>Placed in Radiology</a:t>
+            </a:r>
+          </a:p>
+          <a:p>
+            <a:pPr lvl="0"/>
+            <a:r>
+              <a:rPr/>
+              <a:t>Stay in place during all of treatment</a:t>
+            </a:r>
+          </a:p>
+          <a:p>
+            <a:pPr lvl="0"/>
+            <a:r>
+              <a:rPr/>
+              <a:t>Needs to be kept clean and dry</a:t>
+            </a:r>
+          </a:p>
+          <a:p>
+            <a:pPr lvl="0"/>
+            <a:r>
+              <a:rPr/>
+              <a:t>Suitable for FLOT chemotherapy</a:t>
+            </a:r>
+          </a:p>
+        </p:txBody>
+      </p:sp>
+      <p:pic>
+        <p:nvPicPr>
+          <p:cNvPr descr="https://deidt7p41jzcy.cloudfront.net/comm_picc.jpeg" id="0" name="Picture 1"/>
+          <p:cNvPicPr>
+            <a:picLocks noGrp="1" noChangeAspect="1"/>
+          </p:cNvPicPr>
+          <p:nvPr/>
+        </p:nvPicPr>
+        <p:blipFill>
+          <a:blip r:embed="rId2"/>
+          <a:stretch>
+            <a:fillRect/>
+          </a:stretch>
+        </p:blipFill>
+        <p:spPr bwMode="auto">
+          <a:xfrm>
+            <a:off x="4648200" y="1397000"/>
+            <a:ext cx="4038600" cy="2984500"/>
+          </a:xfrm>
+          <a:prstGeom prst="rect">
+            <a:avLst/>
+          </a:prstGeom>
+          <a:noFill/>
+          <a:ln w="9525">
+            <a:noFill/>
+            <a:headEnd/>
+            <a:tailEnd/>
+          </a:ln>
+        </p:spPr>
+      </p:pic>
+    </p:spTree>
+  </p:cSld>
+</p:sld>
+</file>
+
+<file path=ppt/slides/slide12.xml><?xml version="1.0" encoding="utf-8"?>
+<p:sld xmlns:a="http://schemas.openxmlformats.org/drawingml/2006/main" xmlns:r="http://schemas.openxmlformats.org/officeDocument/2006/relationships" xmlns:p="http://schemas.openxmlformats.org/presentationml/2006/main">
+  <p:cSld>
+    <p:spTree>
+      <p:nvGrpSpPr>
+        <p:cNvPr id="1" name=""/>
+        <p:cNvGrpSpPr/>
+        <p:nvPr/>
+      </p:nvGrpSpPr>
+      <p:grpSpPr>
+        <a:xfrm>
+          <a:off x="0" y="0"/>
+          <a:ext cx="0" cy="0"/>
+          <a:chOff x="0" y="0"/>
+          <a:chExt cx="0" cy="0"/>
+        </a:xfrm>
+      </p:grpSpPr>
+      <p:sp>
+        <p:nvSpPr>
+          <p:cNvPr id="2" name="Title 1"/>
+          <p:cNvSpPr>
+            <a:spLocks noGrp="1"/>
+          </p:cNvSpPr>
+          <p:nvPr>
+            <p:ph type="title"/>
+          </p:nvPr>
+        </p:nvSpPr>
+        <p:spPr/>
+        <p:txBody>
+          <a:bodyPr/>
+          <a:lstStyle/>
+          <a:p>
+            <a:pPr lvl="0" indent="0" marL="0">
+              <a:buNone/>
+            </a:pPr>
+            <a:r>
+              <a:rPr/>
+              <a:t>Central Venous Port</a:t>
+            </a:r>
+          </a:p>
+        </p:txBody>
+      </p:sp>
+      <p:sp>
+        <p:nvSpPr>
+          <p:cNvPr id="3" name="Content Placeholder 2"/>
+          <p:cNvSpPr>
+            <a:spLocks noGrp="1"/>
+          </p:cNvSpPr>
+          <p:nvPr>
+            <p:ph idx="1" sz="half"/>
+          </p:nvPr>
+        </p:nvSpPr>
+        <p:spPr/>
+        <p:txBody>
+          <a:bodyPr/>
+          <a:lstStyle/>
+          <a:p>
+            <a:pPr lvl="0"/>
+            <a:r>
+              <a:rPr/>
+              <a:t>Implantable device that makes the administration of chemotherapy easier</a:t>
+            </a:r>
+          </a:p>
+          <a:p>
+            <a:pPr lvl="0"/>
+            <a:r>
+              <a:rPr/>
+              <a:t>May shower within 24 hrs</a:t>
+            </a:r>
+          </a:p>
+          <a:p>
+            <a:pPr lvl="0"/>
+            <a:r>
+              <a:rPr/>
+              <a:t>No special care at home</a:t>
+            </a:r>
+          </a:p>
+          <a:p>
+            <a:pPr lvl="0"/>
+            <a:r>
+              <a:rPr/>
+              <a:t>Suitable for FLOT chemo</a:t>
+            </a:r>
+          </a:p>
+          <a:p>
+            <a:pPr lvl="0"/>
+            <a:r>
+              <a:rPr/>
+              <a:t>Allows for blood draws</a:t>
+            </a:r>
+          </a:p>
+        </p:txBody>
+      </p:sp>
+      <p:pic>
+        <p:nvPicPr>
+          <p:cNvPr descr="https://deidt7p41jzcy.cloudfront.net/cv_port.png" id="0" name="Picture 1"/>
+          <p:cNvPicPr>
+            <a:picLocks noGrp="1" noChangeAspect="1"/>
+          </p:cNvPicPr>
+          <p:nvPr/>
+        </p:nvPicPr>
+        <p:blipFill>
+          <a:blip r:embed="rId2"/>
+          <a:stretch>
+            <a:fillRect/>
+          </a:stretch>
+        </p:blipFill>
+        <p:spPr bwMode="auto">
+          <a:xfrm>
+            <a:off x="5016500" y="1193800"/>
+            <a:ext cx="3302000" cy="3390900"/>
+          </a:xfrm>
+          <a:prstGeom prst="rect">
+            <a:avLst/>
+          </a:prstGeom>
+          <a:noFill/>
+          <a:ln w="9525">
+            <a:noFill/>
+            <a:headEnd/>
+            <a:tailEnd/>
+          </a:ln>
+        </p:spPr>
+      </p:pic>
+    </p:spTree>
+  </p:cSld>
+</p:sld>
+</file>
+
+<file path=ppt/slides/slide13.xml><?xml version="1.0" encoding="utf-8"?>
+<p:sld xmlns:a="http://schemas.openxmlformats.org/drawingml/2006/main" xmlns:r="http://schemas.openxmlformats.org/officeDocument/2006/relationships" xmlns:p="http://schemas.openxmlformats.org/presentationml/2006/main">
+  <p:cSld>
+    <p:spTree>
+      <p:nvGrpSpPr>
+        <p:cNvPr id="1" name=""/>
+        <p:cNvGrpSpPr/>
+        <p:nvPr/>
+      </p:nvGrpSpPr>
+      <p:grpSpPr>
+        <a:xfrm>
+          <a:off x="0" y="0"/>
+          <a:ext cx="0" cy="0"/>
+          <a:chOff x="0" y="0"/>
+          <a:chExt cx="0" cy="0"/>
+        </a:xfrm>
+      </p:grpSpPr>
+      <p:sp>
+        <p:nvSpPr>
+          <p:cNvPr id="2" name="Title 1"/>
+          <p:cNvSpPr>
+            <a:spLocks noGrp="1"/>
+          </p:cNvSpPr>
+          <p:nvPr>
+            <p:ph type="title"/>
+          </p:nvPr>
+        </p:nvSpPr>
+        <p:spPr/>
+        <p:txBody>
+          <a:bodyPr/>
+          <a:lstStyle/>
+          <a:p>
+            <a:pPr lvl="0" indent="0" marL="0">
+              <a:buNone/>
+            </a:pPr>
+            <a:r>
+              <a:rPr/>
+              <a:t>Central Venous Port</a:t>
+            </a:r>
+          </a:p>
+        </p:txBody>
+      </p:sp>
+      <p:sp>
+        <p:nvSpPr>
+          <p:cNvPr id="3" name="Content Placeholder 2"/>
+          <p:cNvSpPr>
+            <a:spLocks noGrp="1"/>
+          </p:cNvSpPr>
+          <p:nvPr>
+            <p:ph idx="1" sz="half"/>
+          </p:nvPr>
+        </p:nvSpPr>
+        <p:spPr/>
+        <p:txBody>
+          <a:bodyPr/>
+          <a:lstStyle/>
+          <a:p>
+            <a:pPr lvl="0"/>
+            <a:r>
+              <a:rPr/>
+              <a:t>Placed underneath the skin below the right collarbone</a:t>
+            </a:r>
+          </a:p>
+          <a:p>
+            <a:pPr lvl="0"/>
+            <a:r>
+              <a:rPr/>
+              <a:t>Incision in the neck (1/4”)</a:t>
+            </a:r>
+          </a:p>
+          <a:p>
+            <a:pPr lvl="0"/>
+            <a:r>
+              <a:rPr/>
+              <a:t>Incision below the collarbone</a:t>
+            </a:r>
+          </a:p>
+          <a:p>
+            <a:pPr lvl="0"/>
+            <a:r>
+              <a:rPr/>
+              <a:t>Sutures dissolve on their own</a:t>
+            </a:r>
+          </a:p>
+          <a:p>
+            <a:pPr lvl="0"/>
+            <a:r>
+              <a:rPr/>
+              <a:t>“Superglue” on incisions</a:t>
+            </a:r>
+          </a:p>
+        </p:txBody>
+      </p:sp>
+      <p:pic>
+        <p:nvPicPr>
+          <p:cNvPr descr="https://deidt7p41jzcy.cloudfront.net/cv_port_1700.png" id="0" name="Picture 1"/>
+          <p:cNvPicPr>
+            <a:picLocks noGrp="1" noChangeAspect="1"/>
+          </p:cNvPicPr>
+          <p:nvPr/>
+        </p:nvPicPr>
+        <p:blipFill>
+          <a:blip r:embed="rId2"/>
+          <a:stretch>
+            <a:fillRect/>
+          </a:stretch>
+        </p:blipFill>
+        <p:spPr bwMode="auto">
+          <a:xfrm>
+            <a:off x="4978400" y="1193800"/>
+            <a:ext cx="3390900" cy="3390900"/>
+          </a:xfrm>
+          <a:prstGeom prst="rect">
+            <a:avLst/>
+          </a:prstGeom>
+          <a:noFill/>
+          <a:ln w="9525">
+            <a:noFill/>
+            <a:headEnd/>
+            <a:tailEnd/>
+          </a:ln>
+        </p:spPr>
+      </p:pic>
+    </p:spTree>
+  </p:cSld>
+</p:sld>
+</file>
+
+<file path=ppt/slides/slide14.xml><?xml version="1.0" encoding="utf-8"?>
+<p:sld xmlns:a="http://schemas.openxmlformats.org/drawingml/2006/main" xmlns:r="http://schemas.openxmlformats.org/officeDocument/2006/relationships" xmlns:p="http://schemas.openxmlformats.org/presentationml/2006/main">
+  <p:cSld>
+    <p:spTree>
+      <p:nvGrpSpPr>
+        <p:cNvPr id="1" name=""/>
+        <p:cNvGrpSpPr/>
+        <p:nvPr/>
+      </p:nvGrpSpPr>
+      <p:grpSpPr>
+        <a:xfrm>
+          <a:off x="0" y="0"/>
+          <a:ext cx="0" cy="0"/>
+          <a:chOff x="0" y="0"/>
+          <a:chExt cx="0" cy="0"/>
+        </a:xfrm>
+      </p:grpSpPr>
+      <p:sp>
+        <p:nvSpPr>
+          <p:cNvPr id="2" name="Title 1"/>
+          <p:cNvSpPr>
+            <a:spLocks noGrp="1"/>
+          </p:cNvSpPr>
+          <p:nvPr>
+            <p:ph type="title"/>
+          </p:nvPr>
+        </p:nvSpPr>
+        <p:spPr/>
+        <p:txBody>
+          <a:bodyPr/>
+          <a:lstStyle/>
+          <a:p>
+            <a:pPr lvl="0" indent="0" marL="0">
+              <a:buNone/>
+            </a:pPr>
+            <a:r>
+              <a:rPr/>
+              <a:t>Central Venous Port</a:t>
+            </a:r>
+          </a:p>
+        </p:txBody>
+      </p:sp>
+      <p:sp>
+        <p:nvSpPr>
+          <p:cNvPr id="3" name="Content Placeholder 2"/>
+          <p:cNvSpPr>
+            <a:spLocks noGrp="1"/>
+          </p:cNvSpPr>
+          <p:nvPr>
+            <p:ph idx="1" sz="half"/>
+          </p:nvPr>
+        </p:nvSpPr>
+        <p:spPr/>
+        <p:txBody>
+          <a:bodyPr/>
+          <a:lstStyle/>
+          <a:p>
+            <a:pPr lvl="0" indent="0" marL="0">
+              <a:buNone/>
+            </a:pPr>
+            <a:r>
+              <a:rPr/>
+              <a:t>When it is time for chemotherapy, a needle is inserted through the skin into the port</a:t>
+            </a:r>
+          </a:p>
+        </p:txBody>
+      </p:sp>
+      <p:pic>
+        <p:nvPicPr>
+          <p:cNvPr descr="https://deidt7p41jzcy.cloudfront.net/cv_port_detail_1700.png" id="0" name="Picture 1"/>
+          <p:cNvPicPr>
+            <a:picLocks noGrp="1" noChangeAspect="1"/>
+          </p:cNvPicPr>
+          <p:nvPr/>
+        </p:nvPicPr>
+        <p:blipFill>
+          <a:blip r:embed="rId2"/>
+          <a:stretch>
+            <a:fillRect/>
+          </a:stretch>
+        </p:blipFill>
+        <p:spPr bwMode="auto">
+          <a:xfrm>
+            <a:off x="4978400" y="1193800"/>
+            <a:ext cx="3390900" cy="3390900"/>
+          </a:xfrm>
+          <a:prstGeom prst="rect">
+            <a:avLst/>
+          </a:prstGeom>
+          <a:noFill/>
+          <a:ln w="9525">
+            <a:noFill/>
+            <a:headEnd/>
+            <a:tailEnd/>
+          </a:ln>
+        </p:spPr>
+      </p:pic>
+    </p:spTree>
+  </p:cSld>
+</p:sld>
+</file>
+
+<file path=ppt/slides/slide15.xml><?xml version="1.0" encoding="utf-8"?>
+<p:sld xmlns:a="http://schemas.openxmlformats.org/drawingml/2006/main" xmlns:r="http://schemas.openxmlformats.org/officeDocument/2006/relationships" xmlns:p="http://schemas.openxmlformats.org/presentationml/2006/main">
+  <p:cSld>
+    <p:spTree>
+      <p:nvGrpSpPr>
+        <p:cNvPr id="1" name=""/>
+        <p:cNvGrpSpPr/>
+        <p:nvPr/>
+      </p:nvGrpSpPr>
+      <p:grpSpPr>
+        <a:xfrm>
+          <a:off x="0" y="0"/>
+          <a:ext cx="0" cy="0"/>
+          <a:chOff x="0" y="0"/>
+          <a:chExt cx="0" cy="0"/>
+        </a:xfrm>
+      </p:grpSpPr>
+      <p:sp>
+        <p:nvSpPr>
+          <p:cNvPr id="2" name="Title 1"/>
+          <p:cNvSpPr>
+            <a:spLocks noGrp="1"/>
+          </p:cNvSpPr>
+          <p:nvPr>
+            <p:ph type="title"/>
+          </p:nvPr>
+        </p:nvSpPr>
+        <p:spPr/>
+        <p:txBody>
+          <a:bodyPr/>
+          <a:lstStyle/>
+          <a:p>
+            <a:pPr lvl="0" indent="0" marL="0">
+              <a:buNone/>
+            </a:pPr>
+            <a:r>
+              <a:rPr/>
+              <a:t>Radiation Therapy</a:t>
+            </a:r>
+          </a:p>
+        </p:txBody>
+      </p:sp>
+      <p:sp>
+        <p:nvSpPr>
+          <p:cNvPr id="3" name="Content Placeholder 2"/>
+          <p:cNvSpPr>
+            <a:spLocks noGrp="1"/>
+          </p:cNvSpPr>
+          <p:nvPr>
+            <p:ph idx="1"/>
+          </p:nvPr>
+        </p:nvSpPr>
+        <p:spPr/>
+        <p:txBody>
+          <a:bodyPr/>
+          <a:lstStyle/>
+          <a:p>
+            <a:pPr lvl="0" indent="0" marL="0">
+              <a:buNone/>
+            </a:pPr>
+            <a:r>
+              <a:rPr/>
+              <a:t>Radiation uses high-energy x-rays to kill cancer cells</a:t>
+            </a:r>
+          </a:p>
+          <a:p>
+            <a:pPr lvl="0"/>
+            <a:r>
+              <a:rPr/>
+              <a:t>Bone metastasis: Can relieve pain</a:t>
+            </a:r>
+          </a:p>
+          <a:p>
+            <a:pPr lvl="0"/>
+            <a:r>
+              <a:rPr/>
+              <a:t>Esophagus: Can shrink tumor and improve eating</a:t>
+            </a:r>
+          </a:p>
+        </p:txBody>
+      </p:sp>
+    </p:spTree>
+  </p:cSld>
+</p:sld>
+</file>
+
+<file path=ppt/slides/slide16.xml><?xml version="1.0" encoding="utf-8"?>
+<p:sld xmlns:a="http://schemas.openxmlformats.org/drawingml/2006/main" xmlns:r="http://schemas.openxmlformats.org/officeDocument/2006/relationships" xmlns:p="http://schemas.openxmlformats.org/presentationml/2006/main">
+  <p:cSld>
+    <p:spTree>
+      <p:nvGrpSpPr>
+        <p:cNvPr id="1" name=""/>
+        <p:cNvGrpSpPr/>
+        <p:nvPr/>
+      </p:nvGrpSpPr>
+      <p:grpSpPr>
+        <a:xfrm>
+          <a:off x="0" y="0"/>
+          <a:ext cx="0" cy="0"/>
+          <a:chOff x="0" y="0"/>
+          <a:chExt cx="0" cy="0"/>
+        </a:xfrm>
+      </p:grpSpPr>
+      <p:sp>
+        <p:nvSpPr>
+          <p:cNvPr id="2" name="Title 1"/>
+          <p:cNvSpPr>
+            <a:spLocks noGrp="1"/>
+          </p:cNvSpPr>
+          <p:nvPr>
+            <p:ph type="title"/>
+          </p:nvPr>
+        </p:nvSpPr>
+        <p:spPr/>
+        <p:txBody>
+          <a:bodyPr/>
+          <a:lstStyle/>
+          <a:p>
+            <a:pPr lvl="0" indent="0" marL="0">
+              <a:buNone/>
+            </a:pPr>
+            <a:r>
+              <a:rPr/>
               <a:t>Endoluminal Stent</a:t>
             </a:r>
           </a:p>
@@ -3638,7 +4328,7 @@
 </p:sld>
 </file>
 
-<file path=ppt/slides/slide11.xml><?xml version="1.0" encoding="utf-8"?>
+<file path=ppt/slides/slide17.xml><?xml version="1.0" encoding="utf-8"?>
 <p:sld xmlns:a="http://schemas.openxmlformats.org/drawingml/2006/main" xmlns:r="http://schemas.openxmlformats.org/officeDocument/2006/relationships" xmlns:p="http://schemas.openxmlformats.org/presentationml/2006/main">
   <p:cSld>
     <p:spTree>
@@ -3740,584 +4430,6 @@
 </p:sld>
 </file>
 
-<file path=ppt/slides/slide12.xml><?xml version="1.0" encoding="utf-8"?>
-<p:sld xmlns:a="http://schemas.openxmlformats.org/drawingml/2006/main" xmlns:r="http://schemas.openxmlformats.org/officeDocument/2006/relationships" xmlns:p="http://schemas.openxmlformats.org/presentationml/2006/main">
-  <p:cSld>
-    <p:spTree>
-      <p:nvGrpSpPr>
-        <p:cNvPr id="1" name=""/>
-        <p:cNvGrpSpPr/>
-        <p:nvPr/>
-      </p:nvGrpSpPr>
-      <p:grpSpPr>
-        <a:xfrm>
-          <a:off x="0" y="0"/>
-          <a:ext cx="0" cy="0"/>
-          <a:chOff x="0" y="0"/>
-          <a:chExt cx="0" cy="0"/>
-        </a:xfrm>
-      </p:grpSpPr>
-      <p:sp>
-        <p:nvSpPr>
-          <p:cNvPr id="2" name="Title 1"/>
-          <p:cNvSpPr>
-            <a:spLocks noGrp="1"/>
-          </p:cNvSpPr>
-          <p:nvPr>
-            <p:ph type="title"/>
-          </p:nvPr>
-        </p:nvSpPr>
-        <p:spPr/>
-        <p:txBody>
-          <a:bodyPr/>
-          <a:lstStyle/>
-          <a:p>
-            <a:pPr lvl="0" indent="0" marL="0">
-              <a:buNone/>
-            </a:pPr>
-            <a:r>
-              <a:rPr/>
-              <a:t>Endoluminal Stents</a:t>
-            </a:r>
-          </a:p>
-        </p:txBody>
-      </p:sp>
-      <p:sp>
-        <p:nvSpPr>
-          <p:cNvPr id="3" name="Content Placeholder 2"/>
-          <p:cNvSpPr>
-            <a:spLocks noGrp="1"/>
-          </p:cNvSpPr>
-          <p:nvPr>
-            <p:ph idx="1"/>
-          </p:nvPr>
-        </p:nvSpPr>
-        <p:spPr/>
-        <p:txBody>
-          <a:bodyPr/>
-          <a:lstStyle/>
-          <a:p>
-            <a:pPr lvl="0" indent="0" marL="0">
-              <a:buNone/>
-            </a:pPr>
-            <a:r>
-              <a:rPr/>
-              <a:t>Advantages:</a:t>
-            </a:r>
-          </a:p>
-          <a:p>
-            <a:pPr lvl="0"/>
-            <a:r>
-              <a:rPr/>
-              <a:t>Outpatient endoscopic procedure (no surgery)</a:t>
-            </a:r>
-          </a:p>
-          <a:p>
-            <a:pPr lvl="0"/>
-            <a:r>
-              <a:rPr/>
-              <a:t>Can improve swallowing</a:t>
-            </a:r>
-          </a:p>
-          <a:p>
-            <a:pPr lvl="0" indent="0" marL="0">
-              <a:buNone/>
-            </a:pPr>
-            <a:r>
-              <a:rPr/>
-              <a:t>Disadvantages:</a:t>
-            </a:r>
-          </a:p>
-          <a:p>
-            <a:pPr lvl="0"/>
-            <a:r>
-              <a:rPr/>
-              <a:t>Discomfort and reflux</a:t>
-            </a:r>
-          </a:p>
-          <a:p>
-            <a:pPr lvl="0"/>
-            <a:r>
-              <a:rPr/>
-              <a:t>Can make surgery to remove esophagus more complicated</a:t>
-            </a:r>
-          </a:p>
-        </p:txBody>
-      </p:sp>
-    </p:spTree>
-  </p:cSld>
-</p:sld>
-</file>
-
-<file path=ppt/slides/slide13.xml><?xml version="1.0" encoding="utf-8"?>
-<p:sld xmlns:a="http://schemas.openxmlformats.org/drawingml/2006/main" xmlns:r="http://schemas.openxmlformats.org/officeDocument/2006/relationships" xmlns:p="http://schemas.openxmlformats.org/presentationml/2006/main">
-  <p:cSld>
-    <p:spTree>
-      <p:nvGrpSpPr>
-        <p:cNvPr id="1" name=""/>
-        <p:cNvGrpSpPr/>
-        <p:nvPr/>
-      </p:nvGrpSpPr>
-      <p:grpSpPr>
-        <a:xfrm>
-          <a:off x="0" y="0"/>
-          <a:ext cx="0" cy="0"/>
-          <a:chOff x="0" y="0"/>
-          <a:chExt cx="0" cy="0"/>
-        </a:xfrm>
-      </p:grpSpPr>
-      <p:sp>
-        <p:nvSpPr>
-          <p:cNvPr id="2" name="Title 1"/>
-          <p:cNvSpPr>
-            <a:spLocks noGrp="1"/>
-          </p:cNvSpPr>
-          <p:nvPr>
-            <p:ph type="title"/>
-          </p:nvPr>
-        </p:nvSpPr>
-        <p:spPr/>
-        <p:txBody>
-          <a:bodyPr/>
-          <a:lstStyle/>
-          <a:p>
-            <a:pPr lvl="0" indent="0" marL="0">
-              <a:buNone/>
-            </a:pPr>
-            <a:r>
-              <a:rPr/>
-              <a:t>Radiation Therapy - Esophagus</a:t>
-            </a:r>
-          </a:p>
-        </p:txBody>
-      </p:sp>
-      <p:sp>
-        <p:nvSpPr>
-          <p:cNvPr id="3" name="Content Placeholder 2"/>
-          <p:cNvSpPr>
-            <a:spLocks noGrp="1"/>
-          </p:cNvSpPr>
-          <p:nvPr>
-            <p:ph idx="1"/>
-          </p:nvPr>
-        </p:nvSpPr>
-        <p:spPr/>
-        <p:txBody>
-          <a:bodyPr/>
-          <a:lstStyle/>
-          <a:p>
-            <a:pPr lvl="0" indent="0" marL="0">
-              <a:buNone/>
-            </a:pPr>
-            <a:r>
-              <a:rPr/>
-              <a:t>Radiation therapy to the esophagus can improve swallowing. There are two approaches:</a:t>
-            </a:r>
-          </a:p>
-          <a:p>
-            <a:pPr lvl="0" indent="0" marL="0">
-              <a:buNone/>
-            </a:pPr>
-            <a:r>
-              <a:rPr b="1"/>
-              <a:t>Short Course</a:t>
-            </a:r>
-          </a:p>
-          <a:p>
-            <a:pPr lvl="0"/>
-            <a:r>
-              <a:rPr/>
-              <a:t>10 treatments over 2 weeks</a:t>
-            </a:r>
-          </a:p>
-          <a:p>
-            <a:pPr lvl="0" indent="0" marL="0">
-              <a:buNone/>
-            </a:pPr>
-            <a:r>
-              <a:rPr b="1"/>
-              <a:t>Conventional Dosing</a:t>
-            </a:r>
-          </a:p>
-          <a:p>
-            <a:pPr lvl="0"/>
-            <a:r>
-              <a:rPr/>
-              <a:t>25-30 treatment over 5-6 weeks</a:t>
-            </a:r>
-          </a:p>
-          <a:p>
-            <a:pPr lvl="0"/>
-            <a:r>
-              <a:rPr/>
-              <a:t>Usually combined with low-dose chemo</a:t>
-            </a:r>
-          </a:p>
-        </p:txBody>
-      </p:sp>
-    </p:spTree>
-  </p:cSld>
-</p:sld>
-</file>
-
-<file path=ppt/slides/slide14.xml><?xml version="1.0" encoding="utf-8"?>
-<p:sld xmlns:a="http://schemas.openxmlformats.org/drawingml/2006/main" xmlns:r="http://schemas.openxmlformats.org/officeDocument/2006/relationships" xmlns:p="http://schemas.openxmlformats.org/presentationml/2006/main">
-  <p:cSld>
-    <p:spTree>
-      <p:nvGrpSpPr>
-        <p:cNvPr id="1" name=""/>
-        <p:cNvGrpSpPr/>
-        <p:nvPr/>
-      </p:nvGrpSpPr>
-      <p:grpSpPr>
-        <a:xfrm>
-          <a:off x="0" y="0"/>
-          <a:ext cx="0" cy="0"/>
-          <a:chOff x="0" y="0"/>
-          <a:chExt cx="0" cy="0"/>
-        </a:xfrm>
-      </p:grpSpPr>
-      <p:sp>
-        <p:nvSpPr>
-          <p:cNvPr id="2" name="Title 1"/>
-          <p:cNvSpPr>
-            <a:spLocks noGrp="1"/>
-          </p:cNvSpPr>
-          <p:nvPr>
-            <p:ph type="title"/>
-          </p:nvPr>
-        </p:nvSpPr>
-        <p:spPr/>
-        <p:txBody>
-          <a:bodyPr/>
-          <a:lstStyle/>
-          <a:p>
-            <a:pPr lvl="0" indent="0" marL="0">
-              <a:buNone/>
-            </a:pPr>
-            <a:r>
-              <a:rPr/>
-              <a:t>Radiation Therapy - Bone</a:t>
-            </a:r>
-          </a:p>
-        </p:txBody>
-      </p:sp>
-      <p:sp>
-        <p:nvSpPr>
-          <p:cNvPr id="3" name="Content Placeholder 2"/>
-          <p:cNvSpPr>
-            <a:spLocks noGrp="1"/>
-          </p:cNvSpPr>
-          <p:nvPr>
-            <p:ph idx="1"/>
-          </p:nvPr>
-        </p:nvSpPr>
-        <p:spPr/>
-        <p:txBody>
-          <a:bodyPr/>
-          <a:lstStyle/>
-          <a:p>
-            <a:pPr lvl="0" indent="0" marL="0">
-              <a:buNone/>
-            </a:pPr>
-            <a:r>
-              <a:rPr/>
-              <a:t>For patients with metastasis to bone causing pain</a:t>
-            </a:r>
-          </a:p>
-          <a:p>
-            <a:pPr lvl="0"/>
-            <a:r>
-              <a:rPr/>
-              <a:t>Radiation can provide pain relief</a:t>
-            </a:r>
-          </a:p>
-          <a:p>
-            <a:pPr lvl="0"/>
-            <a:r>
-              <a:rPr/>
-              <a:t>Typically 10 daily treatments over two weeks</a:t>
-            </a:r>
-          </a:p>
-        </p:txBody>
-      </p:sp>
-    </p:spTree>
-  </p:cSld>
-</p:sld>
-</file>
-
-<file path=ppt/slides/slide15.xml><?xml version="1.0" encoding="utf-8"?>
-<p:sld xmlns:a="http://schemas.openxmlformats.org/drawingml/2006/main" xmlns:r="http://schemas.openxmlformats.org/officeDocument/2006/relationships" xmlns:p="http://schemas.openxmlformats.org/presentationml/2006/main">
-  <p:cSld>
-    <p:spTree>
-      <p:nvGrpSpPr>
-        <p:cNvPr id="1" name=""/>
-        <p:cNvGrpSpPr/>
-        <p:nvPr/>
-      </p:nvGrpSpPr>
-      <p:grpSpPr>
-        <a:xfrm>
-          <a:off x="0" y="0"/>
-          <a:ext cx="0" cy="0"/>
-          <a:chOff x="0" y="0"/>
-          <a:chExt cx="0" cy="0"/>
-        </a:xfrm>
-      </p:grpSpPr>
-      <p:sp>
-        <p:nvSpPr>
-          <p:cNvPr id="2" name="Title 1"/>
-          <p:cNvSpPr>
-            <a:spLocks noGrp="1"/>
-          </p:cNvSpPr>
-          <p:nvPr>
-            <p:ph type="title"/>
-          </p:nvPr>
-        </p:nvSpPr>
-        <p:spPr/>
-        <p:txBody>
-          <a:bodyPr/>
-          <a:lstStyle/>
-          <a:p>
-            <a:pPr lvl="0" indent="0" marL="0">
-              <a:buNone/>
-            </a:pPr>
-            <a:r>
-              <a:rPr/>
-              <a:t>Preparing for Cancer Treatment</a:t>
-            </a:r>
-          </a:p>
-        </p:txBody>
-      </p:sp>
-      <p:sp>
-        <p:nvSpPr>
-          <p:cNvPr id="3" name="Content Placeholder 2"/>
-          <p:cNvSpPr>
-            <a:spLocks noGrp="1"/>
-          </p:cNvSpPr>
-          <p:nvPr>
-            <p:ph idx="1"/>
-          </p:nvPr>
-        </p:nvSpPr>
-        <p:spPr/>
-        <p:txBody>
-          <a:bodyPr/>
-          <a:lstStyle/>
-          <a:p>
-            <a:pPr lvl="0"/>
-            <a:r>
-              <a:rPr/>
-              <a:t>Primary Care Physician</a:t>
-            </a:r>
-          </a:p>
-          <a:p>
-            <a:pPr lvl="0"/>
-            <a:r>
-              <a:rPr/>
-              <a:t>MyAtrium Portal</a:t>
-            </a:r>
-          </a:p>
-          <a:p>
-            <a:pPr lvl="0"/>
-            <a:r>
-              <a:rPr/>
-              <a:t>Exercise</a:t>
-            </a:r>
-          </a:p>
-          <a:p>
-            <a:pPr lvl="0"/>
-            <a:r>
-              <a:rPr/>
-              <a:t>Smoking Cessation</a:t>
-            </a:r>
-          </a:p>
-        </p:txBody>
-      </p:sp>
-    </p:spTree>
-  </p:cSld>
-</p:sld>
-</file>
-
-<file path=ppt/slides/slide16.xml><?xml version="1.0" encoding="utf-8"?>
-<p:sld xmlns:a="http://schemas.openxmlformats.org/drawingml/2006/main" xmlns:r="http://schemas.openxmlformats.org/officeDocument/2006/relationships" xmlns:p="http://schemas.openxmlformats.org/presentationml/2006/main">
-  <p:cSld>
-    <p:spTree>
-      <p:nvGrpSpPr>
-        <p:cNvPr id="1" name=""/>
-        <p:cNvGrpSpPr/>
-        <p:nvPr/>
-      </p:nvGrpSpPr>
-      <p:grpSpPr>
-        <a:xfrm>
-          <a:off x="0" y="0"/>
-          <a:ext cx="0" cy="0"/>
-          <a:chOff x="0" y="0"/>
-          <a:chExt cx="0" cy="0"/>
-        </a:xfrm>
-      </p:grpSpPr>
-      <p:sp>
-        <p:nvSpPr>
-          <p:cNvPr id="2" name="Title 1"/>
-          <p:cNvSpPr>
-            <a:spLocks noGrp="1"/>
-          </p:cNvSpPr>
-          <p:nvPr>
-            <p:ph type="title"/>
-          </p:nvPr>
-        </p:nvSpPr>
-        <p:spPr/>
-        <p:txBody>
-          <a:bodyPr/>
-          <a:lstStyle/>
-          <a:p>
-            <a:pPr lvl="0" indent="0" marL="0">
-              <a:buNone/>
-            </a:pPr>
-            <a:r>
-              <a:rPr/>
-              <a:t>Primary Care Practitioner (PCP)</a:t>
-            </a:r>
-          </a:p>
-        </p:txBody>
-      </p:sp>
-      <p:sp>
-        <p:nvSpPr>
-          <p:cNvPr id="3" name="Content Placeholder 2"/>
-          <p:cNvSpPr>
-            <a:spLocks noGrp="1"/>
-          </p:cNvSpPr>
-          <p:nvPr>
-            <p:ph idx="1"/>
-          </p:nvPr>
-        </p:nvSpPr>
-        <p:spPr/>
-        <p:txBody>
-          <a:bodyPr/>
-          <a:lstStyle/>
-          <a:p>
-            <a:pPr lvl="0" indent="0" marL="0">
-              <a:buNone/>
-            </a:pPr>
-            <a:r>
-              <a:rPr/>
-              <a:t>A PCP is critical to coordinate care between specialists.</a:t>
-            </a:r>
-          </a:p>
-          <a:p>
-            <a:pPr lvl="0" indent="0" marL="0">
-              <a:buNone/>
-            </a:pPr>
-            <a:r>
-              <a:rPr/>
-              <a:t>We will update your PCP after each visit</a:t>
-            </a:r>
-          </a:p>
-          <a:p>
-            <a:pPr lvl="0" indent="0" marL="0">
-              <a:buNone/>
-            </a:pPr>
-            <a:r>
-              <a:rPr/>
-              <a:t>If you do not have a PCP, call our referral line at (844) 235-6998</a:t>
-            </a:r>
-          </a:p>
-        </p:txBody>
-      </p:sp>
-    </p:spTree>
-  </p:cSld>
-</p:sld>
-</file>
-
-<file path=ppt/slides/slide17.xml><?xml version="1.0" encoding="utf-8"?>
-<p:sld xmlns:a="http://schemas.openxmlformats.org/drawingml/2006/main" xmlns:r="http://schemas.openxmlformats.org/officeDocument/2006/relationships" xmlns:p="http://schemas.openxmlformats.org/presentationml/2006/main">
-  <p:cSld>
-    <p:spTree>
-      <p:nvGrpSpPr>
-        <p:cNvPr id="1" name=""/>
-        <p:cNvGrpSpPr/>
-        <p:nvPr/>
-      </p:nvGrpSpPr>
-      <p:grpSpPr>
-        <a:xfrm>
-          <a:off x="0" y="0"/>
-          <a:ext cx="0" cy="0"/>
-          <a:chOff x="0" y="0"/>
-          <a:chExt cx="0" cy="0"/>
-        </a:xfrm>
-      </p:grpSpPr>
-      <p:sp>
-        <p:nvSpPr>
-          <p:cNvPr id="2" name="Title 1"/>
-          <p:cNvSpPr>
-            <a:spLocks noGrp="1"/>
-          </p:cNvSpPr>
-          <p:nvPr>
-            <p:ph type="title"/>
-          </p:nvPr>
-        </p:nvSpPr>
-        <p:spPr/>
-        <p:txBody>
-          <a:bodyPr/>
-          <a:lstStyle/>
-          <a:p>
-            <a:pPr lvl="0" indent="0" marL="0">
-              <a:buNone/>
-            </a:pPr>
-            <a:r>
-              <a:rPr/>
-              <a:t>My Atrium Patient Portal</a:t>
-            </a:r>
-            <a:br/>
-          </a:p>
-        </p:txBody>
-      </p:sp>
-      <p:sp>
-        <p:nvSpPr>
-          <p:cNvPr id="3" name="Content Placeholder 2"/>
-          <p:cNvSpPr>
-            <a:spLocks noGrp="1"/>
-          </p:cNvSpPr>
-          <p:nvPr>
-            <p:ph idx="1"/>
-          </p:nvPr>
-        </p:nvSpPr>
-        <p:spPr/>
-        <p:txBody>
-          <a:bodyPr/>
-          <a:lstStyle/>
-          <a:p>
-            <a:pPr lvl="0" indent="0" marL="0">
-              <a:buNone/>
-            </a:pPr>
-            <a:br/>
-          </a:p>
-          <a:p>
-            <a:pPr lvl="0"/>
-            <a:r>
-              <a:rPr/>
-              <a:t>Critical to good communication with your cancer care team</a:t>
-            </a:r>
-          </a:p>
-          <a:p>
-            <a:pPr lvl="0"/>
-            <a:r>
-              <a:rPr/>
-              <a:t>Available for desktop or laptop or phone</a:t>
-            </a:r>
-          </a:p>
-          <a:p>
-            <a:pPr lvl="0"/>
-            <a:r>
-              <a:rPr/>
-              <a:t>Sign up at my.atriumhealth.org</a:t>
-            </a:r>
-          </a:p>
-        </p:txBody>
-      </p:sp>
-    </p:spTree>
-  </p:cSld>
-</p:sld>
-</file>
-
 <file path=ppt/slides/slide18.xml><?xml version="1.0" encoding="utf-8"?>
 <p:sld xmlns:a="http://schemas.openxmlformats.org/drawingml/2006/main" xmlns:r="http://schemas.openxmlformats.org/officeDocument/2006/relationships" xmlns:p="http://schemas.openxmlformats.org/presentationml/2006/main">
   <p:cSld>
@@ -4355,7 +4467,7 @@
             </a:pPr>
             <a:r>
               <a:rPr/>
-              <a:t>Exercise</a:t>
+              <a:t>Endoluminal Stents</a:t>
             </a:r>
           </a:p>
         </p:txBody>
@@ -4375,38 +4487,49 @@
           <a:bodyPr/>
           <a:lstStyle/>
           <a:p>
-            <a:pPr lvl="0"/>
-            <a:r>
-              <a:rPr/>
-              <a:t>Important to reduce the risk of complications from cancer treatment</a:t>
-            </a:r>
-          </a:p>
-          <a:p>
-            <a:pPr lvl="0"/>
-            <a:r>
-              <a:rPr/>
-              <a:t>Goal is 30min/day of vigorous exercise 6 days/week</a:t>
-            </a:r>
-          </a:p>
-          <a:p>
-            <a:pPr lvl="1"/>
-            <a:r>
-              <a:rPr/>
-              <a:t>Working hard enough that you can’t carry a conversation</a:t>
-            </a:r>
-          </a:p>
-          <a:p>
-            <a:pPr lvl="1"/>
-            <a:r>
-              <a:rPr/>
-              <a:t>Start slow an build up</a:t>
-            </a:r>
-          </a:p>
-          <a:p>
-            <a:pPr lvl="1"/>
-            <a:r>
-              <a:rPr/>
-              <a:t>Every day counts! (Aim for some activity every day)</a:t>
+            <a:pPr lvl="0" indent="0" marL="0">
+              <a:buNone/>
+            </a:pPr>
+            <a:r>
+              <a:rPr/>
+              <a:t>Advantages:</a:t>
+            </a:r>
+          </a:p>
+          <a:p>
+            <a:pPr lvl="0"/>
+            <a:r>
+              <a:rPr/>
+              <a:t>Outpatient endoscopic procedure (no surgery)</a:t>
+            </a:r>
+          </a:p>
+          <a:p>
+            <a:pPr lvl="0"/>
+            <a:r>
+              <a:rPr/>
+              <a:t>Can improve swallowing</a:t>
+            </a:r>
+          </a:p>
+          <a:p>
+            <a:pPr lvl="0" indent="0" marL="0">
+              <a:buNone/>
+            </a:pPr>
+            <a:r>
+              <a:rPr/>
+              <a:t>Disadvantages:</a:t>
+            </a:r>
+          </a:p>
+          <a:p>
+            <a:pPr lvl="0"/>
+            <a:r>
+              <a:rPr/>
+              <a:t>Discomfort and reflux</a:t>
+            </a:r>
+          </a:p>
+          <a:p>
+            <a:pPr lvl="0"/>
+            <a:r>
+              <a:rPr/>
+              <a:t>Can make surgery to remove esophagus more complicated</a:t>
             </a:r>
           </a:p>
         </p:txBody>
@@ -4453,7 +4576,7 @@
             </a:pPr>
             <a:r>
               <a:rPr/>
-              <a:t>Smoking Cessation</a:t>
+              <a:t>Radiation Therapy - Esophagus</a:t>
             </a:r>
           </a:p>
         </p:txBody>
@@ -4473,45 +4596,51 @@
           <a:bodyPr/>
           <a:lstStyle/>
           <a:p>
-            <a:pPr lvl="0"/>
-            <a:r>
-              <a:rPr/>
-              <a:t>Smoking makes it more difficult to get through cancer treatment</a:t>
-            </a:r>
-          </a:p>
-          <a:p>
-            <a:pPr lvl="1"/>
-            <a:r>
-              <a:rPr/>
-              <a:t>Increases risk of complications after surgery</a:t>
-            </a:r>
-          </a:p>
-          <a:p>
-            <a:pPr lvl="0"/>
-            <a:r>
-              <a:rPr/>
-              <a:t>Options for help with smoking cessation:</a:t>
-            </a:r>
-          </a:p>
-          <a:p>
-            <a:pPr lvl="1"/>
-            <a:r>
-              <a:rPr/>
-              <a:t>NC Quit Line 1-800-QUIT-NOW (1-800-784-8669)</a:t>
-            </a:r>
-          </a:p>
-          <a:p>
-            <a:pPr lvl="1"/>
-            <a:r>
-              <a:rPr/>
-              <a:t>American Lung Asssociation fredomfromsmoking.org</a:t>
-            </a:r>
-          </a:p>
-          <a:p>
-            <a:pPr lvl="1"/>
-            <a:r>
-              <a:rPr/>
-              <a:t>1:1 Smoking Cessation Counseling Clinics (Metro Charlotte)</a:t>
+            <a:pPr lvl="0" indent="0" marL="0">
+              <a:buNone/>
+            </a:pPr>
+            <a:r>
+              <a:rPr/>
+              <a:t>Radiation therapy to the esophagus can improve swallowing. There are two approaches:</a:t>
+            </a:r>
+          </a:p>
+          <a:p>
+            <a:pPr lvl="0" indent="0" marL="0">
+              <a:buNone/>
+            </a:pPr>
+            <a:r>
+              <a:rPr b="1"/>
+              <a:t>Short Course</a:t>
+            </a:r>
+          </a:p>
+          <a:p>
+            <a:pPr lvl="0"/>
+            <a:r>
+              <a:rPr/>
+              <a:t>10 treatments over 2 weeks</a:t>
+            </a:r>
+          </a:p>
+          <a:p>
+            <a:pPr lvl="0" indent="0" marL="0">
+              <a:buNone/>
+            </a:pPr>
+            <a:r>
+              <a:rPr b="1"/>
+              <a:t>Conventional Dosing</a:t>
+            </a:r>
+          </a:p>
+          <a:p>
+            <a:pPr lvl="0"/>
+            <a:r>
+              <a:rPr/>
+              <a:t>25-30 treatment over 5-6 weeks</a:t>
+            </a:r>
+          </a:p>
+          <a:p>
+            <a:pPr lvl="0"/>
+            <a:r>
+              <a:rPr/>
+              <a:t>Usually combined with low-dose chemo</a:t>
             </a:r>
           </a:p>
         </p:txBody>
@@ -4721,7 +4850,7 @@
             </a:pPr>
             <a:r>
               <a:rPr/>
-              <a:t>GI Tract Anatomy</a:t>
+              <a:t>Radiation Therapy - Bone</a:t>
             </a:r>
           </a:p>
         </p:txBody>
@@ -4733,66 +4862,38 @@
             <a:spLocks noGrp="1"/>
           </p:cNvSpPr>
           <p:nvPr>
-            <p:ph idx="1" sz="half"/>
-          </p:nvPr>
-        </p:nvSpPr>
-        <p:spPr/>
-        <p:txBody>
-          <a:bodyPr/>
-          <a:lstStyle/>
-          <a:p>
-            <a:pPr lvl="0"/>
-            <a:r>
-              <a:rPr/>
-              <a:t>Esophagus delivers food to the stomach</a:t>
-            </a:r>
-          </a:p>
-          <a:p>
-            <a:pPr lvl="0"/>
-            <a:r>
-              <a:rPr/>
-              <a:t>Stomach stores food and delivers it in small quantities to the jejunum</a:t>
-            </a:r>
-          </a:p>
-          <a:p>
-            <a:pPr lvl="0"/>
-            <a:r>
-              <a:rPr/>
-              <a:t>Jejunum begins digestion in the small intestines</a:t>
-            </a:r>
-          </a:p>
-        </p:txBody>
-      </p:sp>
-      <p:pic>
-        <p:nvPicPr>
-          <p:cNvPr descr="https://deidt7p41jzcy.cloudfront.net/Eso_Anatomy_Labels.png" id="0" name="Picture 1"/>
-          <p:cNvPicPr>
-            <a:picLocks noGrp="1" noChangeAspect="1"/>
-          </p:cNvPicPr>
-          <p:nvPr/>
-        </p:nvPicPr>
-        <p:blipFill>
-          <a:blip r:embed="rId2"/>
-          <a:stretch>
-            <a:fillRect/>
-          </a:stretch>
-        </p:blipFill>
-        <p:spPr bwMode="auto">
-          <a:xfrm>
-            <a:off x="5016500" y="1193800"/>
-            <a:ext cx="3302000" cy="3390900"/>
-          </a:xfrm>
-          <a:prstGeom prst="rect">
-            <a:avLst/>
-          </a:prstGeom>
-          <a:noFill/>
-          <a:ln w="9525">
-            <a:noFill/>
-            <a:headEnd/>
-            <a:tailEnd/>
-          </a:ln>
-        </p:spPr>
-      </p:pic>
+            <p:ph idx="1"/>
+          </p:nvPr>
+        </p:nvSpPr>
+        <p:spPr/>
+        <p:txBody>
+          <a:bodyPr/>
+          <a:lstStyle/>
+          <a:p>
+            <a:pPr lvl="0" indent="0" marL="0">
+              <a:buNone/>
+            </a:pPr>
+            <a:r>
+              <a:rPr/>
+              <a:t>For patients with metastasis to bone causing pain</a:t>
+            </a:r>
+          </a:p>
+          <a:p>
+            <a:pPr lvl="0"/>
+            <a:r>
+              <a:rPr/>
+              <a:t>Radiation can provide pain relief</a:t>
+            </a:r>
+          </a:p>
+          <a:p>
+            <a:pPr lvl="0"/>
+            <a:r>
+              <a:rPr/>
+              <a:t>Typically 10 daily treatments over two weeks</a:t>
+            </a:r>
+          </a:p>
+        </p:txBody>
+      </p:sp>
     </p:spTree>
   </p:cSld>
 </p:sld>
@@ -4835,7 +4936,7 @@
             </a:pPr>
             <a:r>
               <a:rPr/>
-              <a:t>Protein Needs</a:t>
+              <a:t>Preparing for Cancer Treatment</a:t>
             </a:r>
           </a:p>
         </p:txBody>
@@ -4858,14 +4959,28 @@
             <a:pPr lvl="0"/>
             <a:r>
               <a:rPr/>
-              <a:t>Men: Average 75 grams/day</a:t>
-            </a:r>
-          </a:p>
-          <a:p>
-            <a:pPr lvl="0"/>
-            <a:r>
-              <a:rPr/>
-              <a:t>Women: Average 60 grams/day</a:t>
+              <a:t>Primary Care Physician</a:t>
+            </a:r>
+          </a:p>
+          <a:p>
+            <a:pPr lvl="0"/>
+            <a:r>
+              <a:rPr/>
+              <a:t>MyAtrium Portal</a:t>
+            </a:r>
+          </a:p>
+          <a:p>
+            <a:pPr lvl="0"/>
+            <a:r>
+              <a:rPr/>
+              <a:t>Exercise</a:t>
+            </a:r>
+          </a:p>
+          <a:p>
+            <a:pPr lvl="0"/>
+            <a:r>
+              <a:rPr/>
+              <a:t>Smoking Cessation</a:t>
             </a:r>
           </a:p>
         </p:txBody>
@@ -4912,7 +5027,7 @@
             </a:pPr>
             <a:r>
               <a:rPr/>
-              <a:t>Protein Shakes</a:t>
+              <a:t>Primary Care Practitioner (PCP)</a:t>
             </a:r>
           </a:p>
         </p:txBody>
@@ -4924,7 +5039,7 @@
             <a:spLocks noGrp="1"/>
           </p:cNvSpPr>
           <p:nvPr>
-            <p:ph idx="1" sz="half"/>
+            <p:ph idx="1"/>
           </p:nvPr>
         </p:nvSpPr>
         <p:spPr/>
@@ -4937,32 +5052,25 @@
             </a:pPr>
             <a:r>
               <a:rPr/>
-              <a:t>Protein Shakes can provide protein with minimal sugar</a:t>
-            </a:r>
-          </a:p>
-        </p:txBody>
-      </p:sp>
-      <p:sp>
-        <p:nvSpPr>
-          <p:cNvPr id="4" name="Content Placeholder 3"/>
-          <p:cNvSpPr>
-            <a:spLocks noGrp="1"/>
-          </p:cNvSpPr>
-          <p:nvPr>
-            <p:ph idx="2" sz="half"/>
-          </p:nvPr>
-        </p:nvSpPr>
-        <p:spPr/>
-        <p:txBody>
-          <a:bodyPr/>
-          <a:lstStyle/>
+              <a:t>A PCP is critical to coordinate care between specialists.</a:t>
+            </a:r>
+          </a:p>
           <a:p>
             <a:pPr lvl="0" indent="0" marL="0">
               <a:buNone/>
             </a:pPr>
             <a:r>
               <a:rPr/>
-              <a:t>Protein Shakes </a:t>
+              <a:t>We will update your PCP after each visit</a:t>
+            </a:r>
+          </a:p>
+          <a:p>
+            <a:pPr lvl="0" indent="0" marL="0">
+              <a:buNone/>
+            </a:pPr>
+            <a:r>
+              <a:rPr/>
+              <a:t>If you do not have a PCP, call our referral line at (844) 235-6998</a:t>
             </a:r>
           </a:p>
         </p:txBody>
@@ -5009,8 +5117,9 @@
             </a:pPr>
             <a:r>
               <a:rPr/>
-              <a:t>Feeding Tubes</a:t>
-            </a:r>
+              <a:t>My Atrium Patient Portal</a:t>
+            </a:r>
+            <a:br/>
           </a:p>
         </p:txBody>
       </p:sp>
@@ -5021,7 +5130,7 @@
             <a:spLocks noGrp="1"/>
           </p:cNvSpPr>
           <p:nvPr>
-            <p:ph idx="1" sz="half"/>
+            <p:ph idx="1"/>
           </p:nvPr>
         </p:nvSpPr>
         <p:spPr/>
@@ -5032,34 +5141,27 @@
             <a:pPr lvl="0" indent="0" marL="0">
               <a:buNone/>
             </a:pPr>
-            <a:r>
-              <a:rPr/>
-              <a:t>Jejunostomy = Small Intestine </a:t>
-            </a:r>
-          </a:p>
-        </p:txBody>
-      </p:sp>
-      <p:sp>
-        <p:nvSpPr>
-          <p:cNvPr id="4" name="Content Placeholder 3"/>
-          <p:cNvSpPr>
-            <a:spLocks noGrp="1"/>
-          </p:cNvSpPr>
-          <p:nvPr>
-            <p:ph idx="2" sz="half"/>
-          </p:nvPr>
-        </p:nvSpPr>
-        <p:spPr/>
-        <p:txBody>
-          <a:bodyPr/>
-          <a:lstStyle/>
-          <a:p>
-            <a:pPr lvl="0" indent="0" marL="0">
-              <a:buNone/>
-            </a:pPr>
-            <a:r>
-              <a:rPr/>
-              <a:t>Gastrostomy = Stomach </a:t>
+            <a:br/>
+          </a:p>
+          <a:p>
+            <a:pPr lvl="0"/>
+            <a:r>
+              <a:rPr/>
+              <a:t>Critical to good communication with your cancer care team</a:t>
+            </a:r>
+          </a:p>
+          <a:p>
+            <a:pPr lvl="0"/>
+            <a:r>
+              <a:rPr/>
+              <a:t>Available for desktop or laptop or phone</a:t>
+            </a:r>
+          </a:p>
+          <a:p>
+            <a:pPr lvl="0"/>
+            <a:r>
+              <a:rPr/>
+              <a:t>Sign up at my.atriumhealth.org</a:t>
             </a:r>
           </a:p>
         </p:txBody>
@@ -5106,7 +5208,7 @@
             </a:pPr>
             <a:r>
               <a:rPr/>
-              <a:t>Gastrostomy Tube</a:t>
+              <a:t>Exercise</a:t>
             </a:r>
           </a:p>
         </p:txBody>
@@ -5126,40 +5228,38 @@
           <a:bodyPr/>
           <a:lstStyle/>
           <a:p>
-            <a:pPr lvl="0" indent="0" marL="0">
-              <a:buNone/>
-            </a:pPr>
-            <a:r>
-              <a:rPr/>
-              <a:t>Feeding Gastrostomy</a:t>
-            </a:r>
-          </a:p>
-          <a:p>
-            <a:pPr lvl="0"/>
-            <a:r>
-              <a:rPr/>
-              <a:t>Feeding with a syringe several times per day.</a:t>
-            </a:r>
-          </a:p>
-          <a:p>
-            <a:pPr lvl="0"/>
-            <a:r>
-              <a:rPr/>
-              <a:t>Tube can be hidden underneath clothing</a:t>
-            </a:r>
-          </a:p>
-          <a:p>
-            <a:pPr lvl="0"/>
-            <a:r>
-              <a:rPr/>
-              <a:t>Tube does not interfere with eating by mouth</a:t>
-            </a:r>
-          </a:p>
-          <a:p>
-            <a:pPr lvl="0"/>
-            <a:r>
-              <a:rPr/>
-              <a:t>Removed easily in the office when no longer needed</a:t>
+            <a:pPr lvl="0"/>
+            <a:r>
+              <a:rPr/>
+              <a:t>Important to reduce the risk of complications from cancer treatment</a:t>
+            </a:r>
+          </a:p>
+          <a:p>
+            <a:pPr lvl="0"/>
+            <a:r>
+              <a:rPr/>
+              <a:t>Goal is 30min/day of vigorous exercise 6 days/week</a:t>
+            </a:r>
+          </a:p>
+          <a:p>
+            <a:pPr lvl="1"/>
+            <a:r>
+              <a:rPr/>
+              <a:t>Working hard enough that you can’t carry a conversation</a:t>
+            </a:r>
+          </a:p>
+          <a:p>
+            <a:pPr lvl="1"/>
+            <a:r>
+              <a:rPr/>
+              <a:t>Start slow an build up</a:t>
+            </a:r>
+          </a:p>
+          <a:p>
+            <a:pPr lvl="1"/>
+            <a:r>
+              <a:rPr/>
+              <a:t>Every day counts! (Aim for some activity every day)</a:t>
             </a:r>
           </a:p>
         </p:txBody>
@@ -5206,7 +5306,7 @@
             </a:pPr>
             <a:r>
               <a:rPr/>
-              <a:t>Gastrostomy Tube Methods</a:t>
+              <a:t>Smoking Cessation</a:t>
             </a:r>
           </a:p>
         </p:txBody>
@@ -5226,30 +5326,45 @@
           <a:bodyPr/>
           <a:lstStyle/>
           <a:p>
-            <a:pPr lvl="0" indent="0" marL="0">
-              <a:buNone/>
-            </a:pPr>
-            <a:r>
-              <a:rPr/>
-              <a:t>A gastrostomy tube can be placed either by endoscopy, which is called a PEG tube</a:t>
-            </a:r>
-          </a:p>
-          <a:p>
-            <a:pPr lvl="0" indent="0" marL="0">
-              <a:buNone/>
-            </a:pPr>
-            <a:r>
-              <a:rPr/>
-              <a:t>A gastrostomy tube can also be placed by laparoscopy, which is usually preferred if surgery on the esophagus is planned in the future.</a:t>
-            </a:r>
-          </a:p>
-          <a:p>
-            <a:pPr lvl="0" indent="0" marL="0">
-              <a:buNone/>
-            </a:pPr>
-            <a:r>
-              <a:rPr/>
-              <a:t>Your surgeon will help you decide which kind of tube is best for you. This is especially important if you will need esophageal surgery in the future, as the stomach is frequently used to make a new esophagus</a:t>
+            <a:pPr lvl="0"/>
+            <a:r>
+              <a:rPr/>
+              <a:t>Smoking makes it more difficult to get through cancer treatment</a:t>
+            </a:r>
+          </a:p>
+          <a:p>
+            <a:pPr lvl="1"/>
+            <a:r>
+              <a:rPr/>
+              <a:t>Increases risk of complications after surgery</a:t>
+            </a:r>
+          </a:p>
+          <a:p>
+            <a:pPr lvl="0"/>
+            <a:r>
+              <a:rPr/>
+              <a:t>Options for help with smoking cessation:</a:t>
+            </a:r>
+          </a:p>
+          <a:p>
+            <a:pPr lvl="1"/>
+            <a:r>
+              <a:rPr/>
+              <a:t>NC Quit Line 1-800-QUIT-NOW (1-800-784-8669)</a:t>
+            </a:r>
+          </a:p>
+          <a:p>
+            <a:pPr lvl="1"/>
+            <a:r>
+              <a:rPr/>
+              <a:t>American Lung Asssociation fredomfromsmoking.org</a:t>
+            </a:r>
+          </a:p>
+          <a:p>
+            <a:pPr lvl="1"/>
+            <a:r>
+              <a:rPr/>
+              <a:t>1:1 Smoking Cessation Counseling Clinics (Metro Charlotte)</a:t>
             </a:r>
           </a:p>
         </p:txBody>
@@ -5260,270 +5375,6 @@
 </file>
 
 <file path=ppt/slides/slide26.xml><?xml version="1.0" encoding="utf-8"?>
-<p:sld xmlns:a="http://schemas.openxmlformats.org/drawingml/2006/main" xmlns:r="http://schemas.openxmlformats.org/officeDocument/2006/relationships" xmlns:p="http://schemas.openxmlformats.org/presentationml/2006/main">
-  <p:cSld>
-    <p:spTree>
-      <p:nvGrpSpPr>
-        <p:cNvPr id="1" name=""/>
-        <p:cNvGrpSpPr/>
-        <p:nvPr/>
-      </p:nvGrpSpPr>
-      <p:grpSpPr>
-        <a:xfrm>
-          <a:off x="0" y="0"/>
-          <a:ext cx="0" cy="0"/>
-          <a:chOff x="0" y="0"/>
-          <a:chExt cx="0" cy="0"/>
-        </a:xfrm>
-      </p:grpSpPr>
-      <p:sp>
-        <p:nvSpPr>
-          <p:cNvPr id="2" name="Title 1"/>
-          <p:cNvSpPr>
-            <a:spLocks noGrp="1"/>
-          </p:cNvSpPr>
-          <p:nvPr>
-            <p:ph type="title"/>
-          </p:nvPr>
-        </p:nvSpPr>
-        <p:spPr/>
-        <p:txBody>
-          <a:bodyPr/>
-          <a:lstStyle/>
-          <a:p>
-            <a:pPr lvl="0" indent="0" marL="0">
-              <a:buNone/>
-            </a:pPr>
-            <a:r>
-              <a:rPr/>
-              <a:t>Gastrostomy Tube</a:t>
-            </a:r>
-          </a:p>
-        </p:txBody>
-      </p:sp>
-      <p:sp>
-        <p:nvSpPr>
-          <p:cNvPr id="3" name="Content Placeholder 2"/>
-          <p:cNvSpPr>
-            <a:spLocks noGrp="1"/>
-          </p:cNvSpPr>
-          <p:nvPr>
-            <p:ph idx="1"/>
-          </p:nvPr>
-        </p:nvSpPr>
-        <p:spPr/>
-        <p:txBody>
-          <a:bodyPr/>
-          <a:lstStyle/>
-          <a:p>
-            <a:pPr lvl="0"/>
-            <a:r>
-              <a:rPr/>
-              <a:t>Outpatient Placement (go home the same day)</a:t>
-            </a:r>
-          </a:p>
-          <a:p>
-            <a:pPr lvl="0"/>
-            <a:r>
-              <a:rPr/>
-              <a:t>Central venous port can be placed at the same time (if needed)</a:t>
-            </a:r>
-          </a:p>
-        </p:txBody>
-      </p:sp>
-    </p:spTree>
-  </p:cSld>
-</p:sld>
-</file>
-
-<file path=ppt/slides/slide27.xml><?xml version="1.0" encoding="utf-8"?>
-<p:sld xmlns:a="http://schemas.openxmlformats.org/drawingml/2006/main" xmlns:r="http://schemas.openxmlformats.org/officeDocument/2006/relationships" xmlns:p="http://schemas.openxmlformats.org/presentationml/2006/main">
-  <p:cSld>
-    <p:spTree>
-      <p:nvGrpSpPr>
-        <p:cNvPr id="1" name=""/>
-        <p:cNvGrpSpPr/>
-        <p:nvPr/>
-      </p:nvGrpSpPr>
-      <p:grpSpPr>
-        <a:xfrm>
-          <a:off x="0" y="0"/>
-          <a:ext cx="0" cy="0"/>
-          <a:chOff x="0" y="0"/>
-          <a:chExt cx="0" cy="0"/>
-        </a:xfrm>
-      </p:grpSpPr>
-      <p:sp>
-        <p:nvSpPr>
-          <p:cNvPr id="2" name="Title 1"/>
-          <p:cNvSpPr>
-            <a:spLocks noGrp="1"/>
-          </p:cNvSpPr>
-          <p:nvPr>
-            <p:ph type="title"/>
-          </p:nvPr>
-        </p:nvSpPr>
-        <p:spPr/>
-        <p:txBody>
-          <a:bodyPr/>
-          <a:lstStyle/>
-          <a:p>
-            <a:pPr lvl="0" indent="0" marL="0">
-              <a:buNone/>
-            </a:pPr>
-            <a:r>
-              <a:rPr/>
-              <a:t>Jejunostomy tube</a:t>
-            </a:r>
-          </a:p>
-        </p:txBody>
-      </p:sp>
-      <p:sp>
-        <p:nvSpPr>
-          <p:cNvPr id="3" name="Content Placeholder 2"/>
-          <p:cNvSpPr>
-            <a:spLocks noGrp="1"/>
-          </p:cNvSpPr>
-          <p:nvPr>
-            <p:ph idx="1"/>
-          </p:nvPr>
-        </p:nvSpPr>
-        <p:spPr/>
-        <p:txBody>
-          <a:bodyPr/>
-          <a:lstStyle/>
-          <a:p>
-            <a:pPr lvl="0" indent="0" marL="0">
-              <a:buNone/>
-            </a:pPr>
-            <a:r>
-              <a:rPr/>
-              <a:t>The other type of feeding tube is a jejunostomy.</a:t>
-            </a:r>
-          </a:p>
-          <a:p>
-            <a:pPr lvl="0" indent="0" marL="0">
-              <a:buNone/>
-            </a:pPr>
-            <a:r>
-              <a:rPr/>
-              <a:t>A jejunostomy tube tube is placed into the small intestines. Because the small intestine is used to receiving food in small quantities, a jejunostomy tube requires the use of a pump to deliver feedings gradually over a matter of hours.</a:t>
-            </a:r>
-          </a:p>
-          <a:p>
-            <a:pPr lvl="0" indent="0" marL="0">
-              <a:buNone/>
-            </a:pPr>
-            <a:r>
-              <a:rPr/>
-              <a:t>In general, feedings are done at night in order to allow you to be active during the day</a:t>
-            </a:r>
-          </a:p>
-        </p:txBody>
-      </p:sp>
-    </p:spTree>
-  </p:cSld>
-</p:sld>
-</file>
-
-<file path=ppt/slides/slide28.xml><?xml version="1.0" encoding="utf-8"?>
-<p:sld xmlns:a="http://schemas.openxmlformats.org/drawingml/2006/main" xmlns:r="http://schemas.openxmlformats.org/officeDocument/2006/relationships" xmlns:p="http://schemas.openxmlformats.org/presentationml/2006/main">
-  <p:cSld>
-    <p:spTree>
-      <p:nvGrpSpPr>
-        <p:cNvPr id="1" name=""/>
-        <p:cNvGrpSpPr/>
-        <p:nvPr/>
-      </p:nvGrpSpPr>
-      <p:grpSpPr>
-        <a:xfrm>
-          <a:off x="0" y="0"/>
-          <a:ext cx="0" cy="0"/>
-          <a:chOff x="0" y="0"/>
-          <a:chExt cx="0" cy="0"/>
-        </a:xfrm>
-      </p:grpSpPr>
-      <p:sp>
-        <p:nvSpPr>
-          <p:cNvPr id="2" name="Title 1"/>
-          <p:cNvSpPr>
-            <a:spLocks noGrp="1"/>
-          </p:cNvSpPr>
-          <p:nvPr>
-            <p:ph type="title"/>
-          </p:nvPr>
-        </p:nvSpPr>
-        <p:spPr/>
-        <p:txBody>
-          <a:bodyPr/>
-          <a:lstStyle/>
-          <a:p>
-            <a:pPr lvl="0" indent="0" marL="0">
-              <a:buNone/>
-            </a:pPr>
-            <a:r>
-              <a:rPr/>
-              <a:t>Jejunostomy Video</a:t>
-            </a:r>
-          </a:p>
-        </p:txBody>
-      </p:sp>
-      <p:sp>
-        <p:nvSpPr>
-          <p:cNvPr id="3" name="Content Placeholder 2"/>
-          <p:cNvSpPr>
-            <a:spLocks noGrp="1"/>
-          </p:cNvSpPr>
-          <p:nvPr>
-            <p:ph idx="1" sz="half"/>
-          </p:nvPr>
-        </p:nvSpPr>
-        <p:spPr/>
-        <p:txBody>
-          <a:bodyPr/>
-          <a:lstStyle/>
-          <a:p>
-            <a:pPr lvl="0" indent="0" marL="0">
-              <a:buNone/>
-            </a:pPr>
-            <a:r>
-              <a:rPr/>
-              <a:t>A video is available to help become familiar with the feeding jejunostomy</a:t>
-            </a:r>
-          </a:p>
-        </p:txBody>
-      </p:sp>
-      <p:sp>
-        <p:nvSpPr>
-          <p:cNvPr id="4" name="Content Placeholder 3"/>
-          <p:cNvSpPr>
-            <a:spLocks noGrp="1"/>
-          </p:cNvSpPr>
-          <p:nvPr>
-            <p:ph idx="2" sz="half"/>
-          </p:nvPr>
-        </p:nvSpPr>
-        <p:spPr/>
-        <p:txBody>
-          <a:bodyPr/>
-          <a:lstStyle/>
-          <a:p>
-            <a:pPr lvl="0" indent="0" marL="0">
-              <a:buNone/>
-            </a:pPr>
-            <a:r>
-              <a:rPr/>
-              <a:t>Gastrostomy = Stomach </a:t>
-            </a:r>
-          </a:p>
-        </p:txBody>
-      </p:sp>
-    </p:spTree>
-  </p:cSld>
-</p:sld>
-</file>
-
-<file path=ppt/slides/slide29.xml><?xml version="1.0" encoding="utf-8"?>
 <p:sld xmlns:a="http://schemas.openxmlformats.org/drawingml/2006/main" xmlns:r="http://schemas.openxmlformats.org/officeDocument/2006/relationships" xmlns:p="http://schemas.openxmlformats.org/presentationml/2006/main">
   <p:cSld>
     <p:spTree>
@@ -6409,7 +6260,7 @@
             </a:pPr>
             <a:r>
               <a:rPr/>
-              <a:t>Radiation Therapy</a:t>
+              <a:t>Chemotherapy Administration</a:t>
             </a:r>
           </a:p>
         </p:txBody>
@@ -6434,21 +6285,37 @@
             </a:pPr>
             <a:r>
               <a:rPr/>
-              <a:t>Radiation uses high-energy x-rays to kill cancer cells</a:t>
-            </a:r>
-          </a:p>
-          <a:p>
-            <a:pPr lvl="0"/>
-            <a:r>
-              <a:rPr/>
-              <a:t>Bone metastasis: Can relieve pain</a:t>
-            </a:r>
-          </a:p>
-          <a:p>
-            <a:pPr lvl="0"/>
-            <a:r>
-              <a:rPr/>
-              <a:t>Esophagus: Can shrink tumor and improve eating</a:t>
+              <a:t>Most chemotherapy is administered by vein.</a:t>
+            </a:r>
+          </a:p>
+          <a:p>
+            <a:pPr lvl="0" indent="0" marL="0">
+              <a:buNone/>
+            </a:pPr>
+            <a:r>
+              <a:rPr/>
+              <a:t>Several options exist to administer chemotherapy:</a:t>
+            </a:r>
+          </a:p>
+          <a:p>
+            <a:pPr lvl="0"/>
+            <a:r>
+              <a:rPr/>
+              <a:t>Intravenous catheter in peripheral veins</a:t>
+            </a:r>
+          </a:p>
+          <a:p>
+            <a:pPr lvl="0"/>
+            <a:r>
+              <a:rPr/>
+              <a:t>Peripheral Intravenous Central Catheter (PICC)</a:t>
+            </a:r>
+          </a:p>
+          <a:p>
+            <a:pPr lvl="0"/>
+            <a:r>
+              <a:rPr/>
+              <a:t>Central Venous port</a:t>
             </a:r>
           </a:p>
         </p:txBody>

--- a/lci_esom1.pptx
+++ b/lci_esom1.pptx
@@ -3607,14 +3607,14 @@
             <a:pPr lvl="0"/>
             <a:r>
               <a:rPr/>
-              <a:t>Placed at the beginning of each dose</a:t>
-            </a:r>
-          </a:p>
-          <a:p>
-            <a:pPr lvl="0"/>
-            <a:r>
-              <a:rPr/>
-              <a:t>Removed that day at the end of treatment</a:t>
+              <a:t>Placed for each dose</a:t>
+            </a:r>
+          </a:p>
+          <a:p>
+            <a:pPr lvl="0"/>
+            <a:r>
+              <a:rPr/>
+              <a:t>Removed that day</a:t>
             </a:r>
           </a:p>
           <a:p>
@@ -3849,7 +3849,7 @@
             <a:pPr lvl="0"/>
             <a:r>
               <a:rPr/>
-              <a:t>May shower within 24 hrs</a:t>
+              <a:t>May shower in 24 hrs</a:t>
             </a:r>
           </a:p>
           <a:p>
@@ -3970,14 +3970,14 @@
             <a:pPr lvl="0"/>
             <a:r>
               <a:rPr/>
-              <a:t>Placed underneath the skin below the right collarbone</a:t>
-            </a:r>
-          </a:p>
-          <a:p>
-            <a:pPr lvl="0"/>
-            <a:r>
-              <a:rPr/>
-              <a:t>Incision in the neck (1/4”)</a:t>
+              <a:t>Implanted under the skin</a:t>
+            </a:r>
+          </a:p>
+          <a:p>
+            <a:pPr lvl="0"/>
+            <a:r>
+              <a:rPr/>
+              <a:t>Neck incision (1/4”)</a:t>
             </a:r>
           </a:p>
           <a:p>
@@ -5138,16 +5138,10 @@
           <a:bodyPr/>
           <a:lstStyle/>
           <a:p>
-            <a:pPr lvl="0" indent="0" marL="0">
-              <a:buNone/>
-            </a:pPr>
-            <a:br/>
-          </a:p>
-          <a:p>
-            <a:pPr lvl="0"/>
-            <a:r>
-              <a:rPr/>
-              <a:t>Critical to good communication with your cancer care team</a:t>
+            <a:pPr lvl="0"/>
+            <a:r>
+              <a:rPr/>
+              <a:t>Critical to good communication with your care team</a:t>
             </a:r>
           </a:p>
           <a:p>
@@ -5231,7 +5225,7 @@
             <a:pPr lvl="0"/>
             <a:r>
               <a:rPr/>
-              <a:t>Important to reduce the risk of complications from cancer treatment</a:t>
+              <a:t>Reduces risk of complications from treatment</a:t>
             </a:r>
           </a:p>
           <a:p>
@@ -5245,14 +5239,14 @@
             <a:pPr lvl="1"/>
             <a:r>
               <a:rPr/>
-              <a:t>Working hard enough that you can’t carry a conversation</a:t>
+              <a:t>Working hard enough that you can’t converse</a:t>
             </a:r>
           </a:p>
           <a:p>
             <a:pPr lvl="1"/>
             <a:r>
               <a:rPr/>
-              <a:t>Start slow an build up</a:t>
+              <a:t>Start slowly and build up</a:t>
             </a:r>
           </a:p>
           <a:p>
@@ -5329,7 +5323,7 @@
             <a:pPr lvl="0"/>
             <a:r>
               <a:rPr/>
-              <a:t>Smoking makes it more difficult to get through cancer treatment</a:t>
+              <a:t>Smoking makes cancer treatment more difficult</a:t>
             </a:r>
           </a:p>
           <a:p>
@@ -5357,14 +5351,14 @@
             <a:pPr lvl="1"/>
             <a:r>
               <a:rPr/>
-              <a:t>American Lung Asssociation fredomfromsmoking.org</a:t>
+              <a:t>American Lung Assn fredomfromsmoking.org</a:t>
             </a:r>
           </a:p>
           <a:p>
             <a:pPr lvl="1"/>
             <a:r>
               <a:rPr/>
-              <a:t>1:1 Smoking Cessation Counseling Clinics (Metro Charlotte)</a:t>
+              <a:t>1:1 Smoking Cessation Counseling (Metro Charlotte)</a:t>
             </a:r>
           </a:p>
         </p:txBody>

--- a/lci_esom1.pptx
+++ b/lci_esom1.pptx
@@ -5070,7 +5070,7 @@
             </a:pPr>
             <a:r>
               <a:rPr/>
-              <a:t>If you do not have a PCP, call our referral line at (844) 235-6998</a:t>
+              <a:t>Call our referral line at (844) 235-6998 if you need a PCP</a:t>
             </a:r>
           </a:p>
         </p:txBody>
@@ -5358,7 +5358,7 @@
             <a:pPr lvl="1"/>
             <a:r>
               <a:rPr/>
-              <a:t>1:1 Smoking Cessation Counseling (Metro Charlotte)</a:t>
+              <a:t>Smoking Cessation Counseling (Metro Charlotte)</a:t>
             </a:r>
           </a:p>
         </p:txBody>

--- a/lci_esom1.pptx
+++ b/lci_esom1.pptx
@@ -327,7 +327,7 @@
           <a:p>
             <a:fld id="{241EB5C9-1307-BA42-ABA2-0BC069CD8E7F}" type="datetimeFigureOut">
               <a:rPr lang="en-US" smtClean="0"/>
-              <a:t>1/8/25</a:t>
+              <a:t>1/11/25</a:t>
             </a:fld>
             <a:endParaRPr lang="en-US"/>
           </a:p>
@@ -495,7 +495,7 @@
           <a:p>
             <a:fld id="{241EB5C9-1307-BA42-ABA2-0BC069CD8E7F}" type="datetimeFigureOut">
               <a:rPr lang="en-US" smtClean="0"/>
-              <a:t>1/8/25</a:t>
+              <a:t>1/11/25</a:t>
             </a:fld>
             <a:endParaRPr lang="en-US"/>
           </a:p>
@@ -673,7 +673,7 @@
           <a:p>
             <a:fld id="{241EB5C9-1307-BA42-ABA2-0BC069CD8E7F}" type="datetimeFigureOut">
               <a:rPr lang="en-US" smtClean="0"/>
-              <a:t>1/8/25</a:t>
+              <a:t>1/11/25</a:t>
             </a:fld>
             <a:endParaRPr lang="en-US"/>
           </a:p>
@@ -851,7 +851,7 @@
           <a:p>
             <a:fld id="{241EB5C9-1307-BA42-ABA2-0BC069CD8E7F}" type="datetimeFigureOut">
               <a:rPr lang="en-US" smtClean="0"/>
-              <a:t>1/8/25</a:t>
+              <a:t>1/11/25</a:t>
             </a:fld>
             <a:endParaRPr lang="en-US"/>
           </a:p>
@@ -1070,7 +1070,12 @@
             <p:ph type="title"/>
           </p:nvPr>
         </p:nvSpPr>
-        <p:spPr/>
+        <p:spPr>
+          <a:xfrm>
+            <a:off x="284309" y="205979"/>
+            <a:ext cx="8552330" cy="857250"/>
+          </a:xfrm>
+        </p:spPr>
         <p:txBody>
           <a:bodyPr/>
           <a:lstStyle/>
@@ -1092,7 +1097,12 @@
             <p:ph idx="1"/>
           </p:nvPr>
         </p:nvSpPr>
-        <p:spPr/>
+        <p:spPr>
+          <a:xfrm>
+            <a:off x="284309" y="1200151"/>
+            <a:ext cx="8552330" cy="3737370"/>
+          </a:xfrm>
+        </p:spPr>
         <p:txBody>
           <a:bodyPr/>
           <a:lstStyle>
@@ -1141,71 +1151,6 @@
               <a:rPr lang="en-US" dirty="0"/>
               <a:t>Fifth level</a:t>
             </a:r>
-          </a:p>
-        </p:txBody>
-      </p:sp>
-      <p:sp>
-        <p:nvSpPr>
-          <p:cNvPr id="4" name="Date Placeholder 3"/>
-          <p:cNvSpPr>
-            <a:spLocks noGrp="1"/>
-          </p:cNvSpPr>
-          <p:nvPr>
-            <p:ph type="dt" sz="half" idx="10"/>
-          </p:nvPr>
-        </p:nvSpPr>
-        <p:spPr/>
-        <p:txBody>
-          <a:bodyPr/>
-          <a:lstStyle/>
-          <a:p>
-            <a:fld id="{241EB5C9-1307-BA42-ABA2-0BC069CD8E7F}" type="datetimeFigureOut">
-              <a:rPr lang="en-US" smtClean="0"/>
-              <a:t>1/8/25</a:t>
-            </a:fld>
-            <a:endParaRPr lang="en-US"/>
-          </a:p>
-        </p:txBody>
-      </p:sp>
-      <p:sp>
-        <p:nvSpPr>
-          <p:cNvPr id="5" name="Footer Placeholder 4"/>
-          <p:cNvSpPr>
-            <a:spLocks noGrp="1"/>
-          </p:cNvSpPr>
-          <p:nvPr>
-            <p:ph type="ftr" sz="quarter" idx="11"/>
-          </p:nvPr>
-        </p:nvSpPr>
-        <p:spPr/>
-        <p:txBody>
-          <a:bodyPr/>
-          <a:lstStyle/>
-          <a:p>
-            <a:endParaRPr lang="en-US"/>
-          </a:p>
-        </p:txBody>
-      </p:sp>
-      <p:sp>
-        <p:nvSpPr>
-          <p:cNvPr id="6" name="Slide Number Placeholder 5"/>
-          <p:cNvSpPr>
-            <a:spLocks noGrp="1"/>
-          </p:cNvSpPr>
-          <p:nvPr>
-            <p:ph type="sldNum" sz="quarter" idx="12"/>
-          </p:nvPr>
-        </p:nvSpPr>
-        <p:spPr/>
-        <p:txBody>
-          <a:bodyPr/>
-          <a:lstStyle/>
-          <a:p>
-            <a:fld id="{C5EF2332-01BF-834F-8236-50238282D533}" type="slidenum">
-              <a:rPr lang="en-US" smtClean="0"/>
-              <a:t>‹#›</a:t>
-            </a:fld>
-            <a:endParaRPr lang="en-US"/>
           </a:p>
         </p:txBody>
       </p:sp>
@@ -1422,7 +1367,7 @@
           <a:p>
             <a:fld id="{241EB5C9-1307-BA42-ABA2-0BC069CD8E7F}" type="datetimeFigureOut">
               <a:rPr lang="en-US" smtClean="0"/>
-              <a:t>1/8/25</a:t>
+              <a:t>1/11/25</a:t>
             </a:fld>
             <a:endParaRPr lang="en-US"/>
           </a:p>
@@ -1510,7 +1455,12 @@
             <p:ph type="title"/>
           </p:nvPr>
         </p:nvSpPr>
-        <p:spPr/>
+        <p:spPr>
+          <a:xfrm>
+            <a:off x="315045" y="205979"/>
+            <a:ext cx="8529278" cy="857250"/>
+          </a:xfrm>
+        </p:spPr>
         <p:txBody>
           <a:bodyPr/>
           <a:lstStyle/>
@@ -1534,8 +1484,8 @@
         </p:nvSpPr>
         <p:spPr>
           <a:xfrm>
-            <a:off x="457200" y="1200151"/>
-            <a:ext cx="4038600" cy="3394472"/>
+            <a:off x="315045" y="1200151"/>
+            <a:ext cx="4180755" cy="3737370"/>
           </a:xfrm>
         </p:spPr>
         <p:txBody>
@@ -1619,8 +1569,8 @@
         </p:nvSpPr>
         <p:spPr>
           <a:xfrm>
-            <a:off x="4648200" y="1200151"/>
-            <a:ext cx="4038600" cy="3394472"/>
+            <a:off x="4648199" y="1200151"/>
+            <a:ext cx="4196123" cy="3737370"/>
           </a:xfrm>
         </p:spPr>
         <p:txBody>
@@ -1692,71 +1642,6 @@
           </a:p>
         </p:txBody>
       </p:sp>
-      <p:sp>
-        <p:nvSpPr>
-          <p:cNvPr id="5" name="Date Placeholder 4"/>
-          <p:cNvSpPr>
-            <a:spLocks noGrp="1"/>
-          </p:cNvSpPr>
-          <p:nvPr>
-            <p:ph type="dt" sz="half" idx="10"/>
-          </p:nvPr>
-        </p:nvSpPr>
-        <p:spPr/>
-        <p:txBody>
-          <a:bodyPr/>
-          <a:lstStyle/>
-          <a:p>
-            <a:fld id="{241EB5C9-1307-BA42-ABA2-0BC069CD8E7F}" type="datetimeFigureOut">
-              <a:rPr lang="en-US" smtClean="0"/>
-              <a:t>1/8/25</a:t>
-            </a:fld>
-            <a:endParaRPr lang="en-US"/>
-          </a:p>
-        </p:txBody>
-      </p:sp>
-      <p:sp>
-        <p:nvSpPr>
-          <p:cNvPr id="6" name="Footer Placeholder 5"/>
-          <p:cNvSpPr>
-            <a:spLocks noGrp="1"/>
-          </p:cNvSpPr>
-          <p:nvPr>
-            <p:ph type="ftr" sz="quarter" idx="11"/>
-          </p:nvPr>
-        </p:nvSpPr>
-        <p:spPr/>
-        <p:txBody>
-          <a:bodyPr/>
-          <a:lstStyle/>
-          <a:p>
-            <a:endParaRPr lang="en-US"/>
-          </a:p>
-        </p:txBody>
-      </p:sp>
-      <p:sp>
-        <p:nvSpPr>
-          <p:cNvPr id="7" name="Slide Number Placeholder 6"/>
-          <p:cNvSpPr>
-            <a:spLocks noGrp="1"/>
-          </p:cNvSpPr>
-          <p:nvPr>
-            <p:ph type="sldNum" sz="quarter" idx="12"/>
-          </p:nvPr>
-        </p:nvSpPr>
-        <p:spPr/>
-        <p:txBody>
-          <a:bodyPr/>
-          <a:lstStyle/>
-          <a:p>
-            <a:fld id="{C5EF2332-01BF-834F-8236-50238282D533}" type="slidenum">
-              <a:rPr lang="en-US" smtClean="0"/>
-              <a:t>‹#›</a:t>
-            </a:fld>
-            <a:endParaRPr lang="en-US"/>
-          </a:p>
-        </p:txBody>
-      </p:sp>
     </p:spTree>
     <p:extLst>
       <p:ext uri="{BB962C8B-B14F-4D97-AF65-F5344CB8AC3E}">
@@ -2128,7 +2013,7 @@
           <a:p>
             <a:fld id="{241EB5C9-1307-BA42-ABA2-0BC069CD8E7F}" type="datetimeFigureOut">
               <a:rPr lang="en-US" smtClean="0"/>
-              <a:t>1/8/25</a:t>
+              <a:t>1/11/25</a:t>
             </a:fld>
             <a:endParaRPr lang="en-US"/>
           </a:p>
@@ -2245,7 +2130,7 @@
           <a:p>
             <a:fld id="{241EB5C9-1307-BA42-ABA2-0BC069CD8E7F}" type="datetimeFigureOut">
               <a:rPr lang="en-US" smtClean="0"/>
-              <a:t>1/8/25</a:t>
+              <a:t>1/11/25</a:t>
             </a:fld>
             <a:endParaRPr lang="en-US"/>
           </a:p>
@@ -2340,7 +2225,7 @@
           <a:p>
             <a:fld id="{241EB5C9-1307-BA42-ABA2-0BC069CD8E7F}" type="datetimeFigureOut">
               <a:rPr lang="en-US" smtClean="0"/>
-              <a:t>1/8/25</a:t>
+              <a:t>1/11/25</a:t>
             </a:fld>
             <a:endParaRPr lang="en-US"/>
           </a:p>
@@ -2615,7 +2500,7 @@
           <a:p>
             <a:fld id="{241EB5C9-1307-BA42-ABA2-0BC069CD8E7F}" type="datetimeFigureOut">
               <a:rPr lang="en-US" smtClean="0"/>
-              <a:t>1/8/25</a:t>
+              <a:t>1/11/25</a:t>
             </a:fld>
             <a:endParaRPr lang="en-US"/>
           </a:p>
@@ -2867,7 +2752,7 @@
           <a:p>
             <a:fld id="{241EB5C9-1307-BA42-ABA2-0BC069CD8E7F}" type="datetimeFigureOut">
               <a:rPr lang="en-US" smtClean="0"/>
-              <a:t>1/8/25</a:t>
+              <a:t>1/11/25</a:t>
             </a:fld>
             <a:endParaRPr lang="en-US"/>
           </a:p>
@@ -3078,7 +2963,7 @@
           <a:p>
             <a:fld id="{241EB5C9-1307-BA42-ABA2-0BC069CD8E7F}" type="datetimeFigureOut">
               <a:rPr lang="en-US" smtClean="0"/>
-              <a:t>1/8/25</a:t>
+              <a:t>1/11/25</a:t>
             </a:fld>
             <a:endParaRPr lang="en-US"/>
           </a:p>
@@ -3560,7 +3445,12 @@
             <p:ph type="title"/>
           </p:nvPr>
         </p:nvSpPr>
-        <p:spPr/>
+        <p:spPr>
+          <a:xfrm>
+            <a:off x="315045" y="205979"/>
+            <a:ext cx="8529278" cy="857250"/>
+          </a:xfrm>
+        </p:spPr>
         <p:txBody>
           <a:bodyPr/>
           <a:lstStyle/>
@@ -3642,8 +3532,8 @@
         </p:blipFill>
         <p:spPr bwMode="auto">
           <a:xfrm>
-            <a:off x="5397500" y="1193800"/>
-            <a:ext cx="2540000" cy="3390900"/>
+            <a:off x="5334000" y="1193800"/>
+            <a:ext cx="2794000" cy="3733800"/>
           </a:xfrm>
           <a:prstGeom prst="rect">
             <a:avLst/>
@@ -3688,7 +3578,12 @@
             <p:ph type="title"/>
           </p:nvPr>
         </p:nvSpPr>
-        <p:spPr/>
+        <p:spPr>
+          <a:xfrm>
+            <a:off x="315045" y="205979"/>
+            <a:ext cx="8529278" cy="857250"/>
+          </a:xfrm>
+        </p:spPr>
         <p:txBody>
           <a:bodyPr/>
           <a:lstStyle/>
@@ -3763,8 +3658,8 @@
         </p:blipFill>
         <p:spPr bwMode="auto">
           <a:xfrm>
-            <a:off x="4648200" y="1397000"/>
-            <a:ext cx="4038600" cy="2984500"/>
+            <a:off x="4635500" y="1511300"/>
+            <a:ext cx="4191000" cy="3098800"/>
           </a:xfrm>
           <a:prstGeom prst="rect">
             <a:avLst/>
@@ -3809,7 +3704,12 @@
             <p:ph type="title"/>
           </p:nvPr>
         </p:nvSpPr>
-        <p:spPr/>
+        <p:spPr>
+          <a:xfrm>
+            <a:off x="315045" y="205979"/>
+            <a:ext cx="8529278" cy="857250"/>
+          </a:xfrm>
+        </p:spPr>
         <p:txBody>
           <a:bodyPr/>
           <a:lstStyle/>
@@ -3891,8 +3791,8 @@
         </p:blipFill>
         <p:spPr bwMode="auto">
           <a:xfrm>
-            <a:off x="5016500" y="1193800"/>
-            <a:ext cx="3302000" cy="3390900"/>
+            <a:off x="4914900" y="1193800"/>
+            <a:ext cx="3632200" cy="3733800"/>
           </a:xfrm>
           <a:prstGeom prst="rect">
             <a:avLst/>
@@ -3937,7 +3837,12 @@
             <p:ph type="title"/>
           </p:nvPr>
         </p:nvSpPr>
-        <p:spPr/>
+        <p:spPr>
+          <a:xfrm>
+            <a:off x="315045" y="205979"/>
+            <a:ext cx="8529278" cy="857250"/>
+          </a:xfrm>
+        </p:spPr>
         <p:txBody>
           <a:bodyPr/>
           <a:lstStyle/>
@@ -4019,8 +3924,8 @@
         </p:blipFill>
         <p:spPr bwMode="auto">
           <a:xfrm>
-            <a:off x="4978400" y="1193800"/>
-            <a:ext cx="3390900" cy="3390900"/>
+            <a:off x="4864100" y="1193800"/>
+            <a:ext cx="3733800" cy="3733800"/>
           </a:xfrm>
           <a:prstGeom prst="rect">
             <a:avLst/>
@@ -4065,7 +3970,12 @@
             <p:ph type="title"/>
           </p:nvPr>
         </p:nvSpPr>
-        <p:spPr/>
+        <p:spPr>
+          <a:xfrm>
+            <a:off x="315045" y="205979"/>
+            <a:ext cx="8529278" cy="857250"/>
+          </a:xfrm>
+        </p:spPr>
         <p:txBody>
           <a:bodyPr/>
           <a:lstStyle/>
@@ -4121,8 +4031,8 @@
         </p:blipFill>
         <p:spPr bwMode="auto">
           <a:xfrm>
-            <a:off x="4978400" y="1193800"/>
-            <a:ext cx="3390900" cy="3390900"/>
+            <a:off x="4864100" y="1193800"/>
+            <a:ext cx="3733800" cy="3733800"/>
           </a:xfrm>
           <a:prstGeom prst="rect">
             <a:avLst/>
@@ -4167,7 +4077,12 @@
             <p:ph type="title"/>
           </p:nvPr>
         </p:nvSpPr>
-        <p:spPr/>
+        <p:spPr>
+          <a:xfrm>
+            <a:off x="284309" y="205979"/>
+            <a:ext cx="8552330" cy="857250"/>
+          </a:xfrm>
+        </p:spPr>
         <p:txBody>
           <a:bodyPr/>
           <a:lstStyle/>
@@ -4253,7 +4168,12 @@
             <p:ph type="title"/>
           </p:nvPr>
         </p:nvSpPr>
-        <p:spPr/>
+        <p:spPr>
+          <a:xfrm>
+            <a:off x="315045" y="205979"/>
+            <a:ext cx="8529278" cy="857250"/>
+          </a:xfrm>
+        </p:spPr>
         <p:txBody>
           <a:bodyPr/>
           <a:lstStyle/>
@@ -4309,8 +4229,8 @@
         </p:blipFill>
         <p:spPr bwMode="auto">
           <a:xfrm>
-            <a:off x="4978400" y="1193800"/>
-            <a:ext cx="3390900" cy="3390900"/>
+            <a:off x="4864100" y="1193800"/>
+            <a:ext cx="3733800" cy="3733800"/>
           </a:xfrm>
           <a:prstGeom prst="rect">
             <a:avLst/>
@@ -4355,7 +4275,12 @@
             <p:ph type="title"/>
           </p:nvPr>
         </p:nvSpPr>
-        <p:spPr/>
+        <p:spPr>
+          <a:xfrm>
+            <a:off x="315045" y="205979"/>
+            <a:ext cx="8529278" cy="857250"/>
+          </a:xfrm>
+        </p:spPr>
         <p:txBody>
           <a:bodyPr/>
           <a:lstStyle/>
@@ -4411,8 +4336,8 @@
         </p:blipFill>
         <p:spPr bwMode="auto">
           <a:xfrm>
-            <a:off x="4724400" y="1193800"/>
-            <a:ext cx="3886200" cy="3390900"/>
+            <a:off x="4635500" y="1231900"/>
+            <a:ext cx="4191000" cy="3657600"/>
           </a:xfrm>
           <a:prstGeom prst="rect">
             <a:avLst/>
@@ -4457,7 +4382,12 @@
             <p:ph type="title"/>
           </p:nvPr>
         </p:nvSpPr>
-        <p:spPr/>
+        <p:spPr>
+          <a:xfrm>
+            <a:off x="284309" y="205979"/>
+            <a:ext cx="8552330" cy="857250"/>
+          </a:xfrm>
+        </p:spPr>
         <p:txBody>
           <a:bodyPr/>
           <a:lstStyle/>
@@ -4566,7 +4496,12 @@
             <p:ph type="title"/>
           </p:nvPr>
         </p:nvSpPr>
-        <p:spPr/>
+        <p:spPr>
+          <a:xfrm>
+            <a:off x="284309" y="205979"/>
+            <a:ext cx="8552330" cy="857250"/>
+          </a:xfrm>
+        </p:spPr>
         <p:txBody>
           <a:bodyPr/>
           <a:lstStyle/>
@@ -4677,7 +4612,12 @@
             <p:ph type="title"/>
           </p:nvPr>
         </p:nvSpPr>
-        <p:spPr/>
+        <p:spPr>
+          <a:xfrm>
+            <a:off x="315045" y="205979"/>
+            <a:ext cx="8529278" cy="857250"/>
+          </a:xfrm>
+        </p:spPr>
         <p:txBody>
           <a:bodyPr/>
           <a:lstStyle/>
@@ -4794,8 +4734,8 @@
         </p:blipFill>
         <p:spPr bwMode="auto">
           <a:xfrm>
-            <a:off x="5016500" y="1193800"/>
-            <a:ext cx="3302000" cy="3390900"/>
+            <a:off x="4914900" y="1193800"/>
+            <a:ext cx="3632200" cy="3733800"/>
           </a:xfrm>
           <a:prstGeom prst="rect">
             <a:avLst/>
@@ -4840,7 +4780,12 @@
             <p:ph type="title"/>
           </p:nvPr>
         </p:nvSpPr>
-        <p:spPr/>
+        <p:spPr>
+          <a:xfrm>
+            <a:off x="284309" y="205979"/>
+            <a:ext cx="8552330" cy="857250"/>
+          </a:xfrm>
+        </p:spPr>
         <p:txBody>
           <a:bodyPr/>
           <a:lstStyle/>
@@ -4926,7 +4871,12 @@
             <p:ph type="title"/>
           </p:nvPr>
         </p:nvSpPr>
-        <p:spPr/>
+        <p:spPr>
+          <a:xfrm>
+            <a:off x="284309" y="205979"/>
+            <a:ext cx="8552330" cy="857250"/>
+          </a:xfrm>
+        </p:spPr>
         <p:txBody>
           <a:bodyPr/>
           <a:lstStyle/>
@@ -5017,7 +4967,12 @@
             <p:ph type="title"/>
           </p:nvPr>
         </p:nvSpPr>
-        <p:spPr/>
+        <p:spPr>
+          <a:xfrm>
+            <a:off x="284309" y="205979"/>
+            <a:ext cx="8552330" cy="857250"/>
+          </a:xfrm>
+        </p:spPr>
         <p:txBody>
           <a:bodyPr/>
           <a:lstStyle/>
@@ -5107,7 +5062,12 @@
             <p:ph type="title"/>
           </p:nvPr>
         </p:nvSpPr>
-        <p:spPr/>
+        <p:spPr>
+          <a:xfrm>
+            <a:off x="284309" y="205979"/>
+            <a:ext cx="8552330" cy="857250"/>
+          </a:xfrm>
+        </p:spPr>
         <p:txBody>
           <a:bodyPr/>
           <a:lstStyle/>
@@ -5192,7 +5152,12 @@
             <p:ph type="title"/>
           </p:nvPr>
         </p:nvSpPr>
-        <p:spPr/>
+        <p:spPr>
+          <a:xfrm>
+            <a:off x="284309" y="205979"/>
+            <a:ext cx="8552330" cy="857250"/>
+          </a:xfrm>
+        </p:spPr>
         <p:txBody>
           <a:bodyPr/>
           <a:lstStyle/>
@@ -5290,7 +5255,12 @@
             <p:ph type="title"/>
           </p:nvPr>
         </p:nvSpPr>
-        <p:spPr/>
+        <p:spPr>
+          <a:xfrm>
+            <a:off x="284309" y="205979"/>
+            <a:ext cx="8552330" cy="857250"/>
+          </a:xfrm>
+        </p:spPr>
         <p:txBody>
           <a:bodyPr/>
           <a:lstStyle/>
@@ -5395,7 +5365,12 @@
             <p:ph type="title"/>
           </p:nvPr>
         </p:nvSpPr>
-        <p:spPr/>
+        <p:spPr>
+          <a:xfrm>
+            <a:off x="284309" y="205979"/>
+            <a:ext cx="8552330" cy="857250"/>
+          </a:xfrm>
+        </p:spPr>
         <p:txBody>
           <a:bodyPr/>
           <a:lstStyle/>
@@ -5488,7 +5463,12 @@
             <p:ph type="title"/>
           </p:nvPr>
         </p:nvSpPr>
-        <p:spPr/>
+        <p:spPr>
+          <a:xfrm>
+            <a:off x="284309" y="205979"/>
+            <a:ext cx="8552330" cy="857250"/>
+          </a:xfrm>
+        </p:spPr>
         <p:txBody>
           <a:bodyPr/>
           <a:lstStyle/>
@@ -5584,7 +5564,12 @@
             <p:ph type="title"/>
           </p:nvPr>
         </p:nvSpPr>
-        <p:spPr/>
+        <p:spPr>
+          <a:xfrm>
+            <a:off x="315045" y="205979"/>
+            <a:ext cx="8529278" cy="857250"/>
+          </a:xfrm>
+        </p:spPr>
         <p:txBody>
           <a:bodyPr/>
           <a:lstStyle/>
@@ -5671,8 +5656,8 @@
         </p:blipFill>
         <p:spPr bwMode="auto">
           <a:xfrm>
-            <a:off x="5016500" y="1193800"/>
-            <a:ext cx="3302000" cy="3390900"/>
+            <a:off x="4914900" y="1193800"/>
+            <a:ext cx="3632200" cy="3733800"/>
           </a:xfrm>
           <a:prstGeom prst="rect">
             <a:avLst/>
@@ -5717,7 +5702,12 @@
             <p:ph type="title"/>
           </p:nvPr>
         </p:nvSpPr>
-        <p:spPr/>
+        <p:spPr>
+          <a:xfrm>
+            <a:off x="284309" y="205979"/>
+            <a:ext cx="8552330" cy="857250"/>
+          </a:xfrm>
+        </p:spPr>
         <p:txBody>
           <a:bodyPr/>
           <a:lstStyle/>
@@ -5958,7 +5948,12 @@
             <p:ph type="title"/>
           </p:nvPr>
         </p:nvSpPr>
-        <p:spPr/>
+        <p:spPr>
+          <a:xfrm>
+            <a:off x="284309" y="205979"/>
+            <a:ext cx="8552330" cy="857250"/>
+          </a:xfrm>
+        </p:spPr>
         <p:txBody>
           <a:bodyPr/>
           <a:lstStyle/>
@@ -6051,7 +6046,12 @@
             <p:ph type="title"/>
           </p:nvPr>
         </p:nvSpPr>
-        <p:spPr/>
+        <p:spPr>
+          <a:xfrm>
+            <a:off x="284309" y="205979"/>
+            <a:ext cx="8552330" cy="857250"/>
+          </a:xfrm>
+        </p:spPr>
         <p:txBody>
           <a:bodyPr/>
           <a:lstStyle/>
@@ -6135,7 +6135,12 @@
             <p:ph type="title"/>
           </p:nvPr>
         </p:nvSpPr>
-        <p:spPr/>
+        <p:spPr>
+          <a:xfrm>
+            <a:off x="284309" y="205979"/>
+            <a:ext cx="8552330" cy="857250"/>
+          </a:xfrm>
+        </p:spPr>
         <p:txBody>
           <a:bodyPr/>
           <a:lstStyle/>
@@ -6244,7 +6249,12 @@
             <p:ph type="title"/>
           </p:nvPr>
         </p:nvSpPr>
-        <p:spPr/>
+        <p:spPr>
+          <a:xfrm>
+            <a:off x="284309" y="205979"/>
+            <a:ext cx="8552330" cy="857250"/>
+          </a:xfrm>
+        </p:spPr>
         <p:txBody>
           <a:bodyPr/>
           <a:lstStyle/>

--- a/lci_esom1.pptx
+++ b/lci_esom1.pptx
@@ -183,10 +183,16 @@
         </p:spPr>
         <p:txBody>
           <a:bodyPr/>
-          <a:lstStyle/>
-          <a:p>
-            <a:r>
-              <a:rPr lang="en-US"/>
+          <a:lstStyle>
+            <a:lvl1pPr>
+              <a:defRPr baseline="0">
+                <a:latin typeface="Lato Semibold" panose="020F0502020204030203" pitchFamily="34" charset="0"/>
+              </a:defRPr>
+            </a:lvl1pPr>
+          </a:lstStyle>
+          <a:p>
+            <a:r>
+              <a:rPr lang="en-US" dirty="0"/>
               <a:t>Click to edit Master title style</a:t>
             </a:r>
           </a:p>
@@ -320,7 +326,15 @@
             <p:ph type="dt" sz="half" idx="10"/>
           </p:nvPr>
         </p:nvSpPr>
-        <p:spPr/>
+        <p:spPr>
+          <a:xfrm>
+            <a:off x="457200" y="4767263"/>
+            <a:ext cx="2133600" cy="273844"/>
+          </a:xfrm>
+          <a:prstGeom prst="rect">
+            <a:avLst/>
+          </a:prstGeom>
+        </p:spPr>
         <p:txBody>
           <a:bodyPr/>
           <a:lstStyle/>
@@ -343,7 +357,15 @@
             <p:ph type="ftr" sz="quarter" idx="11"/>
           </p:nvPr>
         </p:nvSpPr>
-        <p:spPr/>
+        <p:spPr>
+          <a:xfrm>
+            <a:off x="3124200" y="4767263"/>
+            <a:ext cx="2895600" cy="273844"/>
+          </a:xfrm>
+          <a:prstGeom prst="rect">
+            <a:avLst/>
+          </a:prstGeom>
+        </p:spPr>
         <p:txBody>
           <a:bodyPr/>
           <a:lstStyle/>
@@ -362,7 +384,15 @@
             <p:ph type="sldNum" sz="quarter" idx="12"/>
           </p:nvPr>
         </p:nvSpPr>
-        <p:spPr/>
+        <p:spPr>
+          <a:xfrm>
+            <a:off x="6553200" y="4767263"/>
+            <a:ext cx="2133600" cy="273844"/>
+          </a:xfrm>
+          <a:prstGeom prst="rect">
+            <a:avLst/>
+          </a:prstGeom>
+        </p:spPr>
         <p:txBody>
           <a:bodyPr/>
           <a:lstStyle/>
@@ -488,7 +518,15 @@
             <p:ph type="dt" sz="half" idx="10"/>
           </p:nvPr>
         </p:nvSpPr>
-        <p:spPr/>
+        <p:spPr>
+          <a:xfrm>
+            <a:off x="457200" y="4767263"/>
+            <a:ext cx="2133600" cy="273844"/>
+          </a:xfrm>
+          <a:prstGeom prst="rect">
+            <a:avLst/>
+          </a:prstGeom>
+        </p:spPr>
         <p:txBody>
           <a:bodyPr/>
           <a:lstStyle/>
@@ -511,7 +549,15 @@
             <p:ph type="ftr" sz="quarter" idx="11"/>
           </p:nvPr>
         </p:nvSpPr>
-        <p:spPr/>
+        <p:spPr>
+          <a:xfrm>
+            <a:off x="3124200" y="4767263"/>
+            <a:ext cx="2895600" cy="273844"/>
+          </a:xfrm>
+          <a:prstGeom prst="rect">
+            <a:avLst/>
+          </a:prstGeom>
+        </p:spPr>
         <p:txBody>
           <a:bodyPr/>
           <a:lstStyle/>
@@ -530,7 +576,15 @@
             <p:ph type="sldNum" sz="quarter" idx="12"/>
           </p:nvPr>
         </p:nvSpPr>
-        <p:spPr/>
+        <p:spPr>
+          <a:xfrm>
+            <a:off x="6553200" y="4767263"/>
+            <a:ext cx="2133600" cy="273844"/>
+          </a:xfrm>
+          <a:prstGeom prst="rect">
+            <a:avLst/>
+          </a:prstGeom>
+        </p:spPr>
         <p:txBody>
           <a:bodyPr/>
           <a:lstStyle/>
@@ -666,7 +720,15 @@
             <p:ph type="dt" sz="half" idx="10"/>
           </p:nvPr>
         </p:nvSpPr>
-        <p:spPr/>
+        <p:spPr>
+          <a:xfrm>
+            <a:off x="457200" y="4767263"/>
+            <a:ext cx="2133600" cy="273844"/>
+          </a:xfrm>
+          <a:prstGeom prst="rect">
+            <a:avLst/>
+          </a:prstGeom>
+        </p:spPr>
         <p:txBody>
           <a:bodyPr/>
           <a:lstStyle/>
@@ -689,7 +751,15 @@
             <p:ph type="ftr" sz="quarter" idx="11"/>
           </p:nvPr>
         </p:nvSpPr>
-        <p:spPr/>
+        <p:spPr>
+          <a:xfrm>
+            <a:off x="3124200" y="4767263"/>
+            <a:ext cx="2895600" cy="273844"/>
+          </a:xfrm>
+          <a:prstGeom prst="rect">
+            <a:avLst/>
+          </a:prstGeom>
+        </p:spPr>
         <p:txBody>
           <a:bodyPr/>
           <a:lstStyle/>
@@ -708,7 +778,15 @@
             <p:ph type="sldNum" sz="quarter" idx="12"/>
           </p:nvPr>
         </p:nvSpPr>
-        <p:spPr/>
+        <p:spPr>
+          <a:xfrm>
+            <a:off x="6553200" y="4767263"/>
+            <a:ext cx="2133600" cy="273844"/>
+          </a:xfrm>
+          <a:prstGeom prst="rect">
+            <a:avLst/>
+          </a:prstGeom>
+        </p:spPr>
         <p:txBody>
           <a:bodyPr/>
           <a:lstStyle/>
@@ -844,7 +922,15 @@
             <p:ph type="dt" sz="half" idx="10"/>
           </p:nvPr>
         </p:nvSpPr>
-        <p:spPr/>
+        <p:spPr>
+          <a:xfrm>
+            <a:off x="457200" y="4767263"/>
+            <a:ext cx="2133600" cy="273844"/>
+          </a:xfrm>
+          <a:prstGeom prst="rect">
+            <a:avLst/>
+          </a:prstGeom>
+        </p:spPr>
         <p:txBody>
           <a:bodyPr/>
           <a:lstStyle/>
@@ -867,7 +953,15 @@
             <p:ph type="ftr" sz="quarter" idx="11"/>
           </p:nvPr>
         </p:nvSpPr>
-        <p:spPr/>
+        <p:spPr>
+          <a:xfrm>
+            <a:off x="3124200" y="4767263"/>
+            <a:ext cx="2895600" cy="273844"/>
+          </a:xfrm>
+          <a:prstGeom prst="rect">
+            <a:avLst/>
+          </a:prstGeom>
+        </p:spPr>
         <p:txBody>
           <a:bodyPr/>
           <a:lstStyle/>
@@ -886,7 +980,15 @@
             <p:ph type="sldNum" sz="quarter" idx="12"/>
           </p:nvPr>
         </p:nvSpPr>
-        <p:spPr/>
+        <p:spPr>
+          <a:xfrm>
+            <a:off x="6553200" y="4767263"/>
+            <a:ext cx="2133600" cy="273844"/>
+          </a:xfrm>
+          <a:prstGeom prst="rect">
+            <a:avLst/>
+          </a:prstGeom>
+        </p:spPr>
         <p:txBody>
           <a:bodyPr/>
           <a:lstStyle/>
@@ -1073,15 +1175,15 @@
         <p:spPr>
           <a:xfrm>
             <a:off x="284309" y="205979"/>
-            <a:ext cx="8552330" cy="857250"/>
-          </a:xfrm>
-        </p:spPr>
-        <p:txBody>
-          <a:bodyPr/>
-          <a:lstStyle/>
-          <a:p>
-            <a:r>
-              <a:rPr lang="en-US"/>
+            <a:ext cx="8552330" cy="662317"/>
+          </a:xfrm>
+        </p:spPr>
+        <p:txBody>
+          <a:bodyPr/>
+          <a:lstStyle/>
+          <a:p>
+            <a:r>
+              <a:rPr lang="en-US" dirty="0"/>
               <a:t>Click to edit Master title style</a:t>
             </a:r>
           </a:p>
@@ -1099,8 +1201,8 @@
         </p:nvSpPr>
         <p:spPr>
           <a:xfrm>
-            <a:off x="284309" y="1200151"/>
-            <a:ext cx="8552330" cy="3737370"/>
+            <a:off x="284309" y="960504"/>
+            <a:ext cx="8552330" cy="3977017"/>
           </a:xfrm>
         </p:spPr>
         <p:txBody>
@@ -1360,7 +1462,15 @@
             <p:ph type="dt" sz="half" idx="10"/>
           </p:nvPr>
         </p:nvSpPr>
-        <p:spPr/>
+        <p:spPr>
+          <a:xfrm>
+            <a:off x="457200" y="4767263"/>
+            <a:ext cx="2133600" cy="273844"/>
+          </a:xfrm>
+          <a:prstGeom prst="rect">
+            <a:avLst/>
+          </a:prstGeom>
+        </p:spPr>
         <p:txBody>
           <a:bodyPr/>
           <a:lstStyle/>
@@ -1383,7 +1493,15 @@
             <p:ph type="ftr" sz="quarter" idx="11"/>
           </p:nvPr>
         </p:nvSpPr>
-        <p:spPr/>
+        <p:spPr>
+          <a:xfrm>
+            <a:off x="3124200" y="4767263"/>
+            <a:ext cx="2895600" cy="273844"/>
+          </a:xfrm>
+          <a:prstGeom prst="rect">
+            <a:avLst/>
+          </a:prstGeom>
+        </p:spPr>
         <p:txBody>
           <a:bodyPr/>
           <a:lstStyle/>
@@ -1402,7 +1520,15 @@
             <p:ph type="sldNum" sz="quarter" idx="12"/>
           </p:nvPr>
         </p:nvSpPr>
-        <p:spPr/>
+        <p:spPr>
+          <a:xfrm>
+            <a:off x="6553200" y="4767263"/>
+            <a:ext cx="2133600" cy="273844"/>
+          </a:xfrm>
+          <a:prstGeom prst="rect">
+            <a:avLst/>
+          </a:prstGeom>
+        </p:spPr>
         <p:txBody>
           <a:bodyPr/>
           <a:lstStyle/>
@@ -1466,7 +1592,7 @@
           <a:lstStyle/>
           <a:p>
             <a:r>
-              <a:rPr lang="en-US"/>
+              <a:rPr lang="en-US" dirty="0"/>
               <a:t>Click to edit Master title style</a:t>
             </a:r>
           </a:p>
@@ -1493,7 +1619,9 @@
           <a:lstStyle>
             <a:lvl1pPr marL="174625" indent="-174625">
               <a:tabLst/>
-              <a:defRPr sz="2800"/>
+              <a:defRPr sz="2800" baseline="0">
+                <a:latin typeface="Lato Medium" panose="020F0502020204030203" pitchFamily="34" charset="0"/>
+              </a:defRPr>
             </a:lvl1pPr>
             <a:lvl2pPr>
               <a:defRPr sz="1800"/>
@@ -1578,7 +1706,9 @@
           <a:lstStyle>
             <a:lvl1pPr marL="174625" indent="-174625">
               <a:tabLst/>
-              <a:defRPr sz="2800"/>
+              <a:defRPr sz="2800" baseline="0">
+                <a:latin typeface="Lato Medium" panose="020F0502020204030203" pitchFamily="34" charset="0"/>
+              </a:defRPr>
             </a:lvl1pPr>
             <a:lvl2pPr>
               <a:defRPr sz="1800"/>
@@ -2006,7 +2136,15 @@
             <p:ph type="dt" sz="half" idx="10"/>
           </p:nvPr>
         </p:nvSpPr>
-        <p:spPr/>
+        <p:spPr>
+          <a:xfrm>
+            <a:off x="457200" y="4767263"/>
+            <a:ext cx="2133600" cy="273844"/>
+          </a:xfrm>
+          <a:prstGeom prst="rect">
+            <a:avLst/>
+          </a:prstGeom>
+        </p:spPr>
         <p:txBody>
           <a:bodyPr/>
           <a:lstStyle/>
@@ -2029,7 +2167,15 @@
             <p:ph type="ftr" sz="quarter" idx="11"/>
           </p:nvPr>
         </p:nvSpPr>
-        <p:spPr/>
+        <p:spPr>
+          <a:xfrm>
+            <a:off x="3124200" y="4767263"/>
+            <a:ext cx="2895600" cy="273844"/>
+          </a:xfrm>
+          <a:prstGeom prst="rect">
+            <a:avLst/>
+          </a:prstGeom>
+        </p:spPr>
         <p:txBody>
           <a:bodyPr/>
           <a:lstStyle/>
@@ -2048,7 +2194,15 @@
             <p:ph type="sldNum" sz="quarter" idx="12"/>
           </p:nvPr>
         </p:nvSpPr>
-        <p:spPr/>
+        <p:spPr>
+          <a:xfrm>
+            <a:off x="6553200" y="4767263"/>
+            <a:ext cx="2133600" cy="273844"/>
+          </a:xfrm>
+          <a:prstGeom prst="rect">
+            <a:avLst/>
+          </a:prstGeom>
+        </p:spPr>
         <p:txBody>
           <a:bodyPr/>
           <a:lstStyle/>
@@ -2104,10 +2258,16 @@
         <p:spPr/>
         <p:txBody>
           <a:bodyPr/>
-          <a:lstStyle/>
-          <a:p>
-            <a:r>
-              <a:rPr lang="en-US"/>
+          <a:lstStyle>
+            <a:lvl1pPr>
+              <a:defRPr baseline="0">
+                <a:latin typeface="Lato Semibold" panose="020F0502020204030203" pitchFamily="34" charset="0"/>
+              </a:defRPr>
+            </a:lvl1pPr>
+          </a:lstStyle>
+          <a:p>
+            <a:r>
+              <a:rPr lang="en-US" dirty="0"/>
               <a:t>Click to edit Master title style</a:t>
             </a:r>
           </a:p>
@@ -2123,7 +2283,15 @@
             <p:ph type="dt" sz="half" idx="10"/>
           </p:nvPr>
         </p:nvSpPr>
-        <p:spPr/>
+        <p:spPr>
+          <a:xfrm>
+            <a:off x="457200" y="4767263"/>
+            <a:ext cx="2133600" cy="273844"/>
+          </a:xfrm>
+          <a:prstGeom prst="rect">
+            <a:avLst/>
+          </a:prstGeom>
+        </p:spPr>
         <p:txBody>
           <a:bodyPr/>
           <a:lstStyle/>
@@ -2146,7 +2314,15 @@
             <p:ph type="ftr" sz="quarter" idx="11"/>
           </p:nvPr>
         </p:nvSpPr>
-        <p:spPr/>
+        <p:spPr>
+          <a:xfrm>
+            <a:off x="3124200" y="4767263"/>
+            <a:ext cx="2895600" cy="273844"/>
+          </a:xfrm>
+          <a:prstGeom prst="rect">
+            <a:avLst/>
+          </a:prstGeom>
+        </p:spPr>
         <p:txBody>
           <a:bodyPr/>
           <a:lstStyle/>
@@ -2165,7 +2341,15 @@
             <p:ph type="sldNum" sz="quarter" idx="12"/>
           </p:nvPr>
         </p:nvSpPr>
-        <p:spPr/>
+        <p:spPr>
+          <a:xfrm>
+            <a:off x="6553200" y="4767263"/>
+            <a:ext cx="2133600" cy="273844"/>
+          </a:xfrm>
+          <a:prstGeom prst="rect">
+            <a:avLst/>
+          </a:prstGeom>
+        </p:spPr>
         <p:txBody>
           <a:bodyPr/>
           <a:lstStyle/>
@@ -2218,7 +2402,15 @@
             <p:ph type="dt" sz="half" idx="10"/>
           </p:nvPr>
         </p:nvSpPr>
-        <p:spPr/>
+        <p:spPr>
+          <a:xfrm>
+            <a:off x="457200" y="4767263"/>
+            <a:ext cx="2133600" cy="273844"/>
+          </a:xfrm>
+          <a:prstGeom prst="rect">
+            <a:avLst/>
+          </a:prstGeom>
+        </p:spPr>
         <p:txBody>
           <a:bodyPr/>
           <a:lstStyle/>
@@ -2241,7 +2433,15 @@
             <p:ph type="ftr" sz="quarter" idx="11"/>
           </p:nvPr>
         </p:nvSpPr>
-        <p:spPr/>
+        <p:spPr>
+          <a:xfrm>
+            <a:off x="3124200" y="4767263"/>
+            <a:ext cx="2895600" cy="273844"/>
+          </a:xfrm>
+          <a:prstGeom prst="rect">
+            <a:avLst/>
+          </a:prstGeom>
+        </p:spPr>
         <p:txBody>
           <a:bodyPr/>
           <a:lstStyle/>
@@ -2260,7 +2460,15 @@
             <p:ph type="sldNum" sz="quarter" idx="12"/>
           </p:nvPr>
         </p:nvSpPr>
-        <p:spPr/>
+        <p:spPr>
+          <a:xfrm>
+            <a:off x="6553200" y="4767263"/>
+            <a:ext cx="2133600" cy="273844"/>
+          </a:xfrm>
+          <a:prstGeom prst="rect">
+            <a:avLst/>
+          </a:prstGeom>
+        </p:spPr>
         <p:txBody>
           <a:bodyPr/>
           <a:lstStyle/>
@@ -2493,7 +2701,15 @@
             <p:ph type="dt" sz="half" idx="10"/>
           </p:nvPr>
         </p:nvSpPr>
-        <p:spPr/>
+        <p:spPr>
+          <a:xfrm>
+            <a:off x="457200" y="4767263"/>
+            <a:ext cx="2133600" cy="273844"/>
+          </a:xfrm>
+          <a:prstGeom prst="rect">
+            <a:avLst/>
+          </a:prstGeom>
+        </p:spPr>
         <p:txBody>
           <a:bodyPr/>
           <a:lstStyle/>
@@ -2516,7 +2732,15 @@
             <p:ph type="ftr" sz="quarter" idx="11"/>
           </p:nvPr>
         </p:nvSpPr>
-        <p:spPr/>
+        <p:spPr>
+          <a:xfrm>
+            <a:off x="3124200" y="4767263"/>
+            <a:ext cx="2895600" cy="273844"/>
+          </a:xfrm>
+          <a:prstGeom prst="rect">
+            <a:avLst/>
+          </a:prstGeom>
+        </p:spPr>
         <p:txBody>
           <a:bodyPr/>
           <a:lstStyle/>
@@ -2535,7 +2759,15 @@
             <p:ph type="sldNum" sz="quarter" idx="12"/>
           </p:nvPr>
         </p:nvSpPr>
-        <p:spPr/>
+        <p:spPr>
+          <a:xfrm>
+            <a:off x="6553200" y="4767263"/>
+            <a:ext cx="2133600" cy="273844"/>
+          </a:xfrm>
+          <a:prstGeom prst="rect">
+            <a:avLst/>
+          </a:prstGeom>
+        </p:spPr>
         <p:txBody>
           <a:bodyPr/>
           <a:lstStyle/>
@@ -2745,7 +2977,15 @@
             <p:ph type="dt" sz="half" idx="10"/>
           </p:nvPr>
         </p:nvSpPr>
-        <p:spPr/>
+        <p:spPr>
+          <a:xfrm>
+            <a:off x="457200" y="4767263"/>
+            <a:ext cx="2133600" cy="273844"/>
+          </a:xfrm>
+          <a:prstGeom prst="rect">
+            <a:avLst/>
+          </a:prstGeom>
+        </p:spPr>
         <p:txBody>
           <a:bodyPr/>
           <a:lstStyle/>
@@ -2768,7 +3008,15 @@
             <p:ph type="ftr" sz="quarter" idx="11"/>
           </p:nvPr>
         </p:nvSpPr>
-        <p:spPr/>
+        <p:spPr>
+          <a:xfrm>
+            <a:off x="3124200" y="4767263"/>
+            <a:ext cx="2895600" cy="273844"/>
+          </a:xfrm>
+          <a:prstGeom prst="rect">
+            <a:avLst/>
+          </a:prstGeom>
+        </p:spPr>
         <p:txBody>
           <a:bodyPr/>
           <a:lstStyle/>
@@ -2787,7 +3035,15 @@
             <p:ph type="sldNum" sz="quarter" idx="12"/>
           </p:nvPr>
         </p:nvSpPr>
-        <p:spPr/>
+        <p:spPr>
+          <a:xfrm>
+            <a:off x="6553200" y="4767263"/>
+            <a:ext cx="2133600" cy="273844"/>
+          </a:xfrm>
+          <a:prstGeom prst="rect">
+            <a:avLst/>
+          </a:prstGeom>
+        </p:spPr>
         <p:txBody>
           <a:bodyPr/>
           <a:lstStyle/>
@@ -2848,7 +3104,7 @@
         <p:spPr>
           <a:xfrm>
             <a:off x="457200" y="205979"/>
-            <a:ext cx="8229600" cy="857250"/>
+            <a:ext cx="8229600" cy="716105"/>
           </a:xfrm>
           <a:prstGeom prst="rect">
             <a:avLst/>
@@ -2861,7 +3117,7 @@
           <a:lstStyle/>
           <a:p>
             <a:r>
-              <a:rPr lang="en-US"/>
+              <a:rPr dirty="0" lang="en-US"/>
               <a:t>Click to edit Master title style</a:t>
             </a:r>
           </a:p>
@@ -2879,8 +3135,8 @@
         </p:nvSpPr>
         <p:spPr>
           <a:xfrm>
-            <a:off x="457200" y="1200151"/>
-            <a:ext cx="8229600" cy="3394472"/>
+            <a:off x="457200" y="998924"/>
+            <a:ext cx="8229600" cy="3938597"/>
           </a:xfrm>
           <a:prstGeom prst="rect">
             <a:avLst/>
@@ -2894,156 +3150,37 @@
           <a:p>
             <a:pPr lvl="0"/>
             <a:r>
-              <a:rPr lang="en-US"/>
+              <a:rPr dirty="0" lang="en-US"/>
               <a:t>Click to edit Master text styles</a:t>
             </a:r>
           </a:p>
           <a:p>
             <a:pPr lvl="1"/>
             <a:r>
-              <a:rPr lang="en-US"/>
+              <a:rPr dirty="0" lang="en-US"/>
               <a:t>Second level</a:t>
             </a:r>
           </a:p>
           <a:p>
             <a:pPr lvl="2"/>
             <a:r>
-              <a:rPr lang="en-US"/>
+              <a:rPr dirty="0" lang="en-US"/>
               <a:t>Third level</a:t>
             </a:r>
           </a:p>
           <a:p>
             <a:pPr lvl="3"/>
             <a:r>
-              <a:rPr lang="en-US"/>
+              <a:rPr dirty="0" lang="en-US"/>
               <a:t>Fourth level</a:t>
             </a:r>
           </a:p>
           <a:p>
             <a:pPr lvl="4"/>
             <a:r>
-              <a:rPr lang="en-US"/>
+              <a:rPr dirty="0" lang="en-US"/>
               <a:t>Fifth level</a:t>
             </a:r>
-          </a:p>
-        </p:txBody>
-      </p:sp>
-      <p:sp>
-        <p:nvSpPr>
-          <p:cNvPr id="4" name="Date Placeholder 3"/>
-          <p:cNvSpPr>
-            <a:spLocks noGrp="1"/>
-          </p:cNvSpPr>
-          <p:nvPr>
-            <p:ph idx="2" sz="half" type="dt"/>
-          </p:nvPr>
-        </p:nvSpPr>
-        <p:spPr>
-          <a:xfrm>
-            <a:off x="457200" y="4767263"/>
-            <a:ext cx="2133600" cy="273844"/>
-          </a:xfrm>
-          <a:prstGeom prst="rect">
-            <a:avLst/>
-          </a:prstGeom>
-        </p:spPr>
-        <p:txBody>
-          <a:bodyPr anchor="ctr" bIns="45720" lIns="91440" rIns="91440" rtlCol="0" tIns="45720" vert="horz"/>
-          <a:lstStyle>
-            <a:lvl1pPr algn="l">
-              <a:defRPr sz="900">
-                <a:solidFill>
-                  <a:schemeClr val="tx1">
-                    <a:tint val="75000"/>
-                  </a:schemeClr>
-                </a:solidFill>
-              </a:defRPr>
-            </a:lvl1pPr>
-          </a:lstStyle>
-          <a:p>
-            <a:fld id="{241EB5C9-1307-BA42-ABA2-0BC069CD8E7F}" type="datetimeFigureOut">
-              <a:rPr lang="en-US" smtClean="0"/>
-              <a:t>1/11/25</a:t>
-            </a:fld>
-            <a:endParaRPr lang="en-US"/>
-          </a:p>
-        </p:txBody>
-      </p:sp>
-      <p:sp>
-        <p:nvSpPr>
-          <p:cNvPr id="5" name="Footer Placeholder 4"/>
-          <p:cNvSpPr>
-            <a:spLocks noGrp="1"/>
-          </p:cNvSpPr>
-          <p:nvPr>
-            <p:ph idx="3" sz="quarter" type="ftr"/>
-          </p:nvPr>
-        </p:nvSpPr>
-        <p:spPr>
-          <a:xfrm>
-            <a:off x="3124200" y="4767263"/>
-            <a:ext cx="2895600" cy="273844"/>
-          </a:xfrm>
-          <a:prstGeom prst="rect">
-            <a:avLst/>
-          </a:prstGeom>
-        </p:spPr>
-        <p:txBody>
-          <a:bodyPr anchor="ctr" bIns="45720" lIns="91440" rIns="91440" rtlCol="0" tIns="45720" vert="horz"/>
-          <a:lstStyle>
-            <a:lvl1pPr algn="ctr">
-              <a:defRPr sz="900">
-                <a:solidFill>
-                  <a:schemeClr val="tx1">
-                    <a:tint val="75000"/>
-                  </a:schemeClr>
-                </a:solidFill>
-              </a:defRPr>
-            </a:lvl1pPr>
-          </a:lstStyle>
-          <a:p>
-            <a:endParaRPr lang="en-US"/>
-          </a:p>
-        </p:txBody>
-      </p:sp>
-      <p:sp>
-        <p:nvSpPr>
-          <p:cNvPr id="6" name="Slide Number Placeholder 5"/>
-          <p:cNvSpPr>
-            <a:spLocks noGrp="1"/>
-          </p:cNvSpPr>
-          <p:nvPr>
-            <p:ph idx="4" sz="quarter" type="sldNum"/>
-          </p:nvPr>
-        </p:nvSpPr>
-        <p:spPr>
-          <a:xfrm>
-            <a:off x="6553200" y="4767263"/>
-            <a:ext cx="2133600" cy="273844"/>
-          </a:xfrm>
-          <a:prstGeom prst="rect">
-            <a:avLst/>
-          </a:prstGeom>
-        </p:spPr>
-        <p:txBody>
-          <a:bodyPr anchor="ctr" bIns="45720" lIns="91440" rIns="91440" rtlCol="0" tIns="45720" vert="horz"/>
-          <a:lstStyle>
-            <a:lvl1pPr algn="r">
-              <a:defRPr sz="900">
-                <a:solidFill>
-                  <a:schemeClr val="tx1">
-                    <a:tint val="75000"/>
-                  </a:schemeClr>
-                </a:solidFill>
-              </a:defRPr>
-            </a:lvl1pPr>
-          </a:lstStyle>
-          <a:p>
-            <a:fld id="{C5EF2332-01BF-834F-8236-50238282D533}" type="slidenum">
-              <a:rPr lang="en-US" smtClean="0"/>
-              <a:t>‹#›</a:t>
-            </a:fld>
-            <a:endParaRPr lang="en-US"/>
           </a:p>
         </p:txBody>
       </p:sp>
@@ -3076,11 +3213,11 @@
           <a:spcPct val="0"/>
         </a:spcBef>
         <a:buNone/>
-        <a:defRPr kern="1200" sz="3300">
+        <a:defRPr baseline="0" kern="1200" sz="3300">
           <a:solidFill>
             <a:schemeClr val="tx1"/>
           </a:solidFill>
-          <a:latin typeface="+mj-lt"/>
+          <a:latin charset="0" panose="020F0502020204030203" pitchFamily="34" typeface="Lato Semibold"/>
           <a:ea typeface="+mj-ea"/>
           <a:cs typeface="+mj-cs"/>
         </a:defRPr>
@@ -3093,11 +3230,11 @@
         </a:spcBef>
         <a:buFont typeface="Arial"/>
         <a:buChar char="•"/>
-        <a:defRPr kern="1200" sz="2400">
+        <a:defRPr baseline="0" kern="1200" sz="2400">
           <a:solidFill>
             <a:schemeClr val="tx1"/>
           </a:solidFill>
-          <a:latin typeface="+mn-lt"/>
+          <a:latin charset="0" panose="020F0502020204030203" pitchFamily="34" typeface="Lato Medium"/>
           <a:ea typeface="+mn-ea"/>
           <a:cs typeface="+mn-cs"/>
         </a:defRPr>
@@ -3108,11 +3245,11 @@
         </a:spcBef>
         <a:buFont typeface="Arial"/>
         <a:buChar char="–"/>
-        <a:defRPr kern="1200" sz="2100">
+        <a:defRPr baseline="0" kern="1200" sz="2100">
           <a:solidFill>
             <a:schemeClr val="tx1"/>
           </a:solidFill>
-          <a:latin typeface="+mn-lt"/>
+          <a:latin charset="0" panose="020F0502020204030203" pitchFamily="34" typeface="Lato Medium"/>
           <a:ea typeface="+mn-ea"/>
           <a:cs typeface="+mn-cs"/>
         </a:defRPr>
@@ -4080,7 +4217,7 @@
         <p:spPr>
           <a:xfrm>
             <a:off x="284309" y="205979"/>
-            <a:ext cx="8552330" cy="857250"/>
+            <a:ext cx="8552330" cy="662317"/>
           </a:xfrm>
         </p:spPr>
         <p:txBody>
@@ -4385,7 +4522,7 @@
         <p:spPr>
           <a:xfrm>
             <a:off x="284309" y="205979"/>
-            <a:ext cx="8552330" cy="857250"/>
+            <a:ext cx="8552330" cy="662317"/>
           </a:xfrm>
         </p:spPr>
         <p:txBody>
@@ -4499,7 +4636,7 @@
         <p:spPr>
           <a:xfrm>
             <a:off x="284309" y="205979"/>
-            <a:ext cx="8552330" cy="857250"/>
+            <a:ext cx="8552330" cy="662317"/>
           </a:xfrm>
         </p:spPr>
         <p:txBody>
@@ -4783,7 +4920,7 @@
         <p:spPr>
           <a:xfrm>
             <a:off x="284309" y="205979"/>
-            <a:ext cx="8552330" cy="857250"/>
+            <a:ext cx="8552330" cy="662317"/>
           </a:xfrm>
         </p:spPr>
         <p:txBody>
@@ -4874,7 +5011,7 @@
         <p:spPr>
           <a:xfrm>
             <a:off x="284309" y="205979"/>
-            <a:ext cx="8552330" cy="857250"/>
+            <a:ext cx="8552330" cy="662317"/>
           </a:xfrm>
         </p:spPr>
         <p:txBody>
@@ -4970,7 +5107,7 @@
         <p:spPr>
           <a:xfrm>
             <a:off x="284309" y="205979"/>
-            <a:ext cx="8552330" cy="857250"/>
+            <a:ext cx="8552330" cy="662317"/>
           </a:xfrm>
         </p:spPr>
         <p:txBody>
@@ -5065,7 +5202,7 @@
         <p:spPr>
           <a:xfrm>
             <a:off x="284309" y="205979"/>
-            <a:ext cx="8552330" cy="857250"/>
+            <a:ext cx="8552330" cy="662317"/>
           </a:xfrm>
         </p:spPr>
         <p:txBody>
@@ -5155,7 +5292,7 @@
         <p:spPr>
           <a:xfrm>
             <a:off x="284309" y="205979"/>
-            <a:ext cx="8552330" cy="857250"/>
+            <a:ext cx="8552330" cy="662317"/>
           </a:xfrm>
         </p:spPr>
         <p:txBody>
@@ -5258,7 +5395,7 @@
         <p:spPr>
           <a:xfrm>
             <a:off x="284309" y="205979"/>
-            <a:ext cx="8552330" cy="857250"/>
+            <a:ext cx="8552330" cy="662317"/>
           </a:xfrm>
         </p:spPr>
         <p:txBody>
@@ -5321,7 +5458,7 @@
             <a:pPr lvl="1"/>
             <a:r>
               <a:rPr/>
-              <a:t>American Lung Assn fredomfromsmoking.org</a:t>
+              <a:t>American Lung Assn www.freddomfromsmoking.org</a:t>
             </a:r>
           </a:p>
           <a:p>
@@ -5368,7 +5505,7 @@
         <p:spPr>
           <a:xfrm>
             <a:off x="284309" y="205979"/>
-            <a:ext cx="8552330" cy="857250"/>
+            <a:ext cx="8552330" cy="662317"/>
           </a:xfrm>
         </p:spPr>
         <p:txBody>
@@ -5466,7 +5603,7 @@
         <p:spPr>
           <a:xfrm>
             <a:off x="284309" y="205979"/>
-            <a:ext cx="8552330" cy="857250"/>
+            <a:ext cx="8552330" cy="662317"/>
           </a:xfrm>
         </p:spPr>
         <p:txBody>
@@ -5705,7 +5842,7 @@
         <p:spPr>
           <a:xfrm>
             <a:off x="284309" y="205979"/>
-            <a:ext cx="8552330" cy="857250"/>
+            <a:ext cx="8552330" cy="662317"/>
           </a:xfrm>
         </p:spPr>
         <p:txBody>
@@ -5951,7 +6088,7 @@
         <p:spPr>
           <a:xfrm>
             <a:off x="284309" y="205979"/>
-            <a:ext cx="8552330" cy="857250"/>
+            <a:ext cx="8552330" cy="662317"/>
           </a:xfrm>
         </p:spPr>
         <p:txBody>
@@ -6049,7 +6186,7 @@
         <p:spPr>
           <a:xfrm>
             <a:off x="284309" y="205979"/>
-            <a:ext cx="8552330" cy="857250"/>
+            <a:ext cx="8552330" cy="662317"/>
           </a:xfrm>
         </p:spPr>
         <p:txBody>
@@ -6138,7 +6275,7 @@
         <p:spPr>
           <a:xfrm>
             <a:off x="284309" y="205979"/>
-            <a:ext cx="8552330" cy="857250"/>
+            <a:ext cx="8552330" cy="662317"/>
           </a:xfrm>
         </p:spPr>
         <p:txBody>
@@ -6252,7 +6389,7 @@
         <p:spPr>
           <a:xfrm>
             <a:off x="284309" y="205979"/>
-            <a:ext cx="8552330" cy="857250"/>
+            <a:ext cx="8552330" cy="662317"/>
           </a:xfrm>
         </p:spPr>
         <p:txBody>

--- a/lci_esom1.pptx
+++ b/lci_esom1.pptx
@@ -5884,34 +5884,10 @@
                 <a14:m>
                   <m:oMath xmlns:m="http://schemas.openxmlformats.org/officeDocument/2006/math">
                     <m:r>
-                      <m:t>R</m:t>
-                    </m:r>
-                    <m:r>
-                      <m:t>i</m:t>
-                    </m:r>
-                    <m:r>
-                      <m:t>g</m:t>
-                    </m:r>
-                    <m:r>
-                      <m:t>h</m:t>
-                    </m:r>
-                    <m:r>
-                      <m:t>t</m:t>
-                    </m:r>
-                    <m:r>
-                      <m:t>a</m:t>
-                    </m:r>
-                    <m:r>
-                      <m:t>r</m:t>
-                    </m:r>
-                    <m:r>
-                      <m:t>r</m:t>
-                    </m:r>
-                    <m:r>
-                      <m:t>o</m:t>
-                    </m:r>
-                    <m:r>
-                      <m:t>w</m:t>
+                      <m:rPr>
+                        <m:sty m:val="p"/>
+                      </m:rPr>
+                      <m:t>⇒</m:t>
                     </m:r>
                   </m:oMath>
                 </a14:m>
@@ -5929,34 +5905,10 @@
                 <a14:m>
                   <m:oMath xmlns:m="http://schemas.openxmlformats.org/officeDocument/2006/math">
                     <m:r>
-                      <m:t>R</m:t>
-                    </m:r>
-                    <m:r>
-                      <m:t>i</m:t>
-                    </m:r>
-                    <m:r>
-                      <m:t>g</m:t>
-                    </m:r>
-                    <m:r>
-                      <m:t>h</m:t>
-                    </m:r>
-                    <m:r>
-                      <m:t>t</m:t>
-                    </m:r>
-                    <m:r>
-                      <m:t>a</m:t>
-                    </m:r>
-                    <m:r>
-                      <m:t>r</m:t>
-                    </m:r>
-                    <m:r>
-                      <m:t>r</m:t>
-                    </m:r>
-                    <m:r>
-                      <m:t>o</m:t>
-                    </m:r>
-                    <m:r>
-                      <m:t>w</m:t>
+                      <m:rPr>
+                        <m:sty m:val="p"/>
+                      </m:rPr>
+                      <m:t>⇒</m:t>
                     </m:r>
                   </m:oMath>
                 </a14:m>

--- a/lci_esom1.pptx
+++ b/lci_esom1.pptx
@@ -30,7 +30,6 @@
     <p:sldId id="278" r:id="rId24"/>
     <p:sldId id="279" r:id="rId25"/>
     <p:sldId id="280" r:id="rId26"/>
-    <p:sldId id="281" r:id="rId27"/>
   </p:sldIdLst>
   <p:sldSz cx="9144000" cy="5143500" type="screen16x9"/>
   <p:notesSz cx="6858000" cy="9144000"/>
@@ -5023,7 +5022,7 @@
             </a:pPr>
             <a:r>
               <a:rPr/>
-              <a:t>Preparing for Cancer Treatment</a:t>
+              <a:t>Primary Care Practitioner (PCP)</a:t>
             </a:r>
           </a:p>
         </p:txBody>
@@ -5043,31 +5042,30 @@
           <a:bodyPr/>
           <a:lstStyle/>
           <a:p>
-            <a:pPr lvl="0"/>
-            <a:r>
-              <a:rPr/>
-              <a:t>Primary Care Physician</a:t>
-            </a:r>
-          </a:p>
-          <a:p>
-            <a:pPr lvl="0"/>
-            <a:r>
-              <a:rPr/>
-              <a:t>MyAtrium Portal</a:t>
-            </a:r>
-          </a:p>
-          <a:p>
-            <a:pPr lvl="0"/>
-            <a:r>
-              <a:rPr/>
-              <a:t>Exercise</a:t>
-            </a:r>
-          </a:p>
-          <a:p>
-            <a:pPr lvl="0"/>
-            <a:r>
-              <a:rPr/>
-              <a:t>Smoking Cessation</a:t>
+            <a:pPr lvl="0" indent="0" marL="0">
+              <a:buNone/>
+            </a:pPr>
+            <a:r>
+              <a:rPr/>
+              <a:t>A PCP is critical to coordinate care between specialists.</a:t>
+            </a:r>
+          </a:p>
+          <a:p>
+            <a:pPr lvl="0" indent="0" marL="0">
+              <a:buNone/>
+            </a:pPr>
+            <a:r>
+              <a:rPr/>
+              <a:t>We will update your PCP after each visit</a:t>
+            </a:r>
+          </a:p>
+          <a:p>
+            <a:pPr lvl="0" indent="0" marL="0">
+              <a:buNone/>
+            </a:pPr>
+            <a:r>
+              <a:rPr/>
+              <a:t>Call our referral line at (844) 235-6998 if you need a PCP</a:t>
             </a:r>
           </a:p>
         </p:txBody>
@@ -5119,8 +5117,9 @@
             </a:pPr>
             <a:r>
               <a:rPr/>
-              <a:t>Primary Care Practitioner (PCP)</a:t>
-            </a:r>
+              <a:t>My Atrium Patient Portal</a:t>
+            </a:r>
+            <a:br/>
           </a:p>
         </p:txBody>
       </p:sp>
@@ -5139,30 +5138,24 @@
           <a:bodyPr/>
           <a:lstStyle/>
           <a:p>
-            <a:pPr lvl="0" indent="0" marL="0">
-              <a:buNone/>
-            </a:pPr>
-            <a:r>
-              <a:rPr/>
-              <a:t>A PCP is critical to coordinate care between specialists.</a:t>
-            </a:r>
-          </a:p>
-          <a:p>
-            <a:pPr lvl="0" indent="0" marL="0">
-              <a:buNone/>
-            </a:pPr>
-            <a:r>
-              <a:rPr/>
-              <a:t>We will update your PCP after each visit</a:t>
-            </a:r>
-          </a:p>
-          <a:p>
-            <a:pPr lvl="0" indent="0" marL="0">
-              <a:buNone/>
-            </a:pPr>
-            <a:r>
-              <a:rPr/>
-              <a:t>Call our referral line at (844) 235-6998 if you need a PCP</a:t>
+            <a:pPr lvl="0"/>
+            <a:r>
+              <a:rPr/>
+              <a:t>Critical to good communication with your care team</a:t>
+            </a:r>
+          </a:p>
+          <a:p>
+            <a:pPr lvl="0"/>
+            <a:r>
+              <a:rPr/>
+              <a:t>Available for desktop or laptop or phone</a:t>
+            </a:r>
+          </a:p>
+          <a:p>
+            <a:pPr lvl="0"/>
+            <a:r>
+              <a:rPr/>
+              <a:t>Sign up at my.atriumhealth.org</a:t>
             </a:r>
           </a:p>
         </p:txBody>
@@ -5214,9 +5207,8 @@
             </a:pPr>
             <a:r>
               <a:rPr/>
-              <a:t>My Atrium Patient Portal</a:t>
-            </a:r>
-            <a:br/>
+              <a:t>Exercise</a:t>
+            </a:r>
           </a:p>
         </p:txBody>
       </p:sp>
@@ -5238,21 +5230,35 @@
             <a:pPr lvl="0"/>
             <a:r>
               <a:rPr/>
-              <a:t>Critical to good communication with your care team</a:t>
-            </a:r>
-          </a:p>
-          <a:p>
-            <a:pPr lvl="0"/>
-            <a:r>
-              <a:rPr/>
-              <a:t>Available for desktop or laptop or phone</a:t>
-            </a:r>
-          </a:p>
-          <a:p>
-            <a:pPr lvl="0"/>
-            <a:r>
-              <a:rPr/>
-              <a:t>Sign up at my.atriumhealth.org</a:t>
+              <a:t>Reduces risk of complications from treatment</a:t>
+            </a:r>
+          </a:p>
+          <a:p>
+            <a:pPr lvl="0"/>
+            <a:r>
+              <a:rPr/>
+              <a:t>Goal is 30min/day of vigorous exercise 6 days/week</a:t>
+            </a:r>
+          </a:p>
+          <a:p>
+            <a:pPr lvl="1"/>
+            <a:r>
+              <a:rPr/>
+              <a:t>Working hard enough that you can’t converse</a:t>
+            </a:r>
+          </a:p>
+          <a:p>
+            <a:pPr lvl="1"/>
+            <a:r>
+              <a:rPr/>
+              <a:t>Start slowly and build up</a:t>
+            </a:r>
+          </a:p>
+          <a:p>
+            <a:pPr lvl="1"/>
+            <a:r>
+              <a:rPr/>
+              <a:t>Every day counts! (Aim for some activity every day)</a:t>
             </a:r>
           </a:p>
         </p:txBody>
@@ -5304,7 +5310,7 @@
             </a:pPr>
             <a:r>
               <a:rPr/>
-              <a:t>Exercise</a:t>
+              <a:t>Smoking Cessation</a:t>
             </a:r>
           </a:p>
         </p:txBody>
@@ -5327,35 +5333,42 @@
             <a:pPr lvl="0"/>
             <a:r>
               <a:rPr/>
-              <a:t>Reduces risk of complications from treatment</a:t>
-            </a:r>
-          </a:p>
-          <a:p>
-            <a:pPr lvl="0"/>
-            <a:r>
-              <a:rPr/>
-              <a:t>Goal is 30min/day of vigorous exercise 6 days/week</a:t>
+              <a:t>Smoking makes cancer treatment more difficult</a:t>
             </a:r>
           </a:p>
           <a:p>
             <a:pPr lvl="1"/>
             <a:r>
               <a:rPr/>
-              <a:t>Working hard enough that you can’t converse</a:t>
+              <a:t>Increases risk of complications after surgery</a:t>
+            </a:r>
+          </a:p>
+          <a:p>
+            <a:pPr lvl="0"/>
+            <a:r>
+              <a:rPr/>
+              <a:t>Options for help with smoking cessation:</a:t>
             </a:r>
           </a:p>
           <a:p>
             <a:pPr lvl="1"/>
             <a:r>
               <a:rPr/>
-              <a:t>Start slowly and build up</a:t>
+              <a:t>NC Quit Line 1-800-QUIT-NOW (1-800-784-8669)</a:t>
             </a:r>
           </a:p>
           <a:p>
             <a:pPr lvl="1"/>
             <a:r>
               <a:rPr/>
-              <a:t>Every day counts! (Aim for some activity every day)</a:t>
+              <a:t>American Lung Assn www.freddomfromsmoking.org</a:t>
+            </a:r>
+          </a:p>
+          <a:p>
+            <a:pPr lvl="1"/>
+            <a:r>
+              <a:rPr/>
+              <a:t>Smoking Cessation Counseling (Metro Charlotte)</a:t>
             </a:r>
           </a:p>
         </p:txBody>
@@ -5366,116 +5379,6 @@
 </file>
 
 <file path=ppt/slides/slide25.xml><?xml version="1.0" encoding="utf-8"?>
-<p:sld xmlns:a="http://schemas.openxmlformats.org/drawingml/2006/main" xmlns:r="http://schemas.openxmlformats.org/officeDocument/2006/relationships" xmlns:p="http://schemas.openxmlformats.org/presentationml/2006/main">
-  <p:cSld>
-    <p:spTree>
-      <p:nvGrpSpPr>
-        <p:cNvPr id="1" name=""/>
-        <p:cNvGrpSpPr/>
-        <p:nvPr/>
-      </p:nvGrpSpPr>
-      <p:grpSpPr>
-        <a:xfrm>
-          <a:off x="0" y="0"/>
-          <a:ext cx="0" cy="0"/>
-          <a:chOff x="0" y="0"/>
-          <a:chExt cx="0" cy="0"/>
-        </a:xfrm>
-      </p:grpSpPr>
-      <p:sp>
-        <p:nvSpPr>
-          <p:cNvPr id="2" name="Title 1"/>
-          <p:cNvSpPr>
-            <a:spLocks noGrp="1"/>
-          </p:cNvSpPr>
-          <p:nvPr>
-            <p:ph type="title"/>
-          </p:nvPr>
-        </p:nvSpPr>
-        <p:spPr>
-          <a:xfrm>
-            <a:off x="284309" y="205979"/>
-            <a:ext cx="8552330" cy="662317"/>
-          </a:xfrm>
-        </p:spPr>
-        <p:txBody>
-          <a:bodyPr/>
-          <a:lstStyle/>
-          <a:p>
-            <a:pPr lvl="0" indent="0" marL="0">
-              <a:buNone/>
-            </a:pPr>
-            <a:r>
-              <a:rPr/>
-              <a:t>Smoking Cessation</a:t>
-            </a:r>
-          </a:p>
-        </p:txBody>
-      </p:sp>
-      <p:sp>
-        <p:nvSpPr>
-          <p:cNvPr id="3" name="Content Placeholder 2"/>
-          <p:cNvSpPr>
-            <a:spLocks noGrp="1"/>
-          </p:cNvSpPr>
-          <p:nvPr>
-            <p:ph idx="1"/>
-          </p:nvPr>
-        </p:nvSpPr>
-        <p:spPr/>
-        <p:txBody>
-          <a:bodyPr/>
-          <a:lstStyle/>
-          <a:p>
-            <a:pPr lvl="0"/>
-            <a:r>
-              <a:rPr/>
-              <a:t>Smoking makes cancer treatment more difficult</a:t>
-            </a:r>
-          </a:p>
-          <a:p>
-            <a:pPr lvl="1"/>
-            <a:r>
-              <a:rPr/>
-              <a:t>Increases risk of complications after surgery</a:t>
-            </a:r>
-          </a:p>
-          <a:p>
-            <a:pPr lvl="0"/>
-            <a:r>
-              <a:rPr/>
-              <a:t>Options for help with smoking cessation:</a:t>
-            </a:r>
-          </a:p>
-          <a:p>
-            <a:pPr lvl="1"/>
-            <a:r>
-              <a:rPr/>
-              <a:t>NC Quit Line 1-800-QUIT-NOW (1-800-784-8669)</a:t>
-            </a:r>
-          </a:p>
-          <a:p>
-            <a:pPr lvl="1"/>
-            <a:r>
-              <a:rPr/>
-              <a:t>American Lung Assn www.freddomfromsmoking.org</a:t>
-            </a:r>
-          </a:p>
-          <a:p>
-            <a:pPr lvl="1"/>
-            <a:r>
-              <a:rPr/>
-              <a:t>Smoking Cessation Counseling (Metro Charlotte)</a:t>
-            </a:r>
-          </a:p>
-        </p:txBody>
-      </p:sp>
-    </p:spTree>
-  </p:cSld>
-</p:sld>
-</file>
-
-<file path=ppt/slides/slide26.xml><?xml version="1.0" encoding="utf-8"?>
 <p:sld xmlns:a="http://schemas.openxmlformats.org/drawingml/2006/main" xmlns:r="http://schemas.openxmlformats.org/officeDocument/2006/relationships" xmlns:p="http://schemas.openxmlformats.org/presentationml/2006/main">
   <p:cSld>
     <p:spTree>

--- a/lci_esom1.pptx
+++ b/lci_esom1.pptx
@@ -3619,14 +3619,14 @@
             <a:pPr lvl="0"/>
             <a:r>
               <a:rPr/>
-              <a:t>IV catheter placed into a vein in the hand or arm</a:t>
-            </a:r>
-          </a:p>
-          <a:p>
-            <a:pPr lvl="0"/>
-            <a:r>
-              <a:rPr/>
-              <a:t>Allows administration of chemotherapy and fluids</a:t>
+              <a:t>IV catheter placed in vein of hand or arm</a:t>
+            </a:r>
+          </a:p>
+          <a:p>
+            <a:pPr lvl="0"/>
+            <a:r>
+              <a:rPr/>
+              <a:t>Allows administration of chemo and fluids</a:t>
             </a:r>
           </a:p>
           <a:p>
@@ -3647,7 +3647,7 @@
             <a:pPr lvl="0"/>
             <a:r>
               <a:rPr/>
-              <a:t>Not suitable for FLOT chemotherapy</a:t>
+              <a:t>Not suitable for FLOT chemo</a:t>
             </a:r>
           </a:p>
         </p:txBody>
@@ -3878,7 +3878,7 @@
             <a:pPr lvl="0"/>
             <a:r>
               <a:rPr/>
-              <a:t>Implantable device that makes the administration of chemotherapy easier</a:t>
+              <a:t>Implantable device makes chemo easier</a:t>
             </a:r>
           </a:p>
           <a:p>
@@ -3899,7 +3899,7 @@
             <a:pPr lvl="0"/>
             <a:r>
               <a:rPr/>
-              <a:t>Suitable for FLOT chemo</a:t>
+              <a:t>OK for FLOT chemo</a:t>
             </a:r>
           </a:p>
           <a:p>
@@ -4032,7 +4032,7 @@
             <a:pPr lvl="0"/>
             <a:r>
               <a:rPr/>
-              <a:t>Sutures dissolve on their own</a:t>
+              <a:t>Sutures dissolve</a:t>
             </a:r>
           </a:p>
           <a:p>
@@ -5047,7 +5047,7 @@
             </a:pPr>
             <a:r>
               <a:rPr/>
-              <a:t>A PCP is critical to coordinate care between specialists.</a:t>
+              <a:t>Critical to coordinate care between specialists.</a:t>
             </a:r>
           </a:p>
           <a:p>
@@ -5065,7 +5065,7 @@
             </a:pPr>
             <a:r>
               <a:rPr/>
-              <a:t>Call our referral line at (844) 235-6998 if you need a PCP</a:t>
+              <a:t>PCP Referral Line (844) 235-6998</a:t>
             </a:r>
           </a:p>
         </p:txBody>
@@ -5258,7 +5258,7 @@
             <a:pPr lvl="1"/>
             <a:r>
               <a:rPr/>
-              <a:t>Every day counts! (Aim for some activity every day)</a:t>
+              <a:t>Every day counts! (Aim for daily activity)</a:t>
             </a:r>
           </a:p>
         </p:txBody>

--- a/lci_esom1.pptx
+++ b/lci_esom1.pptx
@@ -340,7 +340,7 @@
           <a:p>
             <a:fld id="{241EB5C9-1307-BA42-ABA2-0BC069CD8E7F}" type="datetimeFigureOut">
               <a:rPr lang="en-US" smtClean="0"/>
-              <a:t>1/11/25</a:t>
+              <a:t>2/24/25</a:t>
             </a:fld>
             <a:endParaRPr lang="en-US"/>
           </a:p>
@@ -532,7 +532,7 @@
           <a:p>
             <a:fld id="{241EB5C9-1307-BA42-ABA2-0BC069CD8E7F}" type="datetimeFigureOut">
               <a:rPr lang="en-US" smtClean="0"/>
-              <a:t>1/11/25</a:t>
+              <a:t>2/24/25</a:t>
             </a:fld>
             <a:endParaRPr lang="en-US"/>
           </a:p>
@@ -734,7 +734,7 @@
           <a:p>
             <a:fld id="{241EB5C9-1307-BA42-ABA2-0BC069CD8E7F}" type="datetimeFigureOut">
               <a:rPr lang="en-US" smtClean="0"/>
-              <a:t>1/11/25</a:t>
+              <a:t>2/24/25</a:t>
             </a:fld>
             <a:endParaRPr lang="en-US"/>
           </a:p>
@@ -936,7 +936,7 @@
           <a:p>
             <a:fld id="{241EB5C9-1307-BA42-ABA2-0BC069CD8E7F}" type="datetimeFigureOut">
               <a:rPr lang="en-US" smtClean="0"/>
-              <a:t>1/11/25</a:t>
+              <a:t>2/24/25</a:t>
             </a:fld>
             <a:endParaRPr lang="en-US"/>
           </a:p>
@@ -1476,7 +1476,7 @@
           <a:p>
             <a:fld id="{241EB5C9-1307-BA42-ABA2-0BC069CD8E7F}" type="datetimeFigureOut">
               <a:rPr lang="en-US" smtClean="0"/>
-              <a:t>1/11/25</a:t>
+              <a:t>2/24/25</a:t>
             </a:fld>
             <a:endParaRPr lang="en-US"/>
           </a:p>
@@ -2150,7 +2150,7 @@
           <a:p>
             <a:fld id="{241EB5C9-1307-BA42-ABA2-0BC069CD8E7F}" type="datetimeFigureOut">
               <a:rPr lang="en-US" smtClean="0"/>
-              <a:t>1/11/25</a:t>
+              <a:t>2/24/25</a:t>
             </a:fld>
             <a:endParaRPr lang="en-US"/>
           </a:p>
@@ -2297,7 +2297,7 @@
           <a:p>
             <a:fld id="{241EB5C9-1307-BA42-ABA2-0BC069CD8E7F}" type="datetimeFigureOut">
               <a:rPr lang="en-US" smtClean="0"/>
-              <a:t>1/11/25</a:t>
+              <a:t>2/24/25</a:t>
             </a:fld>
             <a:endParaRPr lang="en-US"/>
           </a:p>
@@ -2416,7 +2416,7 @@
           <a:p>
             <a:fld id="{241EB5C9-1307-BA42-ABA2-0BC069CD8E7F}" type="datetimeFigureOut">
               <a:rPr lang="en-US" smtClean="0"/>
-              <a:t>1/11/25</a:t>
+              <a:t>2/24/25</a:t>
             </a:fld>
             <a:endParaRPr lang="en-US"/>
           </a:p>
@@ -2715,7 +2715,7 @@
           <a:p>
             <a:fld id="{241EB5C9-1307-BA42-ABA2-0BC069CD8E7F}" type="datetimeFigureOut">
               <a:rPr lang="en-US" smtClean="0"/>
-              <a:t>1/11/25</a:t>
+              <a:t>2/24/25</a:t>
             </a:fld>
             <a:endParaRPr lang="en-US"/>
           </a:p>
@@ -2991,7 +2991,7 @@
           <a:p>
             <a:fld id="{241EB5C9-1307-BA42-ABA2-0BC069CD8E7F}" type="datetimeFigureOut">
               <a:rPr lang="en-US" smtClean="0"/>
-              <a:t>1/11/25</a:t>
+              <a:t>2/24/25</a:t>
             </a:fld>
             <a:endParaRPr lang="en-US"/>
           </a:p>
@@ -3244,7 +3244,7 @@
         </a:spcBef>
         <a:buFont typeface="Arial"/>
         <a:buChar char="–"/>
-        <a:defRPr baseline="0" kern="1200" sz="2100">
+        <a:defRPr baseline="0" kern="1200" sz="2400">
           <a:solidFill>
             <a:schemeClr val="tx1"/>
           </a:solidFill>
@@ -3259,7 +3259,7 @@
         </a:spcBef>
         <a:buFont typeface="Arial"/>
         <a:buChar char="•"/>
-        <a:defRPr kern="1200" sz="1800">
+        <a:defRPr kern="1200" sz="2400">
           <a:solidFill>
             <a:schemeClr val="tx1"/>
           </a:solidFill>
@@ -3274,7 +3274,7 @@
         </a:spcBef>
         <a:buFont typeface="Arial"/>
         <a:buChar char="–"/>
-        <a:defRPr kern="1200" sz="1500">
+        <a:defRPr kern="1200" sz="2400">
           <a:solidFill>
             <a:schemeClr val="tx1"/>
           </a:solidFill>

--- a/lci_esom1.pptx
+++ b/lci_esom1.pptx
@@ -5119,7 +5119,6 @@
               <a:rPr/>
               <a:t>My Atrium Patient Portal</a:t>
             </a:r>
-            <a:br/>
           </a:p>
         </p:txBody>
       </p:sp>
@@ -5237,7 +5236,7 @@
             <a:pPr lvl="0"/>
             <a:r>
               <a:rPr/>
-              <a:t>Goal is 30min/day of vigorous exercise 6 days/week</a:t>
+              <a:t>Goal is 30min/day of vigorous exercise 6 days/wk</a:t>
             </a:r>
           </a:p>
           <a:p>
@@ -5361,7 +5360,7 @@
             <a:pPr lvl="1"/>
             <a:r>
               <a:rPr/>
-              <a:t>American Lung Assn www.freddomfromsmoking.org</a:t>
+              <a:t>American Lung Assn www.freedomfromsmoking.org</a:t>
             </a:r>
           </a:p>
           <a:p>

--- a/lci_esom1.pptx
+++ b/lci_esom1.pptx
@@ -4011,7 +4011,7 @@
             <a:pPr lvl="0"/>
             <a:r>
               <a:rPr/>
-              <a:t>Implanted under the skin</a:t>
+              <a:t>Implanted under skin</a:t>
             </a:r>
           </a:p>
           <a:p>
@@ -5643,7 +5643,7 @@
             </a:pPr>
             <a:r>
               <a:rPr/>
-              <a:t>Metastatic cancers spread from the esophagus to other parts of the body</a:t>
+              <a:t>Metastatic cancers spread to other parts of the body</a:t>
             </a:r>
           </a:p>
           <a:p>
@@ -5823,7 +5823,7 @@
                 <a:pPr lvl="0"/>
                 <a:r>
                   <a:rPr/>
-                  <a:t>Locally-advanced (T3/N1) </a:t>
+                  <a:t>Locally-advanced (T3M0) </a:t>
                 </a:r>
                 <a14:m>
                   <m:oMath xmlns:m="http://schemas.openxmlformats.org/officeDocument/2006/math">

--- a/lci_esom1.pptx
+++ b/lci_esom1.pptx
@@ -3242,8 +3242,8 @@
         <a:spcBef>
           <a:spcPct val="20000"/>
         </a:spcBef>
-        <a:buFont typeface="Arial"/>
-        <a:buChar char="–"/>
+        <a:buFont charset="0" panose="020B0604020202020204" pitchFamily="34" typeface="Arial"/>
+        <a:buChar char="•"/>
         <a:defRPr baseline="0" kern="1200" sz="2400">
           <a:solidFill>
             <a:schemeClr val="tx1"/>

--- a/lci_esom1.pptx
+++ b/lci_esom1.pptx
@@ -3654,7 +3654,7 @@
       </p:sp>
       <p:pic>
         <p:nvPicPr>
-          <p:cNvPr descr="https://deidt7p41jzcy.cloudfront.net/peripheral-venous-catheter-427167-7_960_720-pixabay.jpg" id="0" name="Picture 1"/>
+          <p:cNvPr descr="images/access_peripheral-venous-catheter-427167-7_960_720-pixabay.jpeg" id="0" name="Picture 1"/>
           <p:cNvPicPr>
             <a:picLocks noGrp="1" noChangeAspect="1"/>
           </p:cNvPicPr>
@@ -3780,7 +3780,7 @@
       </p:sp>
       <p:pic>
         <p:nvPicPr>
-          <p:cNvPr descr="https://deidt7p41jzcy.cloudfront.net/comm_picc.jpeg" id="0" name="Picture 1"/>
+          <p:cNvPr descr="images/comm_picc.jpeg" id="0" name="Picture 1"/>
           <p:cNvPicPr>
             <a:picLocks noGrp="1" noChangeAspect="1"/>
           </p:cNvPicPr>
@@ -3913,7 +3913,7 @@
       </p:sp>
       <p:pic>
         <p:nvPicPr>
-          <p:cNvPr descr="https://deidt7p41jzcy.cloudfront.net/cv_port.png" id="0" name="Picture 1"/>
+          <p:cNvPr descr="images/access_cv_port.png" id="0" name="Picture 1"/>
           <p:cNvPicPr>
             <a:picLocks noGrp="1" noChangeAspect="1"/>
           </p:cNvPicPr>
@@ -4046,7 +4046,7 @@
       </p:sp>
       <p:pic>
         <p:nvPicPr>
-          <p:cNvPr descr="https://deidt7p41jzcy.cloudfront.net/cv_port_1700.png" id="0" name="Picture 1"/>
+          <p:cNvPr descr="images/access_cv_port_1700.png" id="0" name="Picture 1"/>
           <p:cNvPicPr>
             <a:picLocks noGrp="1" noChangeAspect="1"/>
           </p:cNvPicPr>
@@ -4153,7 +4153,7 @@
       </p:sp>
       <p:pic>
         <p:nvPicPr>
-          <p:cNvPr descr="https://deidt7p41jzcy.cloudfront.net/cv_port_detail_1700.png" id="0" name="Picture 1"/>
+          <p:cNvPr descr="images/access_cv_port_detail_1700.png" id="0" name="Picture 1"/>
           <p:cNvPicPr>
             <a:picLocks noGrp="1" noChangeAspect="1"/>
           </p:cNvPicPr>
@@ -4351,7 +4351,7 @@
       </p:sp>
       <p:pic>
         <p:nvPicPr>
-          <p:cNvPr descr="https://deidt7p41jzcy.cloudfront.net/wallflex_eso.png" id="0" name="Picture 1"/>
+          <p:cNvPr descr="images/wallflex_eso.png" id="0" name="Picture 1"/>
           <p:cNvPicPr>
             <a:picLocks noGrp="1" noChangeAspect="1"/>
           </p:cNvPicPr>
@@ -4458,7 +4458,7 @@
       </p:sp>
       <p:pic>
         <p:nvPicPr>
-          <p:cNvPr descr="https://deidt7p41jzcy.cloudfront.net/nci_stent_433292.jpg" id="0" name="Picture 1"/>
+          <p:cNvPr descr="images/nci_stent_433292.jpg" id="0" name="Picture 1"/>
           <p:cNvPicPr>
             <a:picLocks noGrp="1" noChangeAspect="1"/>
           </p:cNvPicPr>
@@ -4856,7 +4856,7 @@
       </mc:AlternateContent>
       <p:pic>
         <p:nvPicPr>
-          <p:cNvPr descr="https://deidt7p41jzcy.cloudfront.net/Eso_Anatomy_Labels.png" id="0" name="Picture 1"/>
+          <p:cNvPr descr="images/Eso_Anatomy_Labels.png" id="0" name="Picture 1"/>
           <p:cNvPicPr>
             <a:picLocks noGrp="1" noChangeAspect="1"/>
           </p:cNvPicPr>
@@ -5681,7 +5681,7 @@
       </p:sp>
       <p:pic>
         <p:nvPicPr>
-          <p:cNvPr descr="https://deidt7p41jzcy.cloudfront.net/Eso_M_Stage.png" id="0" name="Picture 1"/>
+          <p:cNvPr descr="images/Eso_M_Stage.png" id="0" name="Picture 1"/>
           <p:cNvPicPr>
             <a:picLocks noGrp="1" noChangeAspect="1"/>
           </p:cNvPicPr>

--- a/lci_esom1.pptx
+++ b/lci_esom1.pptx
@@ -29,7 +29,6 @@
     <p:sldId id="277" r:id="rId23"/>
     <p:sldId id="278" r:id="rId24"/>
     <p:sldId id="279" r:id="rId25"/>
-    <p:sldId id="280" r:id="rId26"/>
   </p:sldIdLst>
   <p:sldSz cx="9144000" cy="5143500" type="screen16x9"/>
   <p:notesSz cx="6858000" cy="9144000"/>
@@ -3729,7 +3728,7 @@
             </a:pPr>
             <a:r>
               <a:rPr/>
-              <a:t>PICC Lines</a:t>
+              <a:t>Central Venous Port</a:t>
             </a:r>
           </a:p>
         </p:txBody>
@@ -3752,35 +3751,42 @@
             <a:pPr lvl="0"/>
             <a:r>
               <a:rPr/>
-              <a:t>Placed in Radiology</a:t>
-            </a:r>
-          </a:p>
-          <a:p>
-            <a:pPr lvl="0"/>
-            <a:r>
-              <a:rPr/>
-              <a:t>Stay in place during all of treatment</a:t>
-            </a:r>
-          </a:p>
-          <a:p>
-            <a:pPr lvl="0"/>
-            <a:r>
-              <a:rPr/>
-              <a:t>Needs to be kept clean and dry</a:t>
-            </a:r>
-          </a:p>
-          <a:p>
-            <a:pPr lvl="0"/>
-            <a:r>
-              <a:rPr/>
-              <a:t>Suitable for FLOT chemotherapy</a:t>
+              <a:t>Implantable device makes chemo easier</a:t>
+            </a:r>
+          </a:p>
+          <a:p>
+            <a:pPr lvl="0"/>
+            <a:r>
+              <a:rPr/>
+              <a:t>May shower in 24 hrs</a:t>
+            </a:r>
+          </a:p>
+          <a:p>
+            <a:pPr lvl="0"/>
+            <a:r>
+              <a:rPr/>
+              <a:t>No special care at home</a:t>
+            </a:r>
+          </a:p>
+          <a:p>
+            <a:pPr lvl="0"/>
+            <a:r>
+              <a:rPr/>
+              <a:t>OK for FLOT chemo</a:t>
+            </a:r>
+          </a:p>
+          <a:p>
+            <a:pPr lvl="0"/>
+            <a:r>
+              <a:rPr/>
+              <a:t>Allows for blood draws</a:t>
             </a:r>
           </a:p>
         </p:txBody>
       </p:sp>
       <p:pic>
         <p:nvPicPr>
-          <p:cNvPr descr="images/comm_picc.jpeg" id="0" name="Picture 1"/>
+          <p:cNvPr descr="images/access_cv_port.png" id="0" name="Picture 1"/>
           <p:cNvPicPr>
             <a:picLocks noGrp="1" noChangeAspect="1"/>
           </p:cNvPicPr>
@@ -3794,8 +3800,8 @@
         </p:blipFill>
         <p:spPr bwMode="auto">
           <a:xfrm>
-            <a:off x="4635500" y="1511300"/>
-            <a:ext cx="4191000" cy="3098800"/>
+            <a:off x="4914900" y="1193800"/>
+            <a:ext cx="3632200" cy="3733800"/>
           </a:xfrm>
           <a:prstGeom prst="rect">
             <a:avLst/>
@@ -3878,42 +3884,42 @@
             <a:pPr lvl="0"/>
             <a:r>
               <a:rPr/>
-              <a:t>Implantable device makes chemo easier</a:t>
-            </a:r>
-          </a:p>
-          <a:p>
-            <a:pPr lvl="0"/>
-            <a:r>
-              <a:rPr/>
-              <a:t>May shower in 24 hrs</a:t>
-            </a:r>
-          </a:p>
-          <a:p>
-            <a:pPr lvl="0"/>
-            <a:r>
-              <a:rPr/>
-              <a:t>No special care at home</a:t>
-            </a:r>
-          </a:p>
-          <a:p>
-            <a:pPr lvl="0"/>
-            <a:r>
-              <a:rPr/>
-              <a:t>OK for FLOT chemo</a:t>
-            </a:r>
-          </a:p>
-          <a:p>
-            <a:pPr lvl="0"/>
-            <a:r>
-              <a:rPr/>
-              <a:t>Allows for blood draws</a:t>
+              <a:t>Implanted under skin</a:t>
+            </a:r>
+          </a:p>
+          <a:p>
+            <a:pPr lvl="0"/>
+            <a:r>
+              <a:rPr/>
+              <a:t>Neck incision (1/4”)</a:t>
+            </a:r>
+          </a:p>
+          <a:p>
+            <a:pPr lvl="0"/>
+            <a:r>
+              <a:rPr/>
+              <a:t>Incision below the collarbone</a:t>
+            </a:r>
+          </a:p>
+          <a:p>
+            <a:pPr lvl="0"/>
+            <a:r>
+              <a:rPr/>
+              <a:t>Sutures dissolve</a:t>
+            </a:r>
+          </a:p>
+          <a:p>
+            <a:pPr lvl="0"/>
+            <a:r>
+              <a:rPr/>
+              <a:t>“Superglue” on incisions</a:t>
             </a:r>
           </a:p>
         </p:txBody>
       </p:sp>
       <p:pic>
         <p:nvPicPr>
-          <p:cNvPr descr="images/access_cv_port.png" id="0" name="Picture 1"/>
+          <p:cNvPr descr="images/access_cv_port_1700.png" id="0" name="Picture 1"/>
           <p:cNvPicPr>
             <a:picLocks noGrp="1" noChangeAspect="1"/>
           </p:cNvPicPr>
@@ -3927,8 +3933,8 @@
         </p:blipFill>
         <p:spPr bwMode="auto">
           <a:xfrm>
-            <a:off x="4914900" y="1193800"/>
-            <a:ext cx="3632200" cy="3733800"/>
+            <a:off x="4864100" y="1193800"/>
+            <a:ext cx="3733800" cy="3733800"/>
           </a:xfrm>
           <a:prstGeom prst="rect">
             <a:avLst/>
@@ -4008,45 +4014,19 @@
           <a:bodyPr/>
           <a:lstStyle/>
           <a:p>
-            <a:pPr lvl="0"/>
-            <a:r>
-              <a:rPr/>
-              <a:t>Implanted under skin</a:t>
-            </a:r>
-          </a:p>
-          <a:p>
-            <a:pPr lvl="0"/>
-            <a:r>
-              <a:rPr/>
-              <a:t>Neck incision (1/4”)</a:t>
-            </a:r>
-          </a:p>
-          <a:p>
-            <a:pPr lvl="0"/>
-            <a:r>
-              <a:rPr/>
-              <a:t>Incision below the collarbone</a:t>
-            </a:r>
-          </a:p>
-          <a:p>
-            <a:pPr lvl="0"/>
-            <a:r>
-              <a:rPr/>
-              <a:t>Sutures dissolve</a:t>
-            </a:r>
-          </a:p>
-          <a:p>
-            <a:pPr lvl="0"/>
-            <a:r>
-              <a:rPr/>
-              <a:t>“Superglue” on incisions</a:t>
+            <a:pPr lvl="0" indent="0" marL="0">
+              <a:buNone/>
+            </a:pPr>
+            <a:r>
+              <a:rPr/>
+              <a:t>When it is time for chemotherapy, a needle is inserted through the skin into the port</a:t>
             </a:r>
           </a:p>
         </p:txBody>
       </p:sp>
       <p:pic>
         <p:nvPicPr>
-          <p:cNvPr descr="images/access_cv_port_1700.png" id="0" name="Picture 1"/>
+          <p:cNvPr descr="images/access_cv_port_detail_1700.png" id="0" name="Picture 1"/>
           <p:cNvPicPr>
             <a:picLocks noGrp="1" noChangeAspect="1"/>
           </p:cNvPicPr>
@@ -4108,8 +4088,8 @@
         </p:nvSpPr>
         <p:spPr>
           <a:xfrm>
-            <a:off x="315045" y="205979"/>
-            <a:ext cx="8529278" cy="857250"/>
+            <a:off x="284309" y="205979"/>
+            <a:ext cx="8552330" cy="662317"/>
           </a:xfrm>
         </p:spPr>
         <p:txBody>
@@ -4121,7 +4101,7 @@
             </a:pPr>
             <a:r>
               <a:rPr/>
-              <a:t>Central Venous Port</a:t>
+              <a:t>Radiation Therapy</a:t>
             </a:r>
           </a:p>
         </p:txBody>
@@ -4133,7 +4113,7 @@
             <a:spLocks noGrp="1"/>
           </p:cNvSpPr>
           <p:nvPr>
-            <p:ph idx="1" sz="half"/>
+            <p:ph idx="1"/>
           </p:nvPr>
         </p:nvSpPr>
         <p:spPr/>
@@ -4146,41 +4126,25 @@
             </a:pPr>
             <a:r>
               <a:rPr/>
-              <a:t>When it is time for chemotherapy, a needle is inserted through the skin into the port</a:t>
-            </a:r>
-          </a:p>
-        </p:txBody>
-      </p:sp>
-      <p:pic>
-        <p:nvPicPr>
-          <p:cNvPr descr="images/access_cv_port_detail_1700.png" id="0" name="Picture 1"/>
-          <p:cNvPicPr>
-            <a:picLocks noGrp="1" noChangeAspect="1"/>
-          </p:cNvPicPr>
-          <p:nvPr/>
-        </p:nvPicPr>
-        <p:blipFill>
-          <a:blip r:embed="rId2"/>
-          <a:stretch>
-            <a:fillRect/>
-          </a:stretch>
-        </p:blipFill>
-        <p:spPr bwMode="auto">
-          <a:xfrm>
-            <a:off x="4864100" y="1193800"/>
-            <a:ext cx="3733800" cy="3733800"/>
-          </a:xfrm>
-          <a:prstGeom prst="rect">
-            <a:avLst/>
-          </a:prstGeom>
-          <a:noFill/>
-          <a:ln w="9525">
-            <a:noFill/>
-            <a:headEnd/>
-            <a:tailEnd/>
-          </a:ln>
-        </p:spPr>
-      </p:pic>
+              <a:t>Radiation uses high-energy x-rays to kill cancer cells</a:t>
+            </a:r>
+          </a:p>
+          <a:p>
+            <a:pPr lvl="0"/>
+            <a:r>
+              <a:rPr/>
+              <a:t>Bone metastasis: Can relieve pain</a:t>
+            </a:r>
+          </a:p>
+          <a:p>
+            <a:pPr lvl="0"/>
+            <a:r>
+              <a:rPr/>
+              <a:t>Esophagus: Can shrink tumor and improve eating</a:t>
+            </a:r>
+          </a:p>
+        </p:txBody>
+      </p:sp>
     </p:spTree>
   </p:cSld>
 </p:sld>
@@ -4215,8 +4179,8 @@
         </p:nvSpPr>
         <p:spPr>
           <a:xfrm>
-            <a:off x="284309" y="205979"/>
-            <a:ext cx="8552330" cy="662317"/>
+            <a:off x="315045" y="205979"/>
+            <a:ext cx="8529278" cy="857250"/>
           </a:xfrm>
         </p:spPr>
         <p:txBody>
@@ -4228,7 +4192,7 @@
             </a:pPr>
             <a:r>
               <a:rPr/>
-              <a:t>Radiation Therapy</a:t>
+              <a:t>Endoluminal Stent</a:t>
             </a:r>
           </a:p>
         </p:txBody>
@@ -4240,7 +4204,7 @@
             <a:spLocks noGrp="1"/>
           </p:cNvSpPr>
           <p:nvPr>
-            <p:ph idx="1"/>
+            <p:ph idx="1" sz="half"/>
           </p:nvPr>
         </p:nvSpPr>
         <p:spPr/>
@@ -4253,25 +4217,41 @@
             </a:pPr>
             <a:r>
               <a:rPr/>
-              <a:t>Radiation uses high-energy x-rays to kill cancer cells</a:t>
-            </a:r>
-          </a:p>
-          <a:p>
-            <a:pPr lvl="0"/>
-            <a:r>
-              <a:rPr/>
-              <a:t>Bone metastasis: Can relieve pain</a:t>
-            </a:r>
-          </a:p>
-          <a:p>
-            <a:pPr lvl="0"/>
-            <a:r>
-              <a:rPr/>
-              <a:t>Esophagus: Can shrink tumor and improve eating</a:t>
-            </a:r>
-          </a:p>
-        </p:txBody>
-      </p:sp>
+              <a:t>An endoluminal stent can be placed inside an esophageal cancer to improve eating</a:t>
+            </a:r>
+          </a:p>
+        </p:txBody>
+      </p:sp>
+      <p:pic>
+        <p:nvPicPr>
+          <p:cNvPr descr="images/wallflex_eso.png" id="0" name="Picture 1"/>
+          <p:cNvPicPr>
+            <a:picLocks noGrp="1" noChangeAspect="1"/>
+          </p:cNvPicPr>
+          <p:nvPr/>
+        </p:nvPicPr>
+        <p:blipFill>
+          <a:blip r:embed="rId2"/>
+          <a:stretch>
+            <a:fillRect/>
+          </a:stretch>
+        </p:blipFill>
+        <p:spPr bwMode="auto">
+          <a:xfrm>
+            <a:off x="4864100" y="1193800"/>
+            <a:ext cx="3733800" cy="3733800"/>
+          </a:xfrm>
+          <a:prstGeom prst="rect">
+            <a:avLst/>
+          </a:prstGeom>
+          <a:noFill/>
+          <a:ln w="9525">
+            <a:noFill/>
+            <a:headEnd/>
+            <a:tailEnd/>
+          </a:ln>
+        </p:spPr>
+      </p:pic>
     </p:spTree>
   </p:cSld>
 </p:sld>
@@ -4351,7 +4331,7 @@
       </p:sp>
       <p:pic>
         <p:nvPicPr>
-          <p:cNvPr descr="images/wallflex_eso.png" id="0" name="Picture 1"/>
+          <p:cNvPr descr="images/nci_stent_433292.jpg" id="0" name="Picture 1"/>
           <p:cNvPicPr>
             <a:picLocks noGrp="1" noChangeAspect="1"/>
           </p:cNvPicPr>
@@ -4365,8 +4345,8 @@
         </p:blipFill>
         <p:spPr bwMode="auto">
           <a:xfrm>
-            <a:off x="4864100" y="1193800"/>
-            <a:ext cx="3733800" cy="3733800"/>
+            <a:off x="4635500" y="1231900"/>
+            <a:ext cx="4191000" cy="3657600"/>
           </a:xfrm>
           <a:prstGeom prst="rect">
             <a:avLst/>
@@ -4413,8 +4393,8 @@
         </p:nvSpPr>
         <p:spPr>
           <a:xfrm>
-            <a:off x="315045" y="205979"/>
-            <a:ext cx="8529278" cy="857250"/>
+            <a:off x="284309" y="205979"/>
+            <a:ext cx="8552330" cy="662317"/>
           </a:xfrm>
         </p:spPr>
         <p:txBody>
@@ -4426,7 +4406,7 @@
             </a:pPr>
             <a:r>
               <a:rPr/>
-              <a:t>Endoluminal Stent</a:t>
+              <a:t>Endoluminal Stents</a:t>
             </a:r>
           </a:p>
         </p:txBody>
@@ -4438,7 +4418,7 @@
             <a:spLocks noGrp="1"/>
           </p:cNvSpPr>
           <p:nvPr>
-            <p:ph idx="1" sz="half"/>
+            <p:ph idx="1"/>
           </p:nvPr>
         </p:nvSpPr>
         <p:spPr/>
@@ -4451,41 +4431,48 @@
             </a:pPr>
             <a:r>
               <a:rPr/>
-              <a:t>An endoluminal stent can be placed inside an esophageal cancer to improve eating</a:t>
-            </a:r>
-          </a:p>
-        </p:txBody>
-      </p:sp>
-      <p:pic>
-        <p:nvPicPr>
-          <p:cNvPr descr="images/nci_stent_433292.jpg" id="0" name="Picture 1"/>
-          <p:cNvPicPr>
-            <a:picLocks noGrp="1" noChangeAspect="1"/>
-          </p:cNvPicPr>
-          <p:nvPr/>
-        </p:nvPicPr>
-        <p:blipFill>
-          <a:blip r:embed="rId2"/>
-          <a:stretch>
-            <a:fillRect/>
-          </a:stretch>
-        </p:blipFill>
-        <p:spPr bwMode="auto">
-          <a:xfrm>
-            <a:off x="4635500" y="1231900"/>
-            <a:ext cx="4191000" cy="3657600"/>
-          </a:xfrm>
-          <a:prstGeom prst="rect">
-            <a:avLst/>
-          </a:prstGeom>
-          <a:noFill/>
-          <a:ln w="9525">
-            <a:noFill/>
-            <a:headEnd/>
-            <a:tailEnd/>
-          </a:ln>
-        </p:spPr>
-      </p:pic>
+              <a:t>Advantages:</a:t>
+            </a:r>
+          </a:p>
+          <a:p>
+            <a:pPr lvl="0"/>
+            <a:r>
+              <a:rPr/>
+              <a:t>Outpatient endoscopic procedure (no surgery)</a:t>
+            </a:r>
+          </a:p>
+          <a:p>
+            <a:pPr lvl="0"/>
+            <a:r>
+              <a:rPr/>
+              <a:t>Can improve swallowing</a:t>
+            </a:r>
+          </a:p>
+          <a:p>
+            <a:pPr lvl="0" indent="0" marL="0">
+              <a:buNone/>
+            </a:pPr>
+            <a:r>
+              <a:rPr/>
+              <a:t>Disadvantages:</a:t>
+            </a:r>
+          </a:p>
+          <a:p>
+            <a:pPr lvl="0"/>
+            <a:r>
+              <a:rPr/>
+              <a:t>Discomfort and reflux</a:t>
+            </a:r>
+          </a:p>
+          <a:p>
+            <a:pPr lvl="0"/>
+            <a:r>
+              <a:rPr/>
+              <a:t>Can make surgery to remove esophagus more complicated</a:t>
+            </a:r>
+          </a:p>
+        </p:txBody>
+      </p:sp>
     </p:spTree>
   </p:cSld>
 </p:sld>
@@ -4533,7 +4520,7 @@
             </a:pPr>
             <a:r>
               <a:rPr/>
-              <a:t>Endoluminal Stents</a:t>
+              <a:t>Radiation Therapy - Esophagus</a:t>
             </a:r>
           </a:p>
         </p:txBody>
@@ -4558,21 +4545,7 @@
             </a:pPr>
             <a:r>
               <a:rPr/>
-              <a:t>Advantages:</a:t>
-            </a:r>
-          </a:p>
-          <a:p>
-            <a:pPr lvl="0"/>
-            <a:r>
-              <a:rPr/>
-              <a:t>Outpatient endoscopic procedure (no surgery)</a:t>
-            </a:r>
-          </a:p>
-          <a:p>
-            <a:pPr lvl="0"/>
-            <a:r>
-              <a:rPr/>
-              <a:t>Can improve swallowing</a:t>
+              <a:t>Radiation therapy to the esophagus can improve swallowing. There are two approaches:</a:t>
             </a:r>
           </a:p>
           <a:p>
@@ -4580,22 +4553,38 @@
               <a:buNone/>
             </a:pPr>
             <a:r>
-              <a:rPr/>
-              <a:t>Disadvantages:</a:t>
-            </a:r>
-          </a:p>
-          <a:p>
-            <a:pPr lvl="0"/>
-            <a:r>
-              <a:rPr/>
-              <a:t>Discomfort and reflux</a:t>
-            </a:r>
-          </a:p>
-          <a:p>
-            <a:pPr lvl="0"/>
-            <a:r>
-              <a:rPr/>
-              <a:t>Can make surgery to remove esophagus more complicated</a:t>
+              <a:rPr b="1"/>
+              <a:t>Short Course</a:t>
+            </a:r>
+          </a:p>
+          <a:p>
+            <a:pPr lvl="0"/>
+            <a:r>
+              <a:rPr/>
+              <a:t>10 treatments over 2 weeks</a:t>
+            </a:r>
+          </a:p>
+          <a:p>
+            <a:pPr lvl="0" indent="0" marL="0">
+              <a:buNone/>
+            </a:pPr>
+            <a:r>
+              <a:rPr b="1"/>
+              <a:t>Conventional Dosing</a:t>
+            </a:r>
+          </a:p>
+          <a:p>
+            <a:pPr lvl="0"/>
+            <a:r>
+              <a:rPr/>
+              <a:t>25-30 treatment over 5-6 weeks</a:t>
+            </a:r>
+          </a:p>
+          <a:p>
+            <a:pPr lvl="0"/>
+            <a:r>
+              <a:rPr/>
+              <a:t>Usually combined with low-dose chemo</a:t>
             </a:r>
           </a:p>
         </p:txBody>
@@ -4647,7 +4636,7 @@
             </a:pPr>
             <a:r>
               <a:rPr/>
-              <a:t>Radiation Therapy - Esophagus</a:t>
+              <a:t>Radiation Therapy - Bone</a:t>
             </a:r>
           </a:p>
         </p:txBody>
@@ -4672,46 +4661,21 @@
             </a:pPr>
             <a:r>
               <a:rPr/>
-              <a:t>Radiation therapy to the esophagus can improve swallowing. There are two approaches:</a:t>
-            </a:r>
-          </a:p>
-          <a:p>
-            <a:pPr lvl="0" indent="0" marL="0">
-              <a:buNone/>
-            </a:pPr>
-            <a:r>
-              <a:rPr b="1"/>
-              <a:t>Short Course</a:t>
-            </a:r>
-          </a:p>
-          <a:p>
-            <a:pPr lvl="0"/>
-            <a:r>
-              <a:rPr/>
-              <a:t>10 treatments over 2 weeks</a:t>
-            </a:r>
-          </a:p>
-          <a:p>
-            <a:pPr lvl="0" indent="0" marL="0">
-              <a:buNone/>
-            </a:pPr>
-            <a:r>
-              <a:rPr b="1"/>
-              <a:t>Conventional Dosing</a:t>
-            </a:r>
-          </a:p>
-          <a:p>
-            <a:pPr lvl="0"/>
-            <a:r>
-              <a:rPr/>
-              <a:t>25-30 treatment over 5-6 weeks</a:t>
-            </a:r>
-          </a:p>
-          <a:p>
-            <a:pPr lvl="0"/>
-            <a:r>
-              <a:rPr/>
-              <a:t>Usually combined with low-dose chemo</a:t>
+              <a:t>For patients with metastasis to bone causing pain</a:t>
+            </a:r>
+          </a:p>
+          <a:p>
+            <a:pPr lvl="0"/>
+            <a:r>
+              <a:rPr/>
+              <a:t>Radiation can provide pain relief</a:t>
+            </a:r>
+          </a:p>
+          <a:p>
+            <a:pPr lvl="0"/>
+            <a:r>
+              <a:rPr/>
+              <a:t>Typically 10 daily treatments over two weeks</a:t>
             </a:r>
           </a:p>
         </p:txBody>
@@ -4931,7 +4895,7 @@
             </a:pPr>
             <a:r>
               <a:rPr/>
-              <a:t>Radiation Therapy - Bone</a:t>
+              <a:t>Primary Care Practitioner (PCP)</a:t>
             </a:r>
           </a:p>
         </p:txBody>
@@ -4956,21 +4920,25 @@
             </a:pPr>
             <a:r>
               <a:rPr/>
-              <a:t>For patients with metastasis to bone causing pain</a:t>
-            </a:r>
-          </a:p>
-          <a:p>
-            <a:pPr lvl="0"/>
-            <a:r>
-              <a:rPr/>
-              <a:t>Radiation can provide pain relief</a:t>
-            </a:r>
-          </a:p>
-          <a:p>
-            <a:pPr lvl="0"/>
-            <a:r>
-              <a:rPr/>
-              <a:t>Typically 10 daily treatments over two weeks</a:t>
+              <a:t>Critical to coordinate care between specialists.</a:t>
+            </a:r>
+          </a:p>
+          <a:p>
+            <a:pPr lvl="0" indent="0" marL="0">
+              <a:buNone/>
+            </a:pPr>
+            <a:r>
+              <a:rPr/>
+              <a:t>We will update your PCP after each visit</a:t>
+            </a:r>
+          </a:p>
+          <a:p>
+            <a:pPr lvl="0" indent="0" marL="0">
+              <a:buNone/>
+            </a:pPr>
+            <a:r>
+              <a:rPr/>
+              <a:t>PCP Referral Line (844) 235-6998</a:t>
             </a:r>
           </a:p>
         </p:txBody>
@@ -5022,7 +4990,7 @@
             </a:pPr>
             <a:r>
               <a:rPr/>
-              <a:t>Primary Care Practitioner (PCP)</a:t>
+              <a:t>My Atrium Patient Portal</a:t>
             </a:r>
           </a:p>
         </p:txBody>
@@ -5042,30 +5010,24 @@
           <a:bodyPr/>
           <a:lstStyle/>
           <a:p>
-            <a:pPr lvl="0" indent="0" marL="0">
-              <a:buNone/>
-            </a:pPr>
-            <a:r>
-              <a:rPr/>
-              <a:t>Critical to coordinate care between specialists.</a:t>
-            </a:r>
-          </a:p>
-          <a:p>
-            <a:pPr lvl="0" indent="0" marL="0">
-              <a:buNone/>
-            </a:pPr>
-            <a:r>
-              <a:rPr/>
-              <a:t>We will update your PCP after each visit</a:t>
-            </a:r>
-          </a:p>
-          <a:p>
-            <a:pPr lvl="0" indent="0" marL="0">
-              <a:buNone/>
-            </a:pPr>
-            <a:r>
-              <a:rPr/>
-              <a:t>PCP Referral Line (844) 235-6998</a:t>
+            <a:pPr lvl="0"/>
+            <a:r>
+              <a:rPr/>
+              <a:t>Critical to good communication with your care team</a:t>
+            </a:r>
+          </a:p>
+          <a:p>
+            <a:pPr lvl="0"/>
+            <a:r>
+              <a:rPr/>
+              <a:t>Available for desktop or laptop or phone</a:t>
+            </a:r>
+          </a:p>
+          <a:p>
+            <a:pPr lvl="0"/>
+            <a:r>
+              <a:rPr/>
+              <a:t>Sign up at my.atriumhealth.org</a:t>
             </a:r>
           </a:p>
         </p:txBody>
@@ -5117,7 +5079,7 @@
             </a:pPr>
             <a:r>
               <a:rPr/>
-              <a:t>My Atrium Patient Portal</a:t>
+              <a:t>Exercise</a:t>
             </a:r>
           </a:p>
         </p:txBody>
@@ -5140,21 +5102,35 @@
             <a:pPr lvl="0"/>
             <a:r>
               <a:rPr/>
-              <a:t>Critical to good communication with your care team</a:t>
-            </a:r>
-          </a:p>
-          <a:p>
-            <a:pPr lvl="0"/>
-            <a:r>
-              <a:rPr/>
-              <a:t>Available for desktop or laptop or phone</a:t>
-            </a:r>
-          </a:p>
-          <a:p>
-            <a:pPr lvl="0"/>
-            <a:r>
-              <a:rPr/>
-              <a:t>Sign up at my.atriumhealth.org</a:t>
+              <a:t>Reduces risk of complications from treatment</a:t>
+            </a:r>
+          </a:p>
+          <a:p>
+            <a:pPr lvl="0"/>
+            <a:r>
+              <a:rPr/>
+              <a:t>Goal is 30min/day of vigorous exercise 6 days/wk</a:t>
+            </a:r>
+          </a:p>
+          <a:p>
+            <a:pPr lvl="1"/>
+            <a:r>
+              <a:rPr/>
+              <a:t>Working hard enough that you can’t converse</a:t>
+            </a:r>
+          </a:p>
+          <a:p>
+            <a:pPr lvl="1"/>
+            <a:r>
+              <a:rPr/>
+              <a:t>Start slowly and build up</a:t>
+            </a:r>
+          </a:p>
+          <a:p>
+            <a:pPr lvl="1"/>
+            <a:r>
+              <a:rPr/>
+              <a:t>Every day counts! (Aim for daily activity)</a:t>
             </a:r>
           </a:p>
         </p:txBody>
@@ -5206,7 +5182,7 @@
             </a:pPr>
             <a:r>
               <a:rPr/>
-              <a:t>Exercise</a:t>
+              <a:t>Smoking Cessation</a:t>
             </a:r>
           </a:p>
         </p:txBody>
@@ -5229,35 +5205,42 @@
             <a:pPr lvl="0"/>
             <a:r>
               <a:rPr/>
-              <a:t>Reduces risk of complications from treatment</a:t>
-            </a:r>
-          </a:p>
-          <a:p>
-            <a:pPr lvl="0"/>
-            <a:r>
-              <a:rPr/>
-              <a:t>Goal is 30min/day of vigorous exercise 6 days/wk</a:t>
+              <a:t>Smoking makes cancer treatment more difficult</a:t>
             </a:r>
           </a:p>
           <a:p>
             <a:pPr lvl="1"/>
             <a:r>
               <a:rPr/>
-              <a:t>Working hard enough that you can’t converse</a:t>
+              <a:t>Increases risk of complications after surgery</a:t>
+            </a:r>
+          </a:p>
+          <a:p>
+            <a:pPr lvl="0"/>
+            <a:r>
+              <a:rPr/>
+              <a:t>Options for help with smoking cessation:</a:t>
             </a:r>
           </a:p>
           <a:p>
             <a:pPr lvl="1"/>
             <a:r>
               <a:rPr/>
-              <a:t>Start slowly and build up</a:t>
+              <a:t>NC Quit Line 1-800-QUIT-NOW (1-800-784-8669)</a:t>
             </a:r>
           </a:p>
           <a:p>
             <a:pPr lvl="1"/>
             <a:r>
               <a:rPr/>
-              <a:t>Every day counts! (Aim for daily activity)</a:t>
+              <a:t>American Lung Assn www.freedomfromsmoking.org</a:t>
+            </a:r>
+          </a:p>
+          <a:p>
+            <a:pPr lvl="1"/>
+            <a:r>
+              <a:rPr/>
+              <a:t>Smoking Cessation Counseling (Metro Charlotte)</a:t>
             </a:r>
           </a:p>
         </p:txBody>
@@ -5268,116 +5251,6 @@
 </file>
 
 <file path=ppt/slides/slide24.xml><?xml version="1.0" encoding="utf-8"?>
-<p:sld xmlns:a="http://schemas.openxmlformats.org/drawingml/2006/main" xmlns:r="http://schemas.openxmlformats.org/officeDocument/2006/relationships" xmlns:p="http://schemas.openxmlformats.org/presentationml/2006/main">
-  <p:cSld>
-    <p:spTree>
-      <p:nvGrpSpPr>
-        <p:cNvPr id="1" name=""/>
-        <p:cNvGrpSpPr/>
-        <p:nvPr/>
-      </p:nvGrpSpPr>
-      <p:grpSpPr>
-        <a:xfrm>
-          <a:off x="0" y="0"/>
-          <a:ext cx="0" cy="0"/>
-          <a:chOff x="0" y="0"/>
-          <a:chExt cx="0" cy="0"/>
-        </a:xfrm>
-      </p:grpSpPr>
-      <p:sp>
-        <p:nvSpPr>
-          <p:cNvPr id="2" name="Title 1"/>
-          <p:cNvSpPr>
-            <a:spLocks noGrp="1"/>
-          </p:cNvSpPr>
-          <p:nvPr>
-            <p:ph type="title"/>
-          </p:nvPr>
-        </p:nvSpPr>
-        <p:spPr>
-          <a:xfrm>
-            <a:off x="284309" y="205979"/>
-            <a:ext cx="8552330" cy="662317"/>
-          </a:xfrm>
-        </p:spPr>
-        <p:txBody>
-          <a:bodyPr/>
-          <a:lstStyle/>
-          <a:p>
-            <a:pPr lvl="0" indent="0" marL="0">
-              <a:buNone/>
-            </a:pPr>
-            <a:r>
-              <a:rPr/>
-              <a:t>Smoking Cessation</a:t>
-            </a:r>
-          </a:p>
-        </p:txBody>
-      </p:sp>
-      <p:sp>
-        <p:nvSpPr>
-          <p:cNvPr id="3" name="Content Placeholder 2"/>
-          <p:cNvSpPr>
-            <a:spLocks noGrp="1"/>
-          </p:cNvSpPr>
-          <p:nvPr>
-            <p:ph idx="1"/>
-          </p:nvPr>
-        </p:nvSpPr>
-        <p:spPr/>
-        <p:txBody>
-          <a:bodyPr/>
-          <a:lstStyle/>
-          <a:p>
-            <a:pPr lvl="0"/>
-            <a:r>
-              <a:rPr/>
-              <a:t>Smoking makes cancer treatment more difficult</a:t>
-            </a:r>
-          </a:p>
-          <a:p>
-            <a:pPr lvl="1"/>
-            <a:r>
-              <a:rPr/>
-              <a:t>Increases risk of complications after surgery</a:t>
-            </a:r>
-          </a:p>
-          <a:p>
-            <a:pPr lvl="0"/>
-            <a:r>
-              <a:rPr/>
-              <a:t>Options for help with smoking cessation:</a:t>
-            </a:r>
-          </a:p>
-          <a:p>
-            <a:pPr lvl="1"/>
-            <a:r>
-              <a:rPr/>
-              <a:t>NC Quit Line 1-800-QUIT-NOW (1-800-784-8669)</a:t>
-            </a:r>
-          </a:p>
-          <a:p>
-            <a:pPr lvl="1"/>
-            <a:r>
-              <a:rPr/>
-              <a:t>American Lung Assn www.freedomfromsmoking.org</a:t>
-            </a:r>
-          </a:p>
-          <a:p>
-            <a:pPr lvl="1"/>
-            <a:r>
-              <a:rPr/>
-              <a:t>Smoking Cessation Counseling (Metro Charlotte)</a:t>
-            </a:r>
-          </a:p>
-        </p:txBody>
-      </p:sp>
-    </p:spTree>
-  </p:cSld>
-</p:sld>
-</file>
-
-<file path=ppt/slides/slide25.xml><?xml version="1.0" encoding="utf-8"?>
 <p:sld xmlns:a="http://schemas.openxmlformats.org/drawingml/2006/main" xmlns:r="http://schemas.openxmlformats.org/officeDocument/2006/relationships" xmlns:p="http://schemas.openxmlformats.org/presentationml/2006/main">
   <p:cSld>
     <p:spTree>
